--- a/poster/poster.pptx
+++ b/poster/poster.pptx
@@ -804,678 +804,6 @@
 </c:chartSpace>
 </file>
 
-<file path=ppt/charts/chart2.xml><?xml version="1.0" encoding="utf-8"?>
-<c:chartSpace xmlns:c="http://schemas.openxmlformats.org/drawingml/2006/chart" xmlns:a="http://schemas.openxmlformats.org/drawingml/2006/main" xmlns:r="http://schemas.openxmlformats.org/officeDocument/2006/relationships" xmlns:c16r2="http://schemas.microsoft.com/office/drawing/2015/06/chart">
-  <c:date1904 val="0"/>
-  <c:lang val="en-US"/>
-  <c:roundedCorners val="0"/>
-  <mc:AlternateContent xmlns:mc="http://schemas.openxmlformats.org/markup-compatibility/2006">
-    <mc:Choice xmlns:c14="http://schemas.microsoft.com/office/drawing/2007/8/2/chart" Requires="c14">
-      <c14:style val="102"/>
-    </mc:Choice>
-    <mc:Fallback>
-      <c:style val="2"/>
-    </mc:Fallback>
-  </mc:AlternateContent>
-  <c:chart>
-    <c:title>
-      <c:overlay val="0"/>
-      <c:spPr>
-        <a:noFill/>
-        <a:ln>
-          <a:noFill/>
-        </a:ln>
-        <a:effectLst/>
-      </c:spPr>
-      <c:txPr>
-        <a:bodyPr rot="0" spcFirstLastPara="1" vertOverflow="ellipsis" vert="horz" wrap="square" anchor="ctr" anchorCtr="1"/>
-        <a:lstStyle/>
-        <a:p>
-          <a:pPr>
-            <a:defRPr sz="1862" b="0" i="0" u="none" strike="noStrike" kern="1200" spc="0" baseline="0">
-              <a:solidFill>
-                <a:schemeClr val="tx1">
-                  <a:lumMod val="65000"/>
-                  <a:lumOff val="35000"/>
-                </a:schemeClr>
-              </a:solidFill>
-              <a:latin typeface="+mn-lt"/>
-              <a:ea typeface="+mn-ea"/>
-              <a:cs typeface="+mn-cs"/>
-            </a:defRPr>
-          </a:pPr>
-          <a:endParaRPr lang="en-US"/>
-        </a:p>
-      </c:txPr>
-    </c:title>
-    <c:autoTitleDeleted val="0"/>
-    <c:plotArea>
-      <c:layout/>
-      <c:lineChart>
-        <c:grouping val="standard"/>
-        <c:varyColors val="0"/>
-        <c:ser>
-          <c:idx val="0"/>
-          <c:order val="0"/>
-          <c:tx>
-            <c:strRef>
-              <c:f>Sheet1!$B$1</c:f>
-              <c:strCache>
-                <c:ptCount val="1"/>
-                <c:pt idx="0">
-                  <c:v>Series 1</c:v>
-                </c:pt>
-              </c:strCache>
-            </c:strRef>
-          </c:tx>
-          <c:spPr>
-            <a:ln w="28575" cap="rnd">
-              <a:solidFill>
-                <a:schemeClr val="accent1"/>
-              </a:solidFill>
-              <a:round/>
-            </a:ln>
-            <a:effectLst/>
-          </c:spPr>
-          <c:marker>
-            <c:symbol val="none"/>
-          </c:marker>
-          <c:dLbls>
-            <c:dLbl>
-              <c:idx val="3"/>
-              <c:dLblPos val="r"/>
-              <c:showLegendKey val="0"/>
-              <c:showVal val="1"/>
-              <c:showCatName val="0"/>
-              <c:showSerName val="1"/>
-              <c:showPercent val="0"/>
-              <c:showBubbleSize val="0"/>
-              <c:extLst>
-                <c:ext xmlns:c15="http://schemas.microsoft.com/office/drawing/2012/chart" uri="{CE6537A1-D6FC-4f65-9D91-7224C49458BB}"/>
-                <c:ext xmlns:c16="http://schemas.microsoft.com/office/drawing/2014/chart" uri="{C3380CC4-5D6E-409C-BE32-E72D297353CC}">
-                  <c16:uniqueId val="{00000000-4363-455B-8FCB-A6D9C29762D6}"/>
-                </c:ext>
-              </c:extLst>
-            </c:dLbl>
-            <c:spPr>
-              <a:noFill/>
-              <a:ln>
-                <a:noFill/>
-              </a:ln>
-              <a:effectLst/>
-            </c:spPr>
-            <c:txPr>
-              <a:bodyPr rot="0" spcFirstLastPara="1" vertOverflow="ellipsis" vert="horz" wrap="square" lIns="38100" tIns="19050" rIns="38100" bIns="19050" anchor="ctr" anchorCtr="1">
-                <a:spAutoFit/>
-              </a:bodyPr>
-              <a:lstStyle/>
-              <a:p>
-                <a:pPr>
-                  <a:defRPr sz="1197" b="0" i="0" u="none" strike="noStrike" kern="1200" baseline="0">
-                    <a:solidFill>
-                      <a:schemeClr val="tx1">
-                        <a:lumMod val="75000"/>
-                        <a:lumOff val="25000"/>
-                      </a:schemeClr>
-                    </a:solidFill>
-                    <a:latin typeface="+mn-lt"/>
-                    <a:ea typeface="+mn-ea"/>
-                    <a:cs typeface="+mn-cs"/>
-                  </a:defRPr>
-                </a:pPr>
-                <a:endParaRPr lang="en-US"/>
-              </a:p>
-            </c:txPr>
-            <c:showLegendKey val="0"/>
-            <c:showVal val="0"/>
-            <c:showCatName val="0"/>
-            <c:showSerName val="0"/>
-            <c:showPercent val="0"/>
-            <c:showBubbleSize val="0"/>
-            <c:extLst>
-              <c:ext xmlns:c15="http://schemas.microsoft.com/office/drawing/2012/chart" uri="{CE6537A1-D6FC-4f65-9D91-7224C49458BB}">
-                <c15:showLeaderLines val="1"/>
-                <c15:leaderLines>
-                  <c:spPr>
-                    <a:ln w="9525" cap="flat" cmpd="sng" algn="ctr">
-                      <a:solidFill>
-                        <a:schemeClr val="tx1">
-                          <a:lumMod val="35000"/>
-                          <a:lumOff val="65000"/>
-                        </a:schemeClr>
-                      </a:solidFill>
-                      <a:round/>
-                    </a:ln>
-                    <a:effectLst/>
-                  </c:spPr>
-                </c15:leaderLines>
-              </c:ext>
-            </c:extLst>
-          </c:dLbls>
-          <c:cat>
-            <c:strRef>
-              <c:f>Sheet1!$A$2:$A$5</c:f>
-              <c:strCache>
-                <c:ptCount val="4"/>
-                <c:pt idx="0">
-                  <c:v>Category 1</c:v>
-                </c:pt>
-                <c:pt idx="1">
-                  <c:v>Category 2</c:v>
-                </c:pt>
-                <c:pt idx="2">
-                  <c:v>Category 3</c:v>
-                </c:pt>
-                <c:pt idx="3">
-                  <c:v>Category 4</c:v>
-                </c:pt>
-              </c:strCache>
-            </c:strRef>
-          </c:cat>
-          <c:val>
-            <c:numRef>
-              <c:f>Sheet1!$B$2:$B$5</c:f>
-              <c:numCache>
-                <c:formatCode>General</c:formatCode>
-                <c:ptCount val="4"/>
-                <c:pt idx="0">
-                  <c:v>4.3</c:v>
-                </c:pt>
-                <c:pt idx="1">
-                  <c:v>2.5</c:v>
-                </c:pt>
-                <c:pt idx="2">
-                  <c:v>3.5</c:v>
-                </c:pt>
-                <c:pt idx="3">
-                  <c:v>4.5</c:v>
-                </c:pt>
-              </c:numCache>
-            </c:numRef>
-          </c:val>
-          <c:smooth val="0"/>
-          <c:extLst>
-            <c:ext xmlns:c16="http://schemas.microsoft.com/office/drawing/2014/chart" uri="{C3380CC4-5D6E-409C-BE32-E72D297353CC}">
-              <c16:uniqueId val="{00000001-4363-455B-8FCB-A6D9C29762D6}"/>
-            </c:ext>
-          </c:extLst>
-        </c:ser>
-        <c:ser>
-          <c:idx val="1"/>
-          <c:order val="1"/>
-          <c:tx>
-            <c:strRef>
-              <c:f>Sheet1!$C$1</c:f>
-              <c:strCache>
-                <c:ptCount val="1"/>
-                <c:pt idx="0">
-                  <c:v>Series 2</c:v>
-                </c:pt>
-              </c:strCache>
-            </c:strRef>
-          </c:tx>
-          <c:spPr>
-            <a:ln w="28575" cap="rnd">
-              <a:solidFill>
-                <a:schemeClr val="accent2"/>
-              </a:solidFill>
-              <a:round/>
-            </a:ln>
-            <a:effectLst/>
-          </c:spPr>
-          <c:marker>
-            <c:symbol val="none"/>
-          </c:marker>
-          <c:dLbls>
-            <c:dLbl>
-              <c:idx val="3"/>
-              <c:dLblPos val="r"/>
-              <c:showLegendKey val="0"/>
-              <c:showVal val="1"/>
-              <c:showCatName val="0"/>
-              <c:showSerName val="1"/>
-              <c:showPercent val="0"/>
-              <c:showBubbleSize val="0"/>
-              <c:extLst>
-                <c:ext xmlns:c15="http://schemas.microsoft.com/office/drawing/2012/chart" uri="{CE6537A1-D6FC-4f65-9D91-7224C49458BB}"/>
-                <c:ext xmlns:c16="http://schemas.microsoft.com/office/drawing/2014/chart" uri="{C3380CC4-5D6E-409C-BE32-E72D297353CC}">
-                  <c16:uniqueId val="{00000002-4363-455B-8FCB-A6D9C29762D6}"/>
-                </c:ext>
-              </c:extLst>
-            </c:dLbl>
-            <c:spPr>
-              <a:noFill/>
-              <a:ln>
-                <a:noFill/>
-              </a:ln>
-              <a:effectLst/>
-            </c:spPr>
-            <c:txPr>
-              <a:bodyPr rot="0" spcFirstLastPara="1" vertOverflow="ellipsis" vert="horz" wrap="square" lIns="38100" tIns="19050" rIns="38100" bIns="19050" anchor="ctr" anchorCtr="1">
-                <a:spAutoFit/>
-              </a:bodyPr>
-              <a:lstStyle/>
-              <a:p>
-                <a:pPr>
-                  <a:defRPr sz="1197" b="0" i="0" u="none" strike="noStrike" kern="1200" baseline="0">
-                    <a:solidFill>
-                      <a:schemeClr val="tx1">
-                        <a:lumMod val="75000"/>
-                        <a:lumOff val="25000"/>
-                      </a:schemeClr>
-                    </a:solidFill>
-                    <a:latin typeface="+mn-lt"/>
-                    <a:ea typeface="+mn-ea"/>
-                    <a:cs typeface="+mn-cs"/>
-                  </a:defRPr>
-                </a:pPr>
-                <a:endParaRPr lang="en-US"/>
-              </a:p>
-            </c:txPr>
-            <c:showLegendKey val="0"/>
-            <c:showVal val="0"/>
-            <c:showCatName val="0"/>
-            <c:showSerName val="0"/>
-            <c:showPercent val="0"/>
-            <c:showBubbleSize val="0"/>
-            <c:extLst>
-              <c:ext xmlns:c15="http://schemas.microsoft.com/office/drawing/2012/chart" uri="{CE6537A1-D6FC-4f65-9D91-7224C49458BB}">
-                <c15:showLeaderLines val="1"/>
-                <c15:leaderLines>
-                  <c:spPr>
-                    <a:ln w="9525" cap="flat" cmpd="sng" algn="ctr">
-                      <a:solidFill>
-                        <a:schemeClr val="tx1">
-                          <a:lumMod val="35000"/>
-                          <a:lumOff val="65000"/>
-                        </a:schemeClr>
-                      </a:solidFill>
-                      <a:round/>
-                    </a:ln>
-                    <a:effectLst/>
-                  </c:spPr>
-                </c15:leaderLines>
-              </c:ext>
-            </c:extLst>
-          </c:dLbls>
-          <c:cat>
-            <c:strRef>
-              <c:f>Sheet1!$A$2:$A$5</c:f>
-              <c:strCache>
-                <c:ptCount val="4"/>
-                <c:pt idx="0">
-                  <c:v>Category 1</c:v>
-                </c:pt>
-                <c:pt idx="1">
-                  <c:v>Category 2</c:v>
-                </c:pt>
-                <c:pt idx="2">
-                  <c:v>Category 3</c:v>
-                </c:pt>
-                <c:pt idx="3">
-                  <c:v>Category 4</c:v>
-                </c:pt>
-              </c:strCache>
-            </c:strRef>
-          </c:cat>
-          <c:val>
-            <c:numRef>
-              <c:f>Sheet1!$C$2:$C$5</c:f>
-              <c:numCache>
-                <c:formatCode>General</c:formatCode>
-                <c:ptCount val="4"/>
-                <c:pt idx="0">
-                  <c:v>2.4</c:v>
-                </c:pt>
-                <c:pt idx="1">
-                  <c:v>4.4000000000000004</c:v>
-                </c:pt>
-                <c:pt idx="2">
-                  <c:v>1.8</c:v>
-                </c:pt>
-                <c:pt idx="3">
-                  <c:v>2.8</c:v>
-                </c:pt>
-              </c:numCache>
-            </c:numRef>
-          </c:val>
-          <c:smooth val="0"/>
-          <c:extLst>
-            <c:ext xmlns:c16="http://schemas.microsoft.com/office/drawing/2014/chart" uri="{C3380CC4-5D6E-409C-BE32-E72D297353CC}">
-              <c16:uniqueId val="{00000003-4363-455B-8FCB-A6D9C29762D6}"/>
-            </c:ext>
-          </c:extLst>
-        </c:ser>
-        <c:ser>
-          <c:idx val="2"/>
-          <c:order val="2"/>
-          <c:tx>
-            <c:strRef>
-              <c:f>Sheet1!$D$1</c:f>
-              <c:strCache>
-                <c:ptCount val="1"/>
-                <c:pt idx="0">
-                  <c:v>Series 3</c:v>
-                </c:pt>
-              </c:strCache>
-            </c:strRef>
-          </c:tx>
-          <c:spPr>
-            <a:ln w="28575" cap="rnd">
-              <a:solidFill>
-                <a:schemeClr val="accent3"/>
-              </a:solidFill>
-              <a:round/>
-            </a:ln>
-            <a:effectLst/>
-          </c:spPr>
-          <c:marker>
-            <c:symbol val="none"/>
-          </c:marker>
-          <c:dLbls>
-            <c:dLbl>
-              <c:idx val="3"/>
-              <c:dLblPos val="r"/>
-              <c:showLegendKey val="0"/>
-              <c:showVal val="1"/>
-              <c:showCatName val="0"/>
-              <c:showSerName val="1"/>
-              <c:showPercent val="0"/>
-              <c:showBubbleSize val="0"/>
-              <c:extLst>
-                <c:ext xmlns:c15="http://schemas.microsoft.com/office/drawing/2012/chart" uri="{CE6537A1-D6FC-4f65-9D91-7224C49458BB}"/>
-                <c:ext xmlns:c16="http://schemas.microsoft.com/office/drawing/2014/chart" uri="{C3380CC4-5D6E-409C-BE32-E72D297353CC}">
-                  <c16:uniqueId val="{00000004-4363-455B-8FCB-A6D9C29762D6}"/>
-                </c:ext>
-              </c:extLst>
-            </c:dLbl>
-            <c:spPr>
-              <a:noFill/>
-              <a:ln>
-                <a:noFill/>
-              </a:ln>
-              <a:effectLst/>
-            </c:spPr>
-            <c:txPr>
-              <a:bodyPr rot="0" spcFirstLastPara="1" vertOverflow="ellipsis" vert="horz" wrap="square" lIns="38100" tIns="19050" rIns="38100" bIns="19050" anchor="ctr" anchorCtr="1">
-                <a:spAutoFit/>
-              </a:bodyPr>
-              <a:lstStyle/>
-              <a:p>
-                <a:pPr>
-                  <a:defRPr sz="1197" b="0" i="0" u="none" strike="noStrike" kern="1200" baseline="0">
-                    <a:solidFill>
-                      <a:schemeClr val="tx1">
-                        <a:lumMod val="75000"/>
-                        <a:lumOff val="25000"/>
-                      </a:schemeClr>
-                    </a:solidFill>
-                    <a:latin typeface="+mn-lt"/>
-                    <a:ea typeface="+mn-ea"/>
-                    <a:cs typeface="+mn-cs"/>
-                  </a:defRPr>
-                </a:pPr>
-                <a:endParaRPr lang="en-US"/>
-              </a:p>
-            </c:txPr>
-            <c:showLegendKey val="0"/>
-            <c:showVal val="0"/>
-            <c:showCatName val="0"/>
-            <c:showSerName val="0"/>
-            <c:showPercent val="0"/>
-            <c:showBubbleSize val="0"/>
-            <c:extLst>
-              <c:ext xmlns:c15="http://schemas.microsoft.com/office/drawing/2012/chart" uri="{CE6537A1-D6FC-4f65-9D91-7224C49458BB}">
-                <c15:showLeaderLines val="1"/>
-                <c15:leaderLines>
-                  <c:spPr>
-                    <a:ln w="9525" cap="flat" cmpd="sng" algn="ctr">
-                      <a:solidFill>
-                        <a:schemeClr val="tx1">
-                          <a:lumMod val="35000"/>
-                          <a:lumOff val="65000"/>
-                        </a:schemeClr>
-                      </a:solidFill>
-                      <a:round/>
-                    </a:ln>
-                    <a:effectLst/>
-                  </c:spPr>
-                </c15:leaderLines>
-              </c:ext>
-            </c:extLst>
-          </c:dLbls>
-          <c:cat>
-            <c:strRef>
-              <c:f>Sheet1!$A$2:$A$5</c:f>
-              <c:strCache>
-                <c:ptCount val="4"/>
-                <c:pt idx="0">
-                  <c:v>Category 1</c:v>
-                </c:pt>
-                <c:pt idx="1">
-                  <c:v>Category 2</c:v>
-                </c:pt>
-                <c:pt idx="2">
-                  <c:v>Category 3</c:v>
-                </c:pt>
-                <c:pt idx="3">
-                  <c:v>Category 4</c:v>
-                </c:pt>
-              </c:strCache>
-            </c:strRef>
-          </c:cat>
-          <c:val>
-            <c:numRef>
-              <c:f>Sheet1!$D$2:$D$5</c:f>
-              <c:numCache>
-                <c:formatCode>General</c:formatCode>
-                <c:ptCount val="4"/>
-                <c:pt idx="0">
-                  <c:v>2</c:v>
-                </c:pt>
-                <c:pt idx="1">
-                  <c:v>2</c:v>
-                </c:pt>
-                <c:pt idx="2">
-                  <c:v>3</c:v>
-                </c:pt>
-                <c:pt idx="3">
-                  <c:v>5</c:v>
-                </c:pt>
-              </c:numCache>
-            </c:numRef>
-          </c:val>
-          <c:smooth val="0"/>
-          <c:extLst>
-            <c:ext xmlns:c16="http://schemas.microsoft.com/office/drawing/2014/chart" uri="{C3380CC4-5D6E-409C-BE32-E72D297353CC}">
-              <c16:uniqueId val="{00000005-4363-455B-8FCB-A6D9C29762D6}"/>
-            </c:ext>
-          </c:extLst>
-        </c:ser>
-        <c:dLbls>
-          <c:showLegendKey val="0"/>
-          <c:showVal val="0"/>
-          <c:showCatName val="0"/>
-          <c:showSerName val="0"/>
-          <c:showPercent val="0"/>
-          <c:showBubbleSize val="0"/>
-        </c:dLbls>
-        <c:smooth val="0"/>
-        <c:axId val="128015744"/>
-        <c:axId val="128021632"/>
-      </c:lineChart>
-      <c:catAx>
-        <c:axId val="128015744"/>
-        <c:scaling>
-          <c:orientation val="minMax"/>
-        </c:scaling>
-        <c:delete val="0"/>
-        <c:axPos val="b"/>
-        <c:numFmt formatCode="General" sourceLinked="1"/>
-        <c:majorTickMark val="none"/>
-        <c:minorTickMark val="none"/>
-        <c:tickLblPos val="nextTo"/>
-        <c:spPr>
-          <a:noFill/>
-          <a:ln w="9525" cap="flat" cmpd="sng" algn="ctr">
-            <a:solidFill>
-              <a:schemeClr val="tx1">
-                <a:lumMod val="15000"/>
-                <a:lumOff val="85000"/>
-              </a:schemeClr>
-            </a:solidFill>
-            <a:round/>
-          </a:ln>
-          <a:effectLst/>
-        </c:spPr>
-        <c:txPr>
-          <a:bodyPr rot="-60000000" spcFirstLastPara="1" vertOverflow="ellipsis" vert="horz" wrap="square" anchor="ctr" anchorCtr="1"/>
-          <a:lstStyle/>
-          <a:p>
-            <a:pPr>
-              <a:defRPr sz="1197" b="0" i="0" u="none" strike="noStrike" kern="1200" baseline="0">
-                <a:solidFill>
-                  <a:schemeClr val="tx1">
-                    <a:lumMod val="65000"/>
-                    <a:lumOff val="35000"/>
-                  </a:schemeClr>
-                </a:solidFill>
-                <a:latin typeface="+mn-lt"/>
-                <a:ea typeface="+mn-ea"/>
-                <a:cs typeface="+mn-cs"/>
-              </a:defRPr>
-            </a:pPr>
-            <a:endParaRPr lang="en-US"/>
-          </a:p>
-        </c:txPr>
-        <c:crossAx val="128021632"/>
-        <c:crosses val="autoZero"/>
-        <c:auto val="1"/>
-        <c:lblAlgn val="ctr"/>
-        <c:lblOffset val="100"/>
-        <c:noMultiLvlLbl val="0"/>
-      </c:catAx>
-      <c:valAx>
-        <c:axId val="128021632"/>
-        <c:scaling>
-          <c:orientation val="minMax"/>
-        </c:scaling>
-        <c:delete val="0"/>
-        <c:axPos val="l"/>
-        <c:majorGridlines>
-          <c:spPr>
-            <a:ln w="9525" cap="flat" cmpd="sng" algn="ctr">
-              <a:solidFill>
-                <a:schemeClr val="tx1">
-                  <a:lumMod val="15000"/>
-                  <a:lumOff val="85000"/>
-                </a:schemeClr>
-              </a:solidFill>
-              <a:round/>
-            </a:ln>
-            <a:effectLst/>
-          </c:spPr>
-        </c:majorGridlines>
-        <c:title>
-          <c:overlay val="0"/>
-          <c:spPr>
-            <a:noFill/>
-            <a:ln>
-              <a:noFill/>
-            </a:ln>
-            <a:effectLst/>
-          </c:spPr>
-          <c:txPr>
-            <a:bodyPr rot="-5400000" spcFirstLastPara="1" vertOverflow="ellipsis" vert="horz" wrap="square" anchor="ctr" anchorCtr="1"/>
-            <a:lstStyle/>
-            <a:p>
-              <a:pPr>
-                <a:defRPr sz="1330" b="0" i="0" u="none" strike="noStrike" kern="1200" baseline="0">
-                  <a:solidFill>
-                    <a:schemeClr val="tx1">
-                      <a:lumMod val="65000"/>
-                      <a:lumOff val="35000"/>
-                    </a:schemeClr>
-                  </a:solidFill>
-                  <a:latin typeface="+mn-lt"/>
-                  <a:ea typeface="+mn-ea"/>
-                  <a:cs typeface="+mn-cs"/>
-                </a:defRPr>
-              </a:pPr>
-              <a:endParaRPr lang="en-US"/>
-            </a:p>
-          </c:txPr>
-        </c:title>
-        <c:numFmt formatCode="General" sourceLinked="1"/>
-        <c:majorTickMark val="none"/>
-        <c:minorTickMark val="none"/>
-        <c:tickLblPos val="nextTo"/>
-        <c:spPr>
-          <a:noFill/>
-          <a:ln>
-            <a:noFill/>
-          </a:ln>
-          <a:effectLst/>
-        </c:spPr>
-        <c:txPr>
-          <a:bodyPr rot="-60000000" spcFirstLastPara="1" vertOverflow="ellipsis" vert="horz" wrap="square" anchor="ctr" anchorCtr="1"/>
-          <a:lstStyle/>
-          <a:p>
-            <a:pPr>
-              <a:defRPr sz="1197" b="0" i="0" u="none" strike="noStrike" kern="1200" baseline="0">
-                <a:solidFill>
-                  <a:schemeClr val="tx1">
-                    <a:lumMod val="65000"/>
-                    <a:lumOff val="35000"/>
-                  </a:schemeClr>
-                </a:solidFill>
-                <a:latin typeface="+mn-lt"/>
-                <a:ea typeface="+mn-ea"/>
-                <a:cs typeface="+mn-cs"/>
-              </a:defRPr>
-            </a:pPr>
-            <a:endParaRPr lang="en-US"/>
-          </a:p>
-        </c:txPr>
-        <c:crossAx val="128015744"/>
-        <c:crosses val="autoZero"/>
-        <c:crossBetween val="between"/>
-      </c:valAx>
-      <c:spPr>
-        <a:noFill/>
-        <a:ln>
-          <a:noFill/>
-        </a:ln>
-        <a:effectLst/>
-      </c:spPr>
-    </c:plotArea>
-    <c:plotVisOnly val="1"/>
-    <c:dispBlanksAs val="gap"/>
-    <c:showDLblsOverMax val="0"/>
-  </c:chart>
-  <c:spPr>
-    <a:noFill/>
-    <a:ln>
-      <a:noFill/>
-    </a:ln>
-    <a:effectLst/>
-  </c:spPr>
-  <c:txPr>
-    <a:bodyPr/>
-    <a:lstStyle/>
-    <a:p>
-      <a:pPr>
-        <a:defRPr/>
-      </a:pPr>
-      <a:endParaRPr lang="en-US"/>
-    </a:p>
-  </c:txPr>
-  <c:externalData r:id="rId3">
-    <c:autoUpdate val="0"/>
-  </c:externalData>
-</c:chartSpace>
-</file>
-
 <file path=ppt/charts/colors1.xml><?xml version="1.0" encoding="utf-8"?>
 <cs:colorStyle xmlns:cs="http://schemas.microsoft.com/office/drawing/2012/chartStyle" xmlns:a="http://schemas.openxmlformats.org/drawingml/2006/main" meth="cycle" id="10">
   <a:schemeClr val="accent1"/>
@@ -1516,563 +844,7 @@
 </cs:colorStyle>
 </file>
 
-<file path=ppt/charts/colors2.xml><?xml version="1.0" encoding="utf-8"?>
-<cs:colorStyle xmlns:cs="http://schemas.microsoft.com/office/drawing/2012/chartStyle" xmlns:a="http://schemas.openxmlformats.org/drawingml/2006/main" meth="cycle" id="10">
-  <a:schemeClr val="accent1"/>
-  <a:schemeClr val="accent2"/>
-  <a:schemeClr val="accent3"/>
-  <a:schemeClr val="accent4"/>
-  <a:schemeClr val="accent5"/>
-  <a:schemeClr val="accent6"/>
-  <cs:variation/>
-  <cs:variation>
-    <a:lumMod val="60000"/>
-  </cs:variation>
-  <cs:variation>
-    <a:lumMod val="80000"/>
-    <a:lumOff val="20000"/>
-  </cs:variation>
-  <cs:variation>
-    <a:lumMod val="80000"/>
-  </cs:variation>
-  <cs:variation>
-    <a:lumMod val="60000"/>
-    <a:lumOff val="40000"/>
-  </cs:variation>
-  <cs:variation>
-    <a:lumMod val="50000"/>
-  </cs:variation>
-  <cs:variation>
-    <a:lumMod val="70000"/>
-    <a:lumOff val="30000"/>
-  </cs:variation>
-  <cs:variation>
-    <a:lumMod val="70000"/>
-  </cs:variation>
-  <cs:variation>
-    <a:lumMod val="50000"/>
-    <a:lumOff val="50000"/>
-  </cs:variation>
-</cs:colorStyle>
-</file>
-
 <file path=ppt/charts/style1.xml><?xml version="1.0" encoding="utf-8"?>
-<cs:chartStyle xmlns:cs="http://schemas.microsoft.com/office/drawing/2012/chartStyle" xmlns:a="http://schemas.openxmlformats.org/drawingml/2006/main" id="227">
-  <cs:axisTitle>
-    <cs:lnRef idx="0"/>
-    <cs:fillRef idx="0"/>
-    <cs:effectRef idx="0"/>
-    <cs:fontRef idx="minor">
-      <a:schemeClr val="tx1">
-        <a:lumMod val="65000"/>
-        <a:lumOff val="35000"/>
-      </a:schemeClr>
-    </cs:fontRef>
-    <cs:defRPr sz="1330" kern="1200"/>
-  </cs:axisTitle>
-  <cs:categoryAxis>
-    <cs:lnRef idx="0"/>
-    <cs:fillRef idx="0"/>
-    <cs:effectRef idx="0"/>
-    <cs:fontRef idx="minor">
-      <a:schemeClr val="tx1">
-        <a:lumMod val="65000"/>
-        <a:lumOff val="35000"/>
-      </a:schemeClr>
-    </cs:fontRef>
-    <cs:spPr>
-      <a:ln w="9525" cap="flat" cmpd="sng" algn="ctr">
-        <a:solidFill>
-          <a:schemeClr val="tx1">
-            <a:lumMod val="15000"/>
-            <a:lumOff val="85000"/>
-          </a:schemeClr>
-        </a:solidFill>
-        <a:round/>
-      </a:ln>
-    </cs:spPr>
-    <cs:defRPr sz="1197" kern="1200"/>
-  </cs:categoryAxis>
-  <cs:chartArea mods="allowNoFillOverride allowNoLineOverride">
-    <cs:lnRef idx="0"/>
-    <cs:fillRef idx="0"/>
-    <cs:effectRef idx="0"/>
-    <cs:fontRef idx="minor">
-      <a:schemeClr val="tx1"/>
-    </cs:fontRef>
-    <cs:spPr>
-      <a:solidFill>
-        <a:schemeClr val="bg1"/>
-      </a:solidFill>
-      <a:ln w="9525" cap="flat" cmpd="sng" algn="ctr">
-        <a:solidFill>
-          <a:schemeClr val="tx1">
-            <a:lumMod val="15000"/>
-            <a:lumOff val="85000"/>
-          </a:schemeClr>
-        </a:solidFill>
-        <a:round/>
-      </a:ln>
-    </cs:spPr>
-    <cs:defRPr sz="1330" kern="1200"/>
-  </cs:chartArea>
-  <cs:dataLabel>
-    <cs:lnRef idx="0"/>
-    <cs:fillRef idx="0"/>
-    <cs:effectRef idx="0"/>
-    <cs:fontRef idx="minor">
-      <a:schemeClr val="tx1">
-        <a:lumMod val="75000"/>
-        <a:lumOff val="25000"/>
-      </a:schemeClr>
-    </cs:fontRef>
-    <cs:defRPr sz="1197" kern="1200"/>
-  </cs:dataLabel>
-  <cs:dataLabelCallout>
-    <cs:lnRef idx="0"/>
-    <cs:fillRef idx="0"/>
-    <cs:effectRef idx="0"/>
-    <cs:fontRef idx="minor">
-      <a:schemeClr val="dk1">
-        <a:lumMod val="65000"/>
-        <a:lumOff val="35000"/>
-      </a:schemeClr>
-    </cs:fontRef>
-    <cs:spPr>
-      <a:solidFill>
-        <a:schemeClr val="lt1"/>
-      </a:solidFill>
-      <a:ln>
-        <a:solidFill>
-          <a:schemeClr val="dk1">
-            <a:lumMod val="25000"/>
-            <a:lumOff val="75000"/>
-          </a:schemeClr>
-        </a:solidFill>
-      </a:ln>
-    </cs:spPr>
-    <cs:defRPr sz="1197" kern="1200"/>
-    <cs:bodyPr rot="0" spcFirstLastPara="1" vertOverflow="clip" horzOverflow="clip" vert="horz" wrap="square" lIns="36576" tIns="18288" rIns="36576" bIns="18288" anchor="ctr" anchorCtr="1">
-      <a:spAutoFit/>
-    </cs:bodyPr>
-  </cs:dataLabelCallout>
-  <cs:dataPoint>
-    <cs:lnRef idx="0"/>
-    <cs:fillRef idx="1">
-      <cs:styleClr val="auto"/>
-    </cs:fillRef>
-    <cs:effectRef idx="0"/>
-    <cs:fontRef idx="minor">
-      <a:schemeClr val="tx1"/>
-    </cs:fontRef>
-    <cs:spPr>
-      <a:solidFill>
-        <a:schemeClr val="phClr"/>
-      </a:solidFill>
-    </cs:spPr>
-  </cs:dataPoint>
-  <cs:dataPoint3D>
-    <cs:lnRef idx="0"/>
-    <cs:fillRef idx="1">
-      <cs:styleClr val="auto"/>
-    </cs:fillRef>
-    <cs:effectRef idx="0"/>
-    <cs:fontRef idx="minor">
-      <a:schemeClr val="tx1"/>
-    </cs:fontRef>
-    <cs:spPr>
-      <a:solidFill>
-        <a:schemeClr val="phClr"/>
-      </a:solidFill>
-    </cs:spPr>
-  </cs:dataPoint3D>
-  <cs:dataPointLine>
-    <cs:lnRef idx="0">
-      <cs:styleClr val="auto"/>
-    </cs:lnRef>
-    <cs:fillRef idx="1"/>
-    <cs:effectRef idx="0"/>
-    <cs:fontRef idx="minor">
-      <a:schemeClr val="tx1"/>
-    </cs:fontRef>
-    <cs:spPr>
-      <a:ln w="28575" cap="rnd">
-        <a:solidFill>
-          <a:schemeClr val="phClr"/>
-        </a:solidFill>
-        <a:round/>
-      </a:ln>
-    </cs:spPr>
-  </cs:dataPointLine>
-  <cs:dataPointMarker>
-    <cs:lnRef idx="0">
-      <cs:styleClr val="auto"/>
-    </cs:lnRef>
-    <cs:fillRef idx="1">
-      <cs:styleClr val="auto"/>
-    </cs:fillRef>
-    <cs:effectRef idx="0"/>
-    <cs:fontRef idx="minor">
-      <a:schemeClr val="tx1"/>
-    </cs:fontRef>
-    <cs:spPr>
-      <a:solidFill>
-        <a:schemeClr val="phClr"/>
-      </a:solidFill>
-      <a:ln w="9525">
-        <a:solidFill>
-          <a:schemeClr val="phClr"/>
-        </a:solidFill>
-      </a:ln>
-    </cs:spPr>
-  </cs:dataPointMarker>
-  <cs:dataPointMarkerLayout symbol="circle" size="5"/>
-  <cs:dataPointWireframe>
-    <cs:lnRef idx="0">
-      <cs:styleClr val="auto"/>
-    </cs:lnRef>
-    <cs:fillRef idx="1"/>
-    <cs:effectRef idx="0"/>
-    <cs:fontRef idx="minor">
-      <a:schemeClr val="tx1"/>
-    </cs:fontRef>
-    <cs:spPr>
-      <a:ln w="9525" cap="rnd">
-        <a:solidFill>
-          <a:schemeClr val="phClr"/>
-        </a:solidFill>
-        <a:round/>
-      </a:ln>
-    </cs:spPr>
-  </cs:dataPointWireframe>
-  <cs:dataTable>
-    <cs:lnRef idx="0"/>
-    <cs:fillRef idx="0"/>
-    <cs:effectRef idx="0"/>
-    <cs:fontRef idx="minor">
-      <a:schemeClr val="tx1">
-        <a:lumMod val="65000"/>
-        <a:lumOff val="35000"/>
-      </a:schemeClr>
-    </cs:fontRef>
-    <cs:spPr>
-      <a:noFill/>
-      <a:ln w="9525" cap="flat" cmpd="sng" algn="ctr">
-        <a:solidFill>
-          <a:schemeClr val="tx1">
-            <a:lumMod val="15000"/>
-            <a:lumOff val="85000"/>
-          </a:schemeClr>
-        </a:solidFill>
-        <a:round/>
-      </a:ln>
-    </cs:spPr>
-    <cs:defRPr sz="1197" kern="1200"/>
-  </cs:dataTable>
-  <cs:downBar>
-    <cs:lnRef idx="0"/>
-    <cs:fillRef idx="0"/>
-    <cs:effectRef idx="0"/>
-    <cs:fontRef idx="minor">
-      <a:schemeClr val="dk1"/>
-    </cs:fontRef>
-    <cs:spPr>
-      <a:solidFill>
-        <a:schemeClr val="dk1">
-          <a:lumMod val="65000"/>
-          <a:lumOff val="35000"/>
-        </a:schemeClr>
-      </a:solidFill>
-      <a:ln w="9525">
-        <a:solidFill>
-          <a:schemeClr val="tx1">
-            <a:lumMod val="65000"/>
-            <a:lumOff val="35000"/>
-          </a:schemeClr>
-        </a:solidFill>
-      </a:ln>
-    </cs:spPr>
-  </cs:downBar>
-  <cs:dropLine>
-    <cs:lnRef idx="0"/>
-    <cs:fillRef idx="0"/>
-    <cs:effectRef idx="0"/>
-    <cs:fontRef idx="minor">
-      <a:schemeClr val="tx1"/>
-    </cs:fontRef>
-    <cs:spPr>
-      <a:ln w="9525" cap="flat" cmpd="sng" algn="ctr">
-        <a:solidFill>
-          <a:schemeClr val="tx1">
-            <a:lumMod val="35000"/>
-            <a:lumOff val="65000"/>
-          </a:schemeClr>
-        </a:solidFill>
-        <a:round/>
-      </a:ln>
-    </cs:spPr>
-  </cs:dropLine>
-  <cs:errorBar>
-    <cs:lnRef idx="0"/>
-    <cs:fillRef idx="0"/>
-    <cs:effectRef idx="0"/>
-    <cs:fontRef idx="minor">
-      <a:schemeClr val="tx1"/>
-    </cs:fontRef>
-    <cs:spPr>
-      <a:ln w="9525" cap="flat" cmpd="sng" algn="ctr">
-        <a:solidFill>
-          <a:schemeClr val="tx1">
-            <a:lumMod val="65000"/>
-            <a:lumOff val="35000"/>
-          </a:schemeClr>
-        </a:solidFill>
-        <a:round/>
-      </a:ln>
-    </cs:spPr>
-  </cs:errorBar>
-  <cs:floor>
-    <cs:lnRef idx="0"/>
-    <cs:fillRef idx="0"/>
-    <cs:effectRef idx="0"/>
-    <cs:fontRef idx="minor">
-      <a:schemeClr val="tx1"/>
-    </cs:fontRef>
-    <cs:spPr>
-      <a:noFill/>
-      <a:ln>
-        <a:noFill/>
-      </a:ln>
-    </cs:spPr>
-  </cs:floor>
-  <cs:gridlineMajor>
-    <cs:lnRef idx="0"/>
-    <cs:fillRef idx="0"/>
-    <cs:effectRef idx="0"/>
-    <cs:fontRef idx="minor">
-      <a:schemeClr val="tx1"/>
-    </cs:fontRef>
-    <cs:spPr>
-      <a:ln w="9525" cap="flat" cmpd="sng" algn="ctr">
-        <a:solidFill>
-          <a:schemeClr val="tx1">
-            <a:lumMod val="15000"/>
-            <a:lumOff val="85000"/>
-          </a:schemeClr>
-        </a:solidFill>
-        <a:round/>
-      </a:ln>
-    </cs:spPr>
-  </cs:gridlineMajor>
-  <cs:gridlineMinor>
-    <cs:lnRef idx="0"/>
-    <cs:fillRef idx="0"/>
-    <cs:effectRef idx="0"/>
-    <cs:fontRef idx="minor">
-      <a:schemeClr val="tx1"/>
-    </cs:fontRef>
-    <cs:spPr>
-      <a:ln w="9525" cap="flat" cmpd="sng" algn="ctr">
-        <a:solidFill>
-          <a:schemeClr val="tx1">
-            <a:lumMod val="5000"/>
-            <a:lumOff val="95000"/>
-          </a:schemeClr>
-        </a:solidFill>
-        <a:round/>
-      </a:ln>
-    </cs:spPr>
-  </cs:gridlineMinor>
-  <cs:hiLoLine>
-    <cs:lnRef idx="0"/>
-    <cs:fillRef idx="0"/>
-    <cs:effectRef idx="0"/>
-    <cs:fontRef idx="minor">
-      <a:schemeClr val="tx1"/>
-    </cs:fontRef>
-    <cs:spPr>
-      <a:ln w="9525" cap="flat" cmpd="sng" algn="ctr">
-        <a:solidFill>
-          <a:schemeClr val="tx1">
-            <a:lumMod val="75000"/>
-            <a:lumOff val="25000"/>
-          </a:schemeClr>
-        </a:solidFill>
-        <a:round/>
-      </a:ln>
-    </cs:spPr>
-  </cs:hiLoLine>
-  <cs:leaderLine>
-    <cs:lnRef idx="0"/>
-    <cs:fillRef idx="0"/>
-    <cs:effectRef idx="0"/>
-    <cs:fontRef idx="minor">
-      <a:schemeClr val="tx1"/>
-    </cs:fontRef>
-    <cs:spPr>
-      <a:ln w="9525" cap="flat" cmpd="sng" algn="ctr">
-        <a:solidFill>
-          <a:schemeClr val="tx1">
-            <a:lumMod val="35000"/>
-            <a:lumOff val="65000"/>
-          </a:schemeClr>
-        </a:solidFill>
-        <a:round/>
-      </a:ln>
-    </cs:spPr>
-  </cs:leaderLine>
-  <cs:legend>
-    <cs:lnRef idx="0"/>
-    <cs:fillRef idx="0"/>
-    <cs:effectRef idx="0"/>
-    <cs:fontRef idx="minor">
-      <a:schemeClr val="tx1">
-        <a:lumMod val="65000"/>
-        <a:lumOff val="35000"/>
-      </a:schemeClr>
-    </cs:fontRef>
-    <cs:defRPr sz="1197" kern="1200"/>
-  </cs:legend>
-  <cs:plotArea mods="allowNoFillOverride allowNoLineOverride">
-    <cs:lnRef idx="0"/>
-    <cs:fillRef idx="0"/>
-    <cs:effectRef idx="0"/>
-    <cs:fontRef idx="minor">
-      <a:schemeClr val="tx1"/>
-    </cs:fontRef>
-  </cs:plotArea>
-  <cs:plotArea3D mods="allowNoFillOverride allowNoLineOverride">
-    <cs:lnRef idx="0"/>
-    <cs:fillRef idx="0"/>
-    <cs:effectRef idx="0"/>
-    <cs:fontRef idx="minor">
-      <a:schemeClr val="tx1"/>
-    </cs:fontRef>
-  </cs:plotArea3D>
-  <cs:seriesAxis>
-    <cs:lnRef idx="0"/>
-    <cs:fillRef idx="0"/>
-    <cs:effectRef idx="0"/>
-    <cs:fontRef idx="minor">
-      <a:schemeClr val="tx1">
-        <a:lumMod val="65000"/>
-        <a:lumOff val="35000"/>
-      </a:schemeClr>
-    </cs:fontRef>
-    <cs:defRPr sz="1197" kern="1200"/>
-  </cs:seriesAxis>
-  <cs:seriesLine>
-    <cs:lnRef idx="0"/>
-    <cs:fillRef idx="0"/>
-    <cs:effectRef idx="0"/>
-    <cs:fontRef idx="minor">
-      <a:schemeClr val="tx1"/>
-    </cs:fontRef>
-    <cs:spPr>
-      <a:ln w="9525" cap="flat" cmpd="sng" algn="ctr">
-        <a:solidFill>
-          <a:schemeClr val="tx1">
-            <a:lumMod val="35000"/>
-            <a:lumOff val="65000"/>
-          </a:schemeClr>
-        </a:solidFill>
-        <a:round/>
-      </a:ln>
-    </cs:spPr>
-  </cs:seriesLine>
-  <cs:title>
-    <cs:lnRef idx="0"/>
-    <cs:fillRef idx="0"/>
-    <cs:effectRef idx="0"/>
-    <cs:fontRef idx="minor">
-      <a:schemeClr val="tx1">
-        <a:lumMod val="65000"/>
-        <a:lumOff val="35000"/>
-      </a:schemeClr>
-    </cs:fontRef>
-    <cs:defRPr sz="1862" b="0" kern="1200" spc="0" baseline="0"/>
-  </cs:title>
-  <cs:trendline>
-    <cs:lnRef idx="0">
-      <cs:styleClr val="auto"/>
-    </cs:lnRef>
-    <cs:fillRef idx="0"/>
-    <cs:effectRef idx="0"/>
-    <cs:fontRef idx="minor">
-      <a:schemeClr val="tx1"/>
-    </cs:fontRef>
-    <cs:spPr>
-      <a:ln w="19050" cap="rnd">
-        <a:solidFill>
-          <a:schemeClr val="phClr"/>
-        </a:solidFill>
-        <a:prstDash val="sysDot"/>
-      </a:ln>
-    </cs:spPr>
-  </cs:trendline>
-  <cs:trendlineLabel>
-    <cs:lnRef idx="0"/>
-    <cs:fillRef idx="0"/>
-    <cs:effectRef idx="0"/>
-    <cs:fontRef idx="minor">
-      <a:schemeClr val="tx1">
-        <a:lumMod val="65000"/>
-        <a:lumOff val="35000"/>
-      </a:schemeClr>
-    </cs:fontRef>
-    <cs:defRPr sz="1197" kern="1200"/>
-  </cs:trendlineLabel>
-  <cs:upBar>
-    <cs:lnRef idx="0"/>
-    <cs:fillRef idx="0"/>
-    <cs:effectRef idx="0"/>
-    <cs:fontRef idx="minor">
-      <a:schemeClr val="dk1"/>
-    </cs:fontRef>
-    <cs:spPr>
-      <a:solidFill>
-        <a:schemeClr val="lt1"/>
-      </a:solidFill>
-      <a:ln w="9525">
-        <a:solidFill>
-          <a:schemeClr val="tx1">
-            <a:lumMod val="15000"/>
-            <a:lumOff val="85000"/>
-          </a:schemeClr>
-        </a:solidFill>
-      </a:ln>
-    </cs:spPr>
-  </cs:upBar>
-  <cs:valueAxis>
-    <cs:lnRef idx="0"/>
-    <cs:fillRef idx="0"/>
-    <cs:effectRef idx="0"/>
-    <cs:fontRef idx="minor">
-      <a:schemeClr val="tx1">
-        <a:lumMod val="65000"/>
-        <a:lumOff val="35000"/>
-      </a:schemeClr>
-    </cs:fontRef>
-    <cs:defRPr sz="1197" kern="1200"/>
-  </cs:valueAxis>
-  <cs:wall>
-    <cs:lnRef idx="0"/>
-    <cs:fillRef idx="0"/>
-    <cs:effectRef idx="0"/>
-    <cs:fontRef idx="minor">
-      <a:schemeClr val="tx1"/>
-    </cs:fontRef>
-    <cs:spPr>
-      <a:noFill/>
-      <a:ln>
-        <a:noFill/>
-      </a:ln>
-    </cs:spPr>
-  </cs:wall>
-</cs:chartStyle>
-</file>
-
-<file path=ppt/charts/style2.xml><?xml version="1.0" encoding="utf-8"?>
 <cs:chartStyle xmlns:cs="http://schemas.microsoft.com/office/drawing/2012/chartStyle" xmlns:a="http://schemas.openxmlformats.org/drawingml/2006/main" id="227">
   <cs:axisTitle>
     <cs:lnRef idx="0"/>
@@ -3156,61 +1928,6 @@
                 <a:spcPts val="1200"/>
               </a:spcBef>
             </a:pPr>
-            <a:r>
-              <a:rPr lang="en-US" dirty="0">
-                <a:solidFill>
-                  <a:prstClr val="white">
-                    <a:lumMod val="50000"/>
-                  </a:prstClr>
-                </a:solidFill>
-                <a:cs typeface="Calibri" panose="020F0502020204030204" pitchFamily="34" charset="0"/>
-              </a:rPr>
-              <a:t>To change this poster, replace our </a:t>
-            </a:r>
-            <a:r>
-              <a:rPr lang="en-US" baseline="0" dirty="0">
-                <a:solidFill>
-                  <a:prstClr val="white">
-                    <a:lumMod val="50000"/>
-                  </a:prstClr>
-                </a:solidFill>
-                <a:cs typeface="Calibri" panose="020F0502020204030204" pitchFamily="34" charset="0"/>
-              </a:rPr>
-              <a:t>sample content with your own</a:t>
-            </a:r>
-            <a:r>
-              <a:rPr lang="en-US" dirty="0">
-                <a:solidFill>
-                  <a:prstClr val="white">
-                    <a:lumMod val="50000"/>
-                  </a:prstClr>
-                </a:solidFill>
-                <a:cs typeface="Calibri" panose="020F0502020204030204" pitchFamily="34" charset="0"/>
-              </a:rPr>
-              <a:t>. Or, if you'd rather start</a:t>
-            </a:r>
-            <a:r>
-              <a:rPr lang="en-US" baseline="0" dirty="0">
-                <a:solidFill>
-                  <a:prstClr val="white">
-                    <a:lumMod val="50000"/>
-                  </a:prstClr>
-                </a:solidFill>
-                <a:cs typeface="Calibri" panose="020F0502020204030204" pitchFamily="34" charset="0"/>
-              </a:rPr>
-              <a:t> from a clean slate, use the New Slide button on the Home tab to insert a new page, then enter your text and content in the empty placeholders.</a:t>
-            </a:r>
-            <a:r>
-              <a:rPr lang="en-US" dirty="0">
-                <a:solidFill>
-                  <a:prstClr val="white">
-                    <a:lumMod val="50000"/>
-                  </a:prstClr>
-                </a:solidFill>
-                <a:cs typeface="Calibri" panose="020F0502020204030204" pitchFamily="34" charset="0"/>
-              </a:rPr>
-              <a:t> If you need more placeholders for titles, subtitles or body text, copy any of the existing placeholders, then drag the new one into place. </a:t>
-            </a:r>
             <a:endParaRPr lang="en-US" sz="1200" dirty="0">
               <a:solidFill>
                 <a:prstClr val="white">
@@ -6303,7 +5020,7 @@
           <a:p>
             <a:r>
               <a:rPr lang="en-US" dirty="0"/>
-              <a:t>MOTIVATION, PROBLEM, SOLUTION</a:t>
+              <a:t>MOTIVATION, PROBLEM and SOLUTION</a:t>
             </a:r>
           </a:p>
         </p:txBody>
@@ -6320,13 +5037,13 @@
         </p:nvSpPr>
         <p:spPr>
           <a:xfrm>
-            <a:off x="857250" y="4714240"/>
-            <a:ext cx="9601200" cy="7133844"/>
+            <a:off x="857250" y="4714239"/>
+            <a:ext cx="9601200" cy="6614189"/>
           </a:xfrm>
         </p:spPr>
         <p:txBody>
           <a:bodyPr>
-            <a:normAutofit/>
+            <a:noAutofit/>
           </a:bodyPr>
           <a:lstStyle/>
           <a:p>
@@ -6337,20 +5054,25 @@
               <a:rPr lang="en-US" sz="2400" b="1" dirty="0">
                 <a:latin typeface="Constantia" panose="02030602050306030303" pitchFamily="18" charset="0"/>
               </a:rPr>
-              <a:t>MOTIVATION: </a:t>
-            </a:r>
+              <a:t>MOTIVATION</a:t>
+            </a:r>
+          </a:p>
+          <a:p>
+            <a:pPr marL="0" indent="0" algn="just">
+              <a:buNone/>
+            </a:pPr>
             <a:r>
               <a:rPr lang="en-CA" sz="2400" dirty="0">
                 <a:latin typeface="Constantia" panose="02030602050306030303" pitchFamily="18" charset="0"/>
               </a:rPr>
-              <a:t>In bioinformatics, approximate matching is vital to compare and contrast DNA and protein sequences. The length of sequences involved in these applications reach billions. Thus, efficient string matching algorithms are needed to optimize time and cost of resources.</a:t>
+              <a:t>In bioinformatics, DNA sequences are often represented by regular expressions to capture different variations of the same structure. Efficient approximate string matching would allow us to capture more sequences and optimize time and cost of resources.</a:t>
             </a:r>
           </a:p>
           <a:p>
             <a:pPr marL="0" indent="0" algn="just">
               <a:buNone/>
             </a:pPr>
-            <a:endParaRPr lang="en-CA" sz="2400" dirty="0">
+            <a:endParaRPr lang="en-CA" sz="1400" dirty="0">
               <a:latin typeface="Constantia" panose="02030602050306030303" pitchFamily="18" charset="0"/>
             </a:endParaRPr>
           </a:p>
@@ -6362,20 +5084,25 @@
               <a:rPr lang="en-CA" sz="2400" b="1" dirty="0">
                 <a:latin typeface="Constantia" panose="02030602050306030303" pitchFamily="18" charset="0"/>
               </a:rPr>
-              <a:t>PROBLEM: </a:t>
-            </a:r>
+              <a:t>PROBLEM</a:t>
+            </a:r>
+          </a:p>
+          <a:p>
+            <a:pPr marL="0" indent="0" algn="just">
+              <a:buNone/>
+            </a:pPr>
             <a:r>
               <a:rPr lang="en-CA" sz="2400" dirty="0">
                 <a:latin typeface="Constantia" panose="02030602050306030303" pitchFamily="18" charset="0"/>
               </a:rPr>
-              <a:t>This project explores whether an implementation of exact regular expression matching can be replaced with one of approximate matching, where the error value for an exact match request would be set to zero.</a:t>
+              <a:t>Is it viable to replace an implementation of exact regular expression matching with one of approximate matching for added functionality?</a:t>
             </a:r>
           </a:p>
           <a:p>
             <a:pPr marL="0" indent="0" algn="just">
               <a:buNone/>
             </a:pPr>
-            <a:endParaRPr lang="en-CA" sz="2400" dirty="0">
+            <a:endParaRPr lang="en-CA" sz="1400" dirty="0">
               <a:latin typeface="Constantia" panose="02030602050306030303" pitchFamily="18" charset="0"/>
             </a:endParaRPr>
           </a:p>
@@ -6387,13 +5114,29 @@
               <a:rPr lang="en-CA" sz="2400" b="1" dirty="0">
                 <a:latin typeface="Constantia" panose="02030602050306030303" pitchFamily="18" charset="0"/>
               </a:rPr>
-              <a:t>SOLUTION: </a:t>
-            </a:r>
+              <a:t>SOLUTION</a:t>
+            </a:r>
+          </a:p>
+          <a:p>
+            <a:pPr marL="0" indent="0" algn="just">
+              <a:buNone/>
+            </a:pPr>
             <a:r>
               <a:rPr lang="en-CA" sz="2400" dirty="0">
                 <a:latin typeface="Constantia" panose="02030602050306030303" pitchFamily="18" charset="0"/>
               </a:rPr>
-              <a:t>A Python implementation of exact regular expression matching using Thompson’s NFA is compared with that of Myers and Miller's approximate matching algorithm built on Thompson’s construction. Matches between string and regular expressions of various lengths are used for testing. The testing methodology compares the time each algorithm takes for the same samples.</a:t>
+              <a:t>A comparison of the running times of exact matching using Thompson’s NFA to the Myers and Miller's approximate matching construction. </a:t>
+            </a:r>
+          </a:p>
+          <a:p>
+            <a:pPr marL="0" indent="0" algn="just">
+              <a:buNone/>
+            </a:pPr>
+            <a:r>
+              <a:rPr lang="en-CA" sz="2400" dirty="0">
+                <a:latin typeface="Constantia" panose="02030602050306030303" pitchFamily="18" charset="0"/>
+              </a:rPr>
+              <a:t>Performance tests compare the running times for both algorithm using sequences and regular expressions of various length.</a:t>
             </a:r>
             <a:endParaRPr lang="en-US" sz="2400" b="1" dirty="0">
               <a:latin typeface="Constantia" panose="02030602050306030303" pitchFamily="18" charset="0"/>
@@ -6413,7 +5156,7 @@
         </p:nvSpPr>
         <p:spPr>
           <a:xfrm>
-            <a:off x="891540" y="11848084"/>
+            <a:off x="891540" y="11352784"/>
             <a:ext cx="9601200" cy="1319276"/>
           </a:xfrm>
         </p:spPr>
@@ -6446,7 +5189,7 @@
         </p:nvSpPr>
         <p:spPr>
           <a:xfrm>
-            <a:off x="857250" y="13167360"/>
+            <a:off x="876300" y="12691110"/>
             <a:ext cx="9601200" cy="8117840"/>
           </a:xfrm>
         </p:spPr>
@@ -6779,7 +5522,7 @@
           <a:p>
             <a:r>
               <a:rPr lang="en-US" dirty="0"/>
-              <a:t>MYERS and miller’s CONSTRUCTION</a:t>
+              <a:t>MYER’S &amp; miller’s CONSTRUCTION</a:t>
             </a:r>
           </a:p>
         </p:txBody>
@@ -6902,7 +5645,19 @@
               <a:rPr lang="en-US" sz="2400" dirty="0">
                 <a:latin typeface="Constantia" panose="02030602050306030303" pitchFamily="18" charset="0"/>
               </a:rPr>
-              <a:t> after at most k errors</a:t>
+              <a:t> with at most </a:t>
+            </a:r>
+            <a:r>
+              <a:rPr lang="en-US" sz="2400" i="1" dirty="0">
+                <a:latin typeface="Constantia" panose="02030602050306030303" pitchFamily="18" charset="0"/>
+              </a:rPr>
+              <a:t>k</a:t>
+            </a:r>
+            <a:r>
+              <a:rPr lang="en-US" sz="2400" dirty="0">
+                <a:latin typeface="Constantia" panose="02030602050306030303" pitchFamily="18" charset="0"/>
+              </a:rPr>
+              <a:t> errors</a:t>
             </a:r>
           </a:p>
           <a:p>
@@ -6922,7 +5677,7 @@
               <a:rPr lang="en-US" sz="2400" dirty="0">
                 <a:latin typeface="Constantia" panose="02030602050306030303" pitchFamily="18" charset="0"/>
               </a:rPr>
-              <a:t>Construct a Myers and Millers NFA by combining |</a:t>
+              <a:t>Construct a Myer’s and Miller's NFA by combining |</a:t>
             </a:r>
             <a:r>
               <a:rPr lang="en-US" sz="2400" i="1" dirty="0">
@@ -6979,7 +5734,7 @@
               <a:rPr lang="en-US" sz="2400" dirty="0">
                 <a:latin typeface="Constantia" panose="02030602050306030303" pitchFamily="18" charset="0"/>
               </a:rPr>
-              <a:t>, incrementing a counter for each error.</a:t>
+              <a:t>, tallying each error transition.</a:t>
             </a:r>
           </a:p>
           <a:p>
@@ -7205,31 +5960,6 @@
           </a:graphicData>
         </a:graphic>
       </p:graphicFrame>
-      <p:graphicFrame>
-        <p:nvGraphicFramePr>
-          <p:cNvPr id="32" name="Content Placeholder 31" descr="Line chart" title="Chart"/>
-          <p:cNvGraphicFramePr>
-            <a:graphicFrameLocks noGrp="1"/>
-          </p:cNvGraphicFramePr>
-          <p:nvPr>
-            <p:ph sz="quarter" idx="33"/>
-            <p:extLst>
-              <p:ext uri="{D42A27DB-BD31-4B8C-83A1-F6EECF244321}">
-                <p14:modId xmlns:p14="http://schemas.microsoft.com/office/powerpoint/2010/main" val="2054185370"/>
-              </p:ext>
-            </p:extLst>
-          </p:nvPr>
-        </p:nvGraphicFramePr>
-        <p:xfrm>
-          <a:off x="22959060" y="10226687"/>
-          <a:ext cx="8534400" cy="4876800"/>
-        </p:xfrm>
-        <a:graphic>
-          <a:graphicData uri="http://schemas.openxmlformats.org/drawingml/2006/chart">
-            <c:chart xmlns:c="http://schemas.openxmlformats.org/drawingml/2006/chart" xmlns:r="http://schemas.openxmlformats.org/officeDocument/2006/relationships" r:id="rId4"/>
-          </a:graphicData>
-        </a:graphic>
-      </p:graphicFrame>
       <p:sp>
         <p:nvSpPr>
           <p:cNvPr id="21" name="Text Placeholder 20"/>
@@ -7269,22 +5999,21 @@
           <a:lstStyle/>
           <a:p>
             <a:r>
-              <a:rPr lang="en-US"/>
+              <a:rPr lang="en-US" dirty="0"/>
               <a:t>Conclusion 1</a:t>
             </a:r>
           </a:p>
           <a:p>
             <a:r>
-              <a:rPr lang="en-US"/>
+              <a:rPr lang="en-US" dirty="0"/>
               <a:t>Conclusion 2</a:t>
             </a:r>
           </a:p>
           <a:p>
             <a:r>
-              <a:rPr lang="en-US"/>
+              <a:rPr lang="en-US" dirty="0"/>
               <a:t>Conclusion 3</a:t>
             </a:r>
-            <a:endParaRPr lang="en-US" dirty="0"/>
           </a:p>
         </p:txBody>
       </p:sp>
@@ -7303,7 +6032,7 @@
           <p:nvPr/>
         </p:nvPicPr>
         <p:blipFill>
-          <a:blip r:embed="rId5"/>
+          <a:blip r:embed="rId4"/>
           <a:stretch>
             <a:fillRect/>
           </a:stretch>
@@ -7333,7 +6062,7 @@
           <p:nvPr/>
         </p:nvPicPr>
         <p:blipFill>
-          <a:blip r:embed="rId6"/>
+          <a:blip r:embed="rId5"/>
           <a:stretch>
             <a:fillRect/>
           </a:stretch>
@@ -7363,9 +6092,9 @@
         <p:grpSpPr>
           <a:xfrm>
             <a:off x="11658600" y="10682098"/>
-            <a:ext cx="9308317" cy="7351902"/>
+            <a:ext cx="8042330" cy="7306671"/>
             <a:chOff x="12157710" y="8281162"/>
-            <a:chExt cx="9308317" cy="7351902"/>
+            <a:chExt cx="8042330" cy="7306671"/>
           </a:xfrm>
         </p:grpSpPr>
         <p:pic>
@@ -7383,13 +6112,13 @@
             <p:nvPr/>
           </p:nvPicPr>
           <p:blipFill rotWithShape="1">
-            <a:blip r:embed="rId7"/>
+            <a:blip r:embed="rId6"/>
             <a:srcRect l="3069" r="3398" b="4456"/>
             <a:stretch/>
           </p:blipFill>
           <p:spPr>
             <a:xfrm>
-              <a:off x="13304723" y="8927493"/>
+              <a:off x="12797854" y="8882262"/>
               <a:ext cx="7014290" cy="6705571"/>
             </a:xfrm>
             <a:prstGeom prst="rect">
@@ -7412,7 +6141,7 @@
           <p:spPr>
             <a:xfrm>
               <a:off x="12157710" y="8281162"/>
-              <a:ext cx="9308317" cy="646331"/>
+              <a:ext cx="8042330" cy="584775"/>
             </a:xfrm>
             <a:prstGeom prst="rect">
               <a:avLst/>
@@ -7426,22 +6155,46 @@
             <a:lstStyle/>
             <a:p>
               <a:r>
-                <a:rPr lang="en-CA" sz="3600" dirty="0">
+                <a:rPr lang="en-CA" sz="3200" u="sng" dirty="0">
                   <a:latin typeface="Constantia" panose="02030602050306030303" pitchFamily="18" charset="0"/>
                 </a:rPr>
-                <a:t>Myer’s &amp; Miller’s NFA with r = (</a:t>
+                <a:t>Myer’s &amp; Miller’s NFA for </a:t>
               </a:r>
               <a:r>
-                <a:rPr lang="en-CA" sz="3600" dirty="0" err="1">
+                <a:rPr lang="en-CA" sz="3200" i="1" u="sng" dirty="0">
+                  <a:latin typeface="Constantia" panose="02030602050306030303" pitchFamily="18" charset="0"/>
+                </a:rPr>
+                <a:t>r</a:t>
+              </a:r>
+              <a:r>
+                <a:rPr lang="en-CA" sz="3200" u="sng" dirty="0">
+                  <a:latin typeface="Constantia" panose="02030602050306030303" pitchFamily="18" charset="0"/>
+                </a:rPr>
+                <a:t> = (</a:t>
+              </a:r>
+              <a:r>
+                <a:rPr lang="en-CA" sz="3200" u="sng" dirty="0" err="1">
                   <a:latin typeface="Constantia" panose="02030602050306030303" pitchFamily="18" charset="0"/>
                 </a:rPr>
                 <a:t>a|b</a:t>
               </a:r>
               <a:r>
-                <a:rPr lang="en-CA" sz="3600" dirty="0">
+                <a:rPr lang="en-CA" sz="3200" u="sng" dirty="0">
                   <a:latin typeface="Constantia" panose="02030602050306030303" pitchFamily="18" charset="0"/>
                 </a:rPr>
-                <a:t>)a*, s = “ab”</a:t>
+                <a:t>)a*, </a:t>
+              </a:r>
+              <a:r>
+                <a:rPr lang="en-CA" sz="3200" i="1" u="sng" dirty="0">
+                  <a:latin typeface="Constantia" panose="02030602050306030303" pitchFamily="18" charset="0"/>
+                </a:rPr>
+                <a:t>s</a:t>
+              </a:r>
+              <a:r>
+                <a:rPr lang="en-CA" sz="3200" u="sng" dirty="0">
+                  <a:latin typeface="Constantia" panose="02030602050306030303" pitchFamily="18" charset="0"/>
+                </a:rPr>
+                <a:t> = “ab”</a:t>
               </a:r>
             </a:p>
           </p:txBody>
@@ -7461,10 +6214,10 @@
         </p:nvGrpSpPr>
         <p:grpSpPr>
           <a:xfrm>
-            <a:off x="1738271" y="17978781"/>
-            <a:ext cx="7134225" cy="7258885"/>
-            <a:chOff x="2238623" y="18010940"/>
-            <a:chExt cx="7134225" cy="7258885"/>
+            <a:off x="2125027" y="17080925"/>
+            <a:ext cx="7134225" cy="7218820"/>
+            <a:chOff x="2238623" y="18051005"/>
+            <a:chExt cx="7134225" cy="7218820"/>
           </a:xfrm>
         </p:grpSpPr>
         <p:sp>
@@ -7481,8 +6234,8 @@
           </p:nvSpPr>
           <p:spPr>
             <a:xfrm>
-              <a:off x="2441257" y="18010940"/>
-              <a:ext cx="6728958" cy="646331"/>
+              <a:off x="2940952" y="18051005"/>
+              <a:ext cx="5723618" cy="584775"/>
             </a:xfrm>
             <a:prstGeom prst="rect">
               <a:avLst/>
@@ -7496,19 +6249,31 @@
             <a:lstStyle/>
             <a:p>
               <a:r>
-                <a:rPr lang="en-CA" sz="3600" dirty="0">
+                <a:rPr lang="en-CA" sz="3200" u="sng" dirty="0">
                   <a:latin typeface="Constantia" panose="02030602050306030303" pitchFamily="18" charset="0"/>
                 </a:rPr>
-                <a:t>Thompson’s NFA with r = (</a:t>
+                <a:t>Thompson’s NFA for </a:t>
               </a:r>
               <a:r>
-                <a:rPr lang="en-CA" sz="3600" dirty="0" err="1">
+                <a:rPr lang="en-CA" sz="3200" i="1" u="sng" dirty="0">
+                  <a:latin typeface="Constantia" panose="02030602050306030303" pitchFamily="18" charset="0"/>
+                </a:rPr>
+                <a:t>r</a:t>
+              </a:r>
+              <a:r>
+                <a:rPr lang="en-CA" sz="3200" u="sng" dirty="0">
+                  <a:latin typeface="Constantia" panose="02030602050306030303" pitchFamily="18" charset="0"/>
+                </a:rPr>
+                <a:t> = (</a:t>
+              </a:r>
+              <a:r>
+                <a:rPr lang="en-CA" sz="3200" u="sng" dirty="0" err="1">
                   <a:latin typeface="Constantia" panose="02030602050306030303" pitchFamily="18" charset="0"/>
                 </a:rPr>
                 <a:t>a|b</a:t>
               </a:r>
               <a:r>
-                <a:rPr lang="en-CA" sz="3600" dirty="0">
+                <a:rPr lang="en-CA" sz="3200" u="sng" dirty="0">
                   <a:latin typeface="Constantia" panose="02030602050306030303" pitchFamily="18" charset="0"/>
                 </a:rPr>
                 <a:t>)a*</a:t>
@@ -7531,7 +6296,7 @@
             <p:nvPr/>
           </p:nvPicPr>
           <p:blipFill>
-            <a:blip r:embed="rId8">
+            <a:blip r:embed="rId7">
               <a:extLst>
                 <a:ext uri="{28A0092B-C50C-407E-A947-70E740481C1C}">
                   <a14:useLocalDpi xmlns:a14="http://schemas.microsoft.com/office/drawing/2010/main" val="0"/>
@@ -7553,6 +6318,38 @@
           </p:spPr>
         </p:pic>
       </p:grpSp>
+      <p:sp>
+        <p:nvSpPr>
+          <p:cNvPr id="6" name="Content Placeholder 5">
+            <a:extLst>
+              <a:ext uri="{FF2B5EF4-FFF2-40B4-BE49-F238E27FC236}">
+                <a16:creationId xmlns:a16="http://schemas.microsoft.com/office/drawing/2014/main" id="{2D4885BC-F8B3-4EB8-824F-CF25BDC84011}"/>
+              </a:ext>
+            </a:extLst>
+          </p:cNvPr>
+          <p:cNvSpPr>
+            <a:spLocks noGrp="1"/>
+          </p:cNvSpPr>
+          <p:nvPr>
+            <p:ph sz="quarter" idx="33"/>
+          </p:nvPr>
+        </p:nvSpPr>
+        <p:spPr/>
+        <p:txBody>
+          <a:bodyPr>
+            <a:normAutofit/>
+          </a:bodyPr>
+          <a:lstStyle/>
+          <a:p>
+            <a:r>
+              <a:rPr lang="en-CA" sz="2400" dirty="0">
+                <a:latin typeface="Constantia" panose="02030602050306030303" pitchFamily="18" charset="0"/>
+              </a:rPr>
+              <a:t>Testing environment details</a:t>
+            </a:r>
+          </a:p>
+        </p:txBody>
+      </p:sp>
     </p:spTree>
     <p:extLst>
       <p:ext uri="{BB962C8B-B14F-4D97-AF65-F5344CB8AC3E}">

--- a/poster/poster.pptx
+++ b/poster/poster.pptx
@@ -147,6 +147,45 @@
   </mc:AlternateContent>
   <c:chart>
     <c:title>
+      <c:tx>
+        <c:rich>
+          <a:bodyPr rot="0" spcFirstLastPara="1" vertOverflow="ellipsis" vert="horz" wrap="square" anchor="ctr" anchorCtr="1"/>
+          <a:lstStyle/>
+          <a:p>
+            <a:pPr>
+              <a:defRPr sz="1400" b="0" i="0" u="none" strike="noStrike" kern="1200" spc="0" baseline="0">
+                <a:solidFill>
+                  <a:schemeClr val="tx1"/>
+                </a:solidFill>
+                <a:latin typeface="+mn-lt"/>
+                <a:ea typeface="+mn-ea"/>
+                <a:cs typeface="+mn-cs"/>
+              </a:defRPr>
+            </a:pPr>
+            <a:r>
+              <a:rPr lang="en-CA" sz="2400" dirty="0">
+                <a:solidFill>
+                  <a:schemeClr val="tx1"/>
+                </a:solidFill>
+              </a:rPr>
+              <a:t>Runtimes of Various</a:t>
+            </a:r>
+            <a:r>
+              <a:rPr lang="en-CA" sz="2400" baseline="0" dirty="0">
+                <a:solidFill>
+                  <a:schemeClr val="tx1"/>
+                </a:solidFill>
+              </a:rPr>
+              <a:t> Regular Expressions and Strings for Exact and Approximate Matching Algorithms</a:t>
+            </a:r>
+            <a:endParaRPr lang="en-CA" sz="2400" dirty="0">
+              <a:solidFill>
+                <a:schemeClr val="tx1"/>
+              </a:solidFill>
+            </a:endParaRPr>
+          </a:p>
+        </c:rich>
+      </c:tx>
       <c:overlay val="0"/>
       <c:spPr>
         <a:noFill/>
@@ -160,12 +199,9 @@
         <a:lstStyle/>
         <a:p>
           <a:pPr>
-            <a:defRPr sz="1862" b="0" i="0" u="none" strike="noStrike" kern="1200" spc="0" baseline="0">
+            <a:defRPr sz="1400" b="0" i="0" u="none" strike="noStrike" kern="1200" spc="0" baseline="0">
               <a:solidFill>
-                <a:schemeClr val="tx1">
-                  <a:lumMod val="65000"/>
-                  <a:lumOff val="35000"/>
-                </a:schemeClr>
+                <a:schemeClr val="tx1"/>
               </a:solidFill>
               <a:latin typeface="+mn-lt"/>
               <a:ea typeface="+mn-ea"/>
@@ -179,8 +215,9 @@
     <c:autoTitleDeleted val="0"/>
     <c:plotArea>
       <c:layout/>
-      <c:lineChart>
-        <c:grouping val="standard"/>
+      <c:barChart>
+        <c:barDir val="col"/>
+        <c:grouping val="clustered"/>
         <c:varyColors val="0"/>
         <c:ser>
           <c:idx val="0"/>
@@ -191,40 +228,22 @@
               <c:strCache>
                 <c:ptCount val="1"/>
                 <c:pt idx="0">
-                  <c:v>Series 1</c:v>
+                  <c:v>Exact</c:v>
                 </c:pt>
               </c:strCache>
             </c:strRef>
           </c:tx>
           <c:spPr>
-            <a:ln w="28575" cap="rnd">
-              <a:solidFill>
-                <a:schemeClr val="accent1"/>
-              </a:solidFill>
-              <a:round/>
+            <a:solidFill>
+              <a:srgbClr val="2E66F2"/>
+            </a:solidFill>
+            <a:ln>
+              <a:noFill/>
             </a:ln>
             <a:effectLst/>
           </c:spPr>
-          <c:marker>
-            <c:symbol val="none"/>
-          </c:marker>
+          <c:invertIfNegative val="0"/>
           <c:dLbls>
-            <c:dLbl>
-              <c:idx val="3"/>
-              <c:dLblPos val="r"/>
-              <c:showLegendKey val="0"/>
-              <c:showVal val="1"/>
-              <c:showCatName val="0"/>
-              <c:showSerName val="1"/>
-              <c:showPercent val="0"/>
-              <c:showBubbleSize val="0"/>
-              <c:extLst>
-                <c:ext xmlns:c15="http://schemas.microsoft.com/office/drawing/2012/chart" uri="{CE6537A1-D6FC-4f65-9D91-7224C49458BB}"/>
-                <c:ext xmlns:c16="http://schemas.microsoft.com/office/drawing/2014/chart" uri="{C3380CC4-5D6E-409C-BE32-E72D297353CC}">
-                  <c16:uniqueId val="{00000000-4C6D-4A05-833A-1AC8B2E78BC8}"/>
-                </c:ext>
-              </c:extLst>
-            </c:dLbl>
             <c:spPr>
               <a:noFill/>
               <a:ln>
@@ -239,7 +258,7 @@
               <a:lstStyle/>
               <a:p>
                 <a:pPr>
-                  <a:defRPr sz="1197" b="0" i="0" u="none" strike="noStrike" kern="1200" baseline="0">
+                  <a:defRPr sz="1400" b="0" i="0" u="none" strike="noStrike" kern="1200" baseline="0">
                     <a:solidFill>
                       <a:schemeClr val="tx1">
                         <a:lumMod val="75000"/>
@@ -255,11 +274,12 @@
               </a:p>
             </c:txPr>
             <c:showLegendKey val="0"/>
-            <c:showVal val="0"/>
+            <c:showVal val="1"/>
             <c:showCatName val="0"/>
             <c:showSerName val="0"/>
             <c:showPercent val="0"/>
             <c:showBubbleSize val="0"/>
+            <c:showLeaderLines val="0"/>
             <c:extLst>
               <c:ext xmlns:c15="http://schemas.microsoft.com/office/drawing/2012/chart" uri="{CE6537A1-D6FC-4f65-9D91-7224C49458BB}">
                 <c15:showLeaderLines val="1"/>
@@ -286,16 +306,16 @@
               <c:strCache>
                 <c:ptCount val="4"/>
                 <c:pt idx="0">
-                  <c:v>Category 1</c:v>
+                  <c:v>r1</c:v>
                 </c:pt>
                 <c:pt idx="1">
-                  <c:v>Category 2</c:v>
+                  <c:v>r2</c:v>
                 </c:pt>
                 <c:pt idx="2">
-                  <c:v>Category 3</c:v>
+                  <c:v>r3</c:v>
                 </c:pt>
                 <c:pt idx="3">
-                  <c:v>Category 4</c:v>
+                  <c:v>r3</c:v>
                 </c:pt>
               </c:strCache>
             </c:strRef>
@@ -304,27 +324,26 @@
             <c:numRef>
               <c:f>Sheet1!$B$2:$B$5</c:f>
               <c:numCache>
-                <c:formatCode>General</c:formatCode>
+                <c:formatCode>0.0000</c:formatCode>
                 <c:ptCount val="4"/>
                 <c:pt idx="0">
-                  <c:v>4.3</c:v>
+                  <c:v>3.3959150314330998E-4</c:v>
                 </c:pt>
                 <c:pt idx="1">
-                  <c:v>2.5</c:v>
+                  <c:v>1.1460542678833E-4</c:v>
                 </c:pt>
                 <c:pt idx="2">
-                  <c:v>3.5</c:v>
+                  <c:v>1.0280847549438399E-3</c:v>
                 </c:pt>
                 <c:pt idx="3">
-                  <c:v>4.5</c:v>
+                  <c:v>4.56651449203491E-3</c:v>
                 </c:pt>
               </c:numCache>
             </c:numRef>
           </c:val>
-          <c:smooth val="0"/>
           <c:extLst>
             <c:ext xmlns:c16="http://schemas.microsoft.com/office/drawing/2014/chart" uri="{C3380CC4-5D6E-409C-BE32-E72D297353CC}">
-              <c16:uniqueId val="{00000001-4C6D-4A05-833A-1AC8B2E78BC8}"/>
+              <c16:uniqueId val="{00000000-582F-47B7-AC81-3AAB701077AC}"/>
             </c:ext>
           </c:extLst>
         </c:ser>
@@ -337,40 +356,22 @@
               <c:strCache>
                 <c:ptCount val="1"/>
                 <c:pt idx="0">
-                  <c:v>Series 2</c:v>
+                  <c:v>Approx</c:v>
                 </c:pt>
               </c:strCache>
             </c:strRef>
           </c:tx>
           <c:spPr>
-            <a:ln w="28575" cap="rnd">
-              <a:solidFill>
-                <a:schemeClr val="accent2"/>
-              </a:solidFill>
-              <a:round/>
+            <a:solidFill>
+              <a:schemeClr val="tx2"/>
+            </a:solidFill>
+            <a:ln>
+              <a:noFill/>
             </a:ln>
             <a:effectLst/>
           </c:spPr>
-          <c:marker>
-            <c:symbol val="none"/>
-          </c:marker>
+          <c:invertIfNegative val="0"/>
           <c:dLbls>
-            <c:dLbl>
-              <c:idx val="3"/>
-              <c:dLblPos val="r"/>
-              <c:showLegendKey val="0"/>
-              <c:showVal val="1"/>
-              <c:showCatName val="0"/>
-              <c:showSerName val="1"/>
-              <c:showPercent val="0"/>
-              <c:showBubbleSize val="0"/>
-              <c:extLst>
-                <c:ext xmlns:c15="http://schemas.microsoft.com/office/drawing/2012/chart" uri="{CE6537A1-D6FC-4f65-9D91-7224C49458BB}"/>
-                <c:ext xmlns:c16="http://schemas.microsoft.com/office/drawing/2014/chart" uri="{C3380CC4-5D6E-409C-BE32-E72D297353CC}">
-                  <c16:uniqueId val="{00000002-4C6D-4A05-833A-1AC8B2E78BC8}"/>
-                </c:ext>
-              </c:extLst>
-            </c:dLbl>
             <c:spPr>
               <a:noFill/>
               <a:ln>
@@ -385,7 +386,7 @@
               <a:lstStyle/>
               <a:p>
                 <a:pPr>
-                  <a:defRPr sz="1197" b="0" i="0" u="none" strike="noStrike" kern="1200" baseline="0">
+                  <a:defRPr sz="1400" b="0" i="0" u="none" strike="noStrike" kern="1200" baseline="0">
                     <a:solidFill>
                       <a:schemeClr val="tx1">
                         <a:lumMod val="75000"/>
@@ -401,11 +402,12 @@
               </a:p>
             </c:txPr>
             <c:showLegendKey val="0"/>
-            <c:showVal val="0"/>
+            <c:showVal val="1"/>
             <c:showCatName val="0"/>
             <c:showSerName val="0"/>
             <c:showPercent val="0"/>
             <c:showBubbleSize val="0"/>
+            <c:showLeaderLines val="0"/>
             <c:extLst>
               <c:ext xmlns:c15="http://schemas.microsoft.com/office/drawing/2012/chart" uri="{CE6537A1-D6FC-4f65-9D91-7224C49458BB}">
                 <c15:showLeaderLines val="1"/>
@@ -432,16 +434,16 @@
               <c:strCache>
                 <c:ptCount val="4"/>
                 <c:pt idx="0">
-                  <c:v>Category 1</c:v>
+                  <c:v>r1</c:v>
                 </c:pt>
                 <c:pt idx="1">
-                  <c:v>Category 2</c:v>
+                  <c:v>r2</c:v>
                 </c:pt>
                 <c:pt idx="2">
-                  <c:v>Category 3</c:v>
+                  <c:v>r3</c:v>
                 </c:pt>
                 <c:pt idx="3">
-                  <c:v>Category 4</c:v>
+                  <c:v>r3</c:v>
                 </c:pt>
               </c:strCache>
             </c:strRef>
@@ -450,173 +452,26 @@
             <c:numRef>
               <c:f>Sheet1!$C$2:$C$5</c:f>
               <c:numCache>
-                <c:formatCode>General</c:formatCode>
+                <c:formatCode>0.0000</c:formatCode>
                 <c:ptCount val="4"/>
                 <c:pt idx="0">
-                  <c:v>2.4</c:v>
+                  <c:v>4.8359036445617598E-3</c:v>
                 </c:pt>
                 <c:pt idx="1">
-                  <c:v>4.4000000000000004</c:v>
+                  <c:v>4.1474795341491701E-3</c:v>
                 </c:pt>
                 <c:pt idx="2">
-                  <c:v>1.8</c:v>
+                  <c:v>5.2453422546386696E-3</c:v>
                 </c:pt>
                 <c:pt idx="3">
-                  <c:v>2.8</c:v>
+                  <c:v>9.8865246772766105E-3</c:v>
                 </c:pt>
               </c:numCache>
             </c:numRef>
           </c:val>
-          <c:smooth val="0"/>
           <c:extLst>
             <c:ext xmlns:c16="http://schemas.microsoft.com/office/drawing/2014/chart" uri="{C3380CC4-5D6E-409C-BE32-E72D297353CC}">
-              <c16:uniqueId val="{00000003-4C6D-4A05-833A-1AC8B2E78BC8}"/>
-            </c:ext>
-          </c:extLst>
-        </c:ser>
-        <c:ser>
-          <c:idx val="2"/>
-          <c:order val="2"/>
-          <c:tx>
-            <c:strRef>
-              <c:f>Sheet1!$D$1</c:f>
-              <c:strCache>
-                <c:ptCount val="1"/>
-                <c:pt idx="0">
-                  <c:v>Series 3</c:v>
-                </c:pt>
-              </c:strCache>
-            </c:strRef>
-          </c:tx>
-          <c:spPr>
-            <a:ln w="28575" cap="rnd">
-              <a:solidFill>
-                <a:schemeClr val="accent3"/>
-              </a:solidFill>
-              <a:round/>
-            </a:ln>
-            <a:effectLst/>
-          </c:spPr>
-          <c:marker>
-            <c:symbol val="none"/>
-          </c:marker>
-          <c:dLbls>
-            <c:dLbl>
-              <c:idx val="3"/>
-              <c:dLblPos val="r"/>
-              <c:showLegendKey val="0"/>
-              <c:showVal val="1"/>
-              <c:showCatName val="0"/>
-              <c:showSerName val="1"/>
-              <c:showPercent val="0"/>
-              <c:showBubbleSize val="0"/>
-              <c:extLst>
-                <c:ext xmlns:c15="http://schemas.microsoft.com/office/drawing/2012/chart" uri="{CE6537A1-D6FC-4f65-9D91-7224C49458BB}"/>
-                <c:ext xmlns:c16="http://schemas.microsoft.com/office/drawing/2014/chart" uri="{C3380CC4-5D6E-409C-BE32-E72D297353CC}">
-                  <c16:uniqueId val="{00000004-4C6D-4A05-833A-1AC8B2E78BC8}"/>
-                </c:ext>
-              </c:extLst>
-            </c:dLbl>
-            <c:spPr>
-              <a:noFill/>
-              <a:ln>
-                <a:noFill/>
-              </a:ln>
-              <a:effectLst/>
-            </c:spPr>
-            <c:txPr>
-              <a:bodyPr rot="0" spcFirstLastPara="1" vertOverflow="ellipsis" vert="horz" wrap="square" lIns="38100" tIns="19050" rIns="38100" bIns="19050" anchor="ctr" anchorCtr="1">
-                <a:spAutoFit/>
-              </a:bodyPr>
-              <a:lstStyle/>
-              <a:p>
-                <a:pPr>
-                  <a:defRPr sz="1197" b="0" i="0" u="none" strike="noStrike" kern="1200" baseline="0">
-                    <a:solidFill>
-                      <a:schemeClr val="tx1">
-                        <a:lumMod val="75000"/>
-                        <a:lumOff val="25000"/>
-                      </a:schemeClr>
-                    </a:solidFill>
-                    <a:latin typeface="+mn-lt"/>
-                    <a:ea typeface="+mn-ea"/>
-                    <a:cs typeface="+mn-cs"/>
-                  </a:defRPr>
-                </a:pPr>
-                <a:endParaRPr lang="en-US"/>
-              </a:p>
-            </c:txPr>
-            <c:showLegendKey val="0"/>
-            <c:showVal val="0"/>
-            <c:showCatName val="0"/>
-            <c:showSerName val="0"/>
-            <c:showPercent val="0"/>
-            <c:showBubbleSize val="0"/>
-            <c:extLst>
-              <c:ext xmlns:c15="http://schemas.microsoft.com/office/drawing/2012/chart" uri="{CE6537A1-D6FC-4f65-9D91-7224C49458BB}">
-                <c15:showLeaderLines val="1"/>
-                <c15:leaderLines>
-                  <c:spPr>
-                    <a:ln w="9525" cap="flat" cmpd="sng" algn="ctr">
-                      <a:solidFill>
-                        <a:schemeClr val="tx1">
-                          <a:lumMod val="35000"/>
-                          <a:lumOff val="65000"/>
-                        </a:schemeClr>
-                      </a:solidFill>
-                      <a:round/>
-                    </a:ln>
-                    <a:effectLst/>
-                  </c:spPr>
-                </c15:leaderLines>
-              </c:ext>
-            </c:extLst>
-          </c:dLbls>
-          <c:cat>
-            <c:strRef>
-              <c:f>Sheet1!$A$2:$A$5</c:f>
-              <c:strCache>
-                <c:ptCount val="4"/>
-                <c:pt idx="0">
-                  <c:v>Category 1</c:v>
-                </c:pt>
-                <c:pt idx="1">
-                  <c:v>Category 2</c:v>
-                </c:pt>
-                <c:pt idx="2">
-                  <c:v>Category 3</c:v>
-                </c:pt>
-                <c:pt idx="3">
-                  <c:v>Category 4</c:v>
-                </c:pt>
-              </c:strCache>
-            </c:strRef>
-          </c:cat>
-          <c:val>
-            <c:numRef>
-              <c:f>Sheet1!$D$2:$D$5</c:f>
-              <c:numCache>
-                <c:formatCode>General</c:formatCode>
-                <c:ptCount val="4"/>
-                <c:pt idx="0">
-                  <c:v>2</c:v>
-                </c:pt>
-                <c:pt idx="1">
-                  <c:v>2</c:v>
-                </c:pt>
-                <c:pt idx="2">
-                  <c:v>3</c:v>
-                </c:pt>
-                <c:pt idx="3">
-                  <c:v>5</c:v>
-                </c:pt>
-              </c:numCache>
-            </c:numRef>
-          </c:val>
-          <c:smooth val="0"/>
-          <c:extLst>
-            <c:ext xmlns:c16="http://schemas.microsoft.com/office/drawing/2014/chart" uri="{C3380CC4-5D6E-409C-BE32-E72D297353CC}">
-              <c16:uniqueId val="{00000005-4C6D-4A05-833A-1AC8B2E78BC8}"/>
+              <c16:uniqueId val="{00000001-582F-47B7-AC81-3AAB701077AC}"/>
             </c:ext>
           </c:extLst>
         </c:ser>
@@ -628,17 +483,79 @@
           <c:showPercent val="0"/>
           <c:showBubbleSize val="0"/>
         </c:dLbls>
-        <c:smooth val="0"/>
-        <c:axId val="120814592"/>
-        <c:axId val="127305984"/>
-      </c:lineChart>
+        <c:gapWidth val="219"/>
+        <c:overlap val="-27"/>
+        <c:axId val="392730232"/>
+        <c:axId val="392730560"/>
+      </c:barChart>
       <c:catAx>
-        <c:axId val="120814592"/>
+        <c:axId val="392730232"/>
         <c:scaling>
           <c:orientation val="minMax"/>
         </c:scaling>
         <c:delete val="0"/>
         <c:axPos val="b"/>
+        <c:title>
+          <c:tx>
+            <c:rich>
+              <a:bodyPr rot="0" spcFirstLastPara="1" vertOverflow="ellipsis" vert="horz" wrap="square" anchor="ctr" anchorCtr="1"/>
+              <a:lstStyle/>
+              <a:p>
+                <a:pPr>
+                  <a:defRPr sz="2400" b="0" i="0" u="none" strike="noStrike" kern="1200" baseline="0">
+                    <a:solidFill>
+                      <a:schemeClr val="tx1"/>
+                    </a:solidFill>
+                    <a:latin typeface="+mn-lt"/>
+                    <a:ea typeface="+mn-ea"/>
+                    <a:cs typeface="+mn-cs"/>
+                  </a:defRPr>
+                </a:pPr>
+                <a:r>
+                  <a:rPr lang="en-CA" sz="2400">
+                    <a:solidFill>
+                      <a:schemeClr val="tx1"/>
+                    </a:solidFill>
+                  </a:rPr>
+                  <a:t>Different</a:t>
+                </a:r>
+                <a:r>
+                  <a:rPr lang="en-CA" sz="2400" baseline="0">
+                    <a:solidFill>
+                      <a:schemeClr val="tx1"/>
+                    </a:solidFill>
+                  </a:rPr>
+                  <a:t> (regular expression, string) Combinations</a:t>
+                </a:r>
+              </a:p>
+            </c:rich>
+          </c:tx>
+          <c:overlay val="0"/>
+          <c:spPr>
+            <a:noFill/>
+            <a:ln>
+              <a:noFill/>
+            </a:ln>
+            <a:effectLst/>
+          </c:spPr>
+          <c:txPr>
+            <a:bodyPr rot="0" spcFirstLastPara="1" vertOverflow="ellipsis" vert="horz" wrap="square" anchor="ctr" anchorCtr="1"/>
+            <a:lstStyle/>
+            <a:p>
+              <a:pPr>
+                <a:defRPr sz="2400" b="0" i="0" u="none" strike="noStrike" kern="1200" baseline="0">
+                  <a:solidFill>
+                    <a:schemeClr val="tx1"/>
+                  </a:solidFill>
+                  <a:latin typeface="+mn-lt"/>
+                  <a:ea typeface="+mn-ea"/>
+                  <a:cs typeface="+mn-cs"/>
+                </a:defRPr>
+              </a:pPr>
+              <a:endParaRPr lang="en-US"/>
+            </a:p>
+          </c:txPr>
+        </c:title>
         <c:numFmt formatCode="General" sourceLinked="1"/>
         <c:majorTickMark val="none"/>
         <c:minorTickMark val="none"/>
@@ -661,12 +578,9 @@
           <a:lstStyle/>
           <a:p>
             <a:pPr>
-              <a:defRPr sz="1197" b="0" i="0" u="none" strike="noStrike" kern="1200" baseline="0">
-                <a:solidFill>
-                  <a:schemeClr val="tx1">
-                    <a:lumMod val="65000"/>
-                    <a:lumOff val="35000"/>
-                  </a:schemeClr>
+              <a:defRPr sz="2000" b="0" i="0" u="none" strike="noStrike" kern="1200" baseline="0">
+                <a:solidFill>
+                  <a:schemeClr val="tx1"/>
                 </a:solidFill>
                 <a:latin typeface="+mn-lt"/>
                 <a:ea typeface="+mn-ea"/>
@@ -676,7 +590,7 @@
             <a:endParaRPr lang="en-US"/>
           </a:p>
         </c:txPr>
-        <c:crossAx val="127305984"/>
+        <c:crossAx val="392730560"/>
         <c:crosses val="autoZero"/>
         <c:auto val="1"/>
         <c:lblAlgn val="ctr"/>
@@ -684,27 +598,39 @@
         <c:noMultiLvlLbl val="0"/>
       </c:catAx>
       <c:valAx>
-        <c:axId val="127305984"/>
+        <c:axId val="392730560"/>
         <c:scaling>
           <c:orientation val="minMax"/>
         </c:scaling>
         <c:delete val="0"/>
         <c:axPos val="l"/>
-        <c:majorGridlines>
-          <c:spPr>
-            <a:ln w="9525" cap="flat" cmpd="sng" algn="ctr">
-              <a:solidFill>
-                <a:schemeClr val="tx1">
-                  <a:lumMod val="15000"/>
-                  <a:lumOff val="85000"/>
-                </a:schemeClr>
-              </a:solidFill>
-              <a:round/>
-            </a:ln>
-            <a:effectLst/>
-          </c:spPr>
-        </c:majorGridlines>
         <c:title>
+          <c:tx>
+            <c:rich>
+              <a:bodyPr rot="-5400000" spcFirstLastPara="1" vertOverflow="ellipsis" vert="horz" wrap="square" anchor="ctr" anchorCtr="1"/>
+              <a:lstStyle/>
+              <a:p>
+                <a:pPr>
+                  <a:defRPr sz="2400" b="0" i="0" u="none" strike="noStrike" kern="1200" baseline="0">
+                    <a:solidFill>
+                      <a:schemeClr val="tx1"/>
+                    </a:solidFill>
+                    <a:latin typeface="+mn-lt"/>
+                    <a:ea typeface="+mn-ea"/>
+                    <a:cs typeface="+mn-cs"/>
+                  </a:defRPr>
+                </a:pPr>
+                <a:r>
+                  <a:rPr lang="en-CA" sz="2400">
+                    <a:solidFill>
+                      <a:schemeClr val="tx1"/>
+                    </a:solidFill>
+                  </a:rPr>
+                  <a:t>Time (epoch)</a:t>
+                </a:r>
+              </a:p>
+            </c:rich>
+          </c:tx>
           <c:overlay val="0"/>
           <c:spPr>
             <a:noFill/>
@@ -718,12 +644,9 @@
             <a:lstStyle/>
             <a:p>
               <a:pPr>
-                <a:defRPr sz="1330" b="0" i="0" u="none" strike="noStrike" kern="1200" baseline="0">
+                <a:defRPr sz="2400" b="0" i="0" u="none" strike="noStrike" kern="1200" baseline="0">
                   <a:solidFill>
-                    <a:schemeClr val="tx1">
-                      <a:lumMod val="65000"/>
-                      <a:lumOff val="35000"/>
-                    </a:schemeClr>
+                    <a:schemeClr val="tx1"/>
                   </a:solidFill>
                   <a:latin typeface="+mn-lt"/>
                   <a:ea typeface="+mn-ea"/>
@@ -734,7 +657,7 @@
             </a:p>
           </c:txPr>
         </c:title>
-        <c:numFmt formatCode="General" sourceLinked="1"/>
+        <c:numFmt formatCode="0.0000" sourceLinked="1"/>
         <c:majorTickMark val="none"/>
         <c:minorTickMark val="none"/>
         <c:tickLblPos val="nextTo"/>
@@ -750,12 +673,9 @@
           <a:lstStyle/>
           <a:p>
             <a:pPr>
-              <a:defRPr sz="1197" b="0" i="0" u="none" strike="noStrike" kern="1200" baseline="0">
-                <a:solidFill>
-                  <a:schemeClr val="tx1">
-                    <a:lumMod val="65000"/>
-                    <a:lumOff val="35000"/>
-                  </a:schemeClr>
+              <a:defRPr sz="1400" b="0" i="0" u="none" strike="noStrike" kern="1200" baseline="0">
+                <a:solidFill>
+                  <a:schemeClr val="tx1"/>
                 </a:solidFill>
                 <a:latin typeface="+mn-lt"/>
                 <a:ea typeface="+mn-ea"/>
@@ -765,7 +685,7 @@
             <a:endParaRPr lang="en-US"/>
           </a:p>
         </c:txPr>
-        <c:crossAx val="120814592"/>
+        <c:crossAx val="392730232"/>
         <c:crosses val="autoZero"/>
         <c:crossBetween val="between"/>
       </c:valAx>
@@ -777,8 +697,43 @@
         <a:effectLst/>
       </c:spPr>
     </c:plotArea>
+    <c:legend>
+      <c:legendPos val="b"/>
+      <c:overlay val="0"/>
+      <c:spPr>
+        <a:noFill/>
+        <a:ln>
+          <a:noFill/>
+        </a:ln>
+        <a:effectLst/>
+      </c:spPr>
+      <c:txPr>
+        <a:bodyPr rot="0" spcFirstLastPara="1" vertOverflow="ellipsis" vert="horz" wrap="square" anchor="ctr" anchorCtr="1"/>
+        <a:lstStyle/>
+        <a:p>
+          <a:pPr>
+            <a:defRPr sz="1400" b="0" i="0" u="none" strike="noStrike" kern="1200" baseline="0">
+              <a:solidFill>
+                <a:schemeClr val="tx1"/>
+              </a:solidFill>
+              <a:latin typeface="+mn-lt"/>
+              <a:ea typeface="+mn-ea"/>
+              <a:cs typeface="+mn-cs"/>
+            </a:defRPr>
+          </a:pPr>
+          <a:endParaRPr lang="en-US"/>
+        </a:p>
+      </c:txPr>
+    </c:legend>
     <c:plotVisOnly val="1"/>
     <c:dispBlanksAs val="gap"/>
+    <c:extLst>
+      <c:ext xmlns:c16r3="http://schemas.microsoft.com/office/drawing/2017/03/chart" uri="{56B9EC1D-385E-4148-901F-78D8002777C0}">
+        <c16r3:dataDisplayOptions16>
+          <c16r3:dispNaAsBlank val="1"/>
+        </c16r3:dataDisplayOptions16>
+      </c:ext>
+    </c:extLst>
     <c:showDLblsOverMax val="0"/>
   </c:chart>
   <c:spPr>
@@ -845,7 +800,7 @@
 </file>
 
 <file path=ppt/charts/style1.xml><?xml version="1.0" encoding="utf-8"?>
-<cs:chartStyle xmlns:cs="http://schemas.microsoft.com/office/drawing/2012/chartStyle" xmlns:a="http://schemas.openxmlformats.org/drawingml/2006/main" id="227">
+<cs:chartStyle xmlns:cs="http://schemas.microsoft.com/office/drawing/2012/chartStyle" xmlns:a="http://schemas.openxmlformats.org/drawingml/2006/main" id="201">
   <cs:axisTitle>
     <cs:lnRef idx="0"/>
     <cs:fillRef idx="0"/>
@@ -856,7 +811,7 @@
         <a:lumOff val="35000"/>
       </a:schemeClr>
     </cs:fontRef>
-    <cs:defRPr sz="1330" kern="1200"/>
+    <cs:defRPr sz="1000" kern="1200"/>
   </cs:axisTitle>
   <cs:categoryAxis>
     <cs:lnRef idx="0"/>
@@ -879,7 +834,7 @@
         <a:round/>
       </a:ln>
     </cs:spPr>
-    <cs:defRPr sz="1197" kern="1200"/>
+    <cs:defRPr sz="900" kern="1200"/>
   </cs:categoryAxis>
   <cs:chartArea mods="allowNoFillOverride allowNoLineOverride">
     <cs:lnRef idx="0"/>
@@ -902,7 +857,7 @@
         <a:round/>
       </a:ln>
     </cs:spPr>
-    <cs:defRPr sz="1330" kern="1200"/>
+    <cs:defRPr sz="1000" kern="1200"/>
   </cs:chartArea>
   <cs:dataLabel>
     <cs:lnRef idx="0"/>
@@ -914,7 +869,7 @@
         <a:lumOff val="25000"/>
       </a:schemeClr>
     </cs:fontRef>
-    <cs:defRPr sz="1197" kern="1200"/>
+    <cs:defRPr sz="900" kern="1200"/>
   </cs:dataLabel>
   <cs:dataLabelCallout>
     <cs:lnRef idx="0"/>
@@ -939,7 +894,7 @@
         </a:solidFill>
       </a:ln>
     </cs:spPr>
-    <cs:defRPr sz="1197" kern="1200"/>
+    <cs:defRPr sz="900" kern="1200"/>
     <cs:bodyPr rot="0" spcFirstLastPara="1" vertOverflow="clip" horzOverflow="clip" vert="horz" wrap="square" lIns="36576" tIns="18288" rIns="36576" bIns="18288" anchor="ctr" anchorCtr="1">
       <a:spAutoFit/>
     </cs:bodyPr>
@@ -953,11 +908,6 @@
     <cs:fontRef idx="minor">
       <a:schemeClr val="tx1"/>
     </cs:fontRef>
-    <cs:spPr>
-      <a:solidFill>
-        <a:schemeClr val="phClr"/>
-      </a:solidFill>
-    </cs:spPr>
   </cs:dataPoint>
   <cs:dataPoint3D>
     <cs:lnRef idx="0"/>
@@ -968,11 +918,6 @@
     <cs:fontRef idx="minor">
       <a:schemeClr val="tx1"/>
     </cs:fontRef>
-    <cs:spPr>
-      <a:solidFill>
-        <a:schemeClr val="phClr"/>
-      </a:solidFill>
-    </cs:spPr>
   </cs:dataPoint3D>
   <cs:dataPointLine>
     <cs:lnRef idx="0">
@@ -1004,9 +949,6 @@
       <a:schemeClr val="tx1"/>
     </cs:fontRef>
     <cs:spPr>
-      <a:solidFill>
-        <a:schemeClr val="phClr"/>
-      </a:solidFill>
       <a:ln w="9525">
         <a:solidFill>
           <a:schemeClr val="phClr"/>
@@ -1055,7 +997,7 @@
         <a:round/>
       </a:ln>
     </cs:spPr>
-    <cs:defRPr sz="1197" kern="1200"/>
+    <cs:defRPr sz="900" kern="1200"/>
   </cs:dataTable>
   <cs:downBar>
     <cs:lnRef idx="0"/>
@@ -1219,7 +1161,7 @@
         <a:lumOff val="35000"/>
       </a:schemeClr>
     </cs:fontRef>
-    <cs:defRPr sz="1197" kern="1200"/>
+    <cs:defRPr sz="900" kern="1200"/>
   </cs:legend>
   <cs:plotArea mods="allowNoFillOverride allowNoLineOverride">
     <cs:lnRef idx="0"/>
@@ -1247,7 +1189,7 @@
         <a:lumOff val="35000"/>
       </a:schemeClr>
     </cs:fontRef>
-    <cs:defRPr sz="1197" kern="1200"/>
+    <cs:defRPr sz="900" kern="1200"/>
   </cs:seriesAxis>
   <cs:seriesLine>
     <cs:lnRef idx="0"/>
@@ -1278,7 +1220,7 @@
         <a:lumOff val="35000"/>
       </a:schemeClr>
     </cs:fontRef>
-    <cs:defRPr sz="1862" b="0" kern="1200" spc="0" baseline="0"/>
+    <cs:defRPr sz="1400" b="0" kern="1200" spc="0" baseline="0"/>
   </cs:title>
   <cs:trendline>
     <cs:lnRef idx="0">
@@ -1308,7 +1250,7 @@
         <a:lumOff val="35000"/>
       </a:schemeClr>
     </cs:fontRef>
-    <cs:defRPr sz="1197" kern="1200"/>
+    <cs:defRPr sz="900" kern="1200"/>
   </cs:trendlineLabel>
   <cs:upBar>
     <cs:lnRef idx="0"/>
@@ -1341,7 +1283,7 @@
         <a:lumOff val="35000"/>
       </a:schemeClr>
     </cs:fontRef>
-    <cs:defRPr sz="1197" kern="1200"/>
+    <cs:defRPr sz="900" kern="1200"/>
   </cs:valueAxis>
   <cs:wall>
     <cs:lnRef idx="0"/>
@@ -1928,6 +1870,61 @@
                 <a:spcPts val="1200"/>
               </a:spcBef>
             </a:pPr>
+            <a:r>
+              <a:rPr lang="en-US" dirty="0">
+                <a:solidFill>
+                  <a:prstClr val="white">
+                    <a:lumMod val="50000"/>
+                  </a:prstClr>
+                </a:solidFill>
+                <a:cs typeface="Calibri" panose="020F0502020204030204" pitchFamily="34" charset="0"/>
+              </a:rPr>
+              <a:t>To change this poster, replace our </a:t>
+            </a:r>
+            <a:r>
+              <a:rPr lang="en-US" baseline="0" dirty="0">
+                <a:solidFill>
+                  <a:prstClr val="white">
+                    <a:lumMod val="50000"/>
+                  </a:prstClr>
+                </a:solidFill>
+                <a:cs typeface="Calibri" panose="020F0502020204030204" pitchFamily="34" charset="0"/>
+              </a:rPr>
+              <a:t>sample content with your own</a:t>
+            </a:r>
+            <a:r>
+              <a:rPr lang="en-US" dirty="0">
+                <a:solidFill>
+                  <a:prstClr val="white">
+                    <a:lumMod val="50000"/>
+                  </a:prstClr>
+                </a:solidFill>
+                <a:cs typeface="Calibri" panose="020F0502020204030204" pitchFamily="34" charset="0"/>
+              </a:rPr>
+              <a:t>. Or, if you'd rather start</a:t>
+            </a:r>
+            <a:r>
+              <a:rPr lang="en-US" baseline="0" dirty="0">
+                <a:solidFill>
+                  <a:prstClr val="white">
+                    <a:lumMod val="50000"/>
+                  </a:prstClr>
+                </a:solidFill>
+                <a:cs typeface="Calibri" panose="020F0502020204030204" pitchFamily="34" charset="0"/>
+              </a:rPr>
+              <a:t> from a clean slate, use the New Slide button on the Home tab to insert a new page, then enter your text and content in the empty placeholders.</a:t>
+            </a:r>
+            <a:r>
+              <a:rPr lang="en-US" dirty="0">
+                <a:solidFill>
+                  <a:prstClr val="white">
+                    <a:lumMod val="50000"/>
+                  </a:prstClr>
+                </a:solidFill>
+                <a:cs typeface="Calibri" panose="020F0502020204030204" pitchFamily="34" charset="0"/>
+              </a:rPr>
+              <a:t> If you need more placeholders for titles, subtitles or body text, copy any of the existing placeholders, then drag the new one into place. </a:t>
+            </a:r>
             <a:endParaRPr lang="en-US" sz="1200" dirty="0">
               <a:solidFill>
                 <a:prstClr val="white">
@@ -5020,7 +5017,7 @@
           <a:p>
             <a:r>
               <a:rPr lang="en-US" dirty="0"/>
-              <a:t>MOTIVATION, PROBLEM and SOLUTION</a:t>
+              <a:t>MOTIVATION, PROBLEM, SOLUTION</a:t>
             </a:r>
           </a:p>
         </p:txBody>
@@ -5037,13 +5034,13 @@
         </p:nvSpPr>
         <p:spPr>
           <a:xfrm>
-            <a:off x="857250" y="4714239"/>
-            <a:ext cx="9601200" cy="6614189"/>
+            <a:off x="857250" y="4714240"/>
+            <a:ext cx="9601200" cy="7133844"/>
           </a:xfrm>
         </p:spPr>
         <p:txBody>
           <a:bodyPr>
-            <a:noAutofit/>
+            <a:normAutofit/>
           </a:bodyPr>
           <a:lstStyle/>
           <a:p>
@@ -5058,20 +5055,25 @@
             </a:r>
           </a:p>
           <a:p>
-            <a:pPr marL="0" indent="0" algn="just">
-              <a:buNone/>
-            </a:pPr>
+            <a:pPr algn="just"/>
             <a:r>
               <a:rPr lang="en-CA" sz="2400" dirty="0">
                 <a:latin typeface="Constantia" panose="02030602050306030303" pitchFamily="18" charset="0"/>
               </a:rPr>
-              <a:t>In bioinformatics, DNA sequences are often represented by regular expressions to capture different variations of the same structure. Efficient approximate string matching would allow us to capture more sequences and optimize time and cost of resources.</a:t>
-            </a:r>
-          </a:p>
-          <a:p>
-            <a:pPr marL="0" indent="0" algn="just">
-              <a:buNone/>
-            </a:pPr>
+              <a:t>DNA sequences are often represented by regular expressions to capture different variations of the same structure. </a:t>
+            </a:r>
+          </a:p>
+          <a:p>
+            <a:pPr algn="just"/>
+            <a:r>
+              <a:rPr lang="en-CA" sz="2400" dirty="0">
+                <a:latin typeface="Constantia" panose="02030602050306030303" pitchFamily="18" charset="0"/>
+              </a:rPr>
+              <a:t>Efficient approximate string matching would allow us to capture more longer sequences, and optimize time and cost of resources.</a:t>
+            </a:r>
+          </a:p>
+          <a:p>
+            <a:pPr algn="just"/>
             <a:endParaRPr lang="en-CA" sz="1400" dirty="0">
               <a:latin typeface="Constantia" panose="02030602050306030303" pitchFamily="18" charset="0"/>
             </a:endParaRPr>
@@ -5088,20 +5090,16 @@
             </a:r>
           </a:p>
           <a:p>
-            <a:pPr marL="0" indent="0" algn="just">
-              <a:buNone/>
-            </a:pPr>
+            <a:pPr algn="just"/>
             <a:r>
               <a:rPr lang="en-CA" sz="2400" dirty="0">
                 <a:latin typeface="Constantia" panose="02030602050306030303" pitchFamily="18" charset="0"/>
               </a:rPr>
-              <a:t>Is it viable to replace an implementation of exact regular expression matching with one of approximate matching for added functionality?</a:t>
-            </a:r>
-          </a:p>
-          <a:p>
-            <a:pPr marL="0" indent="0" algn="just">
-              <a:buNone/>
-            </a:pPr>
+              <a:t>To evaluate the costs and benefits of replacing an implementation of exact regular expression matching with one of approximate matching for added functionality</a:t>
+            </a:r>
+          </a:p>
+          <a:p>
+            <a:pPr algn="just"/>
             <a:endParaRPr lang="en-CA" sz="1400" dirty="0">
               <a:latin typeface="Constantia" panose="02030602050306030303" pitchFamily="18" charset="0"/>
             </a:endParaRPr>
@@ -5118,9 +5116,7 @@
             </a:r>
           </a:p>
           <a:p>
-            <a:pPr marL="0" indent="0" algn="just">
-              <a:buNone/>
-            </a:pPr>
+            <a:pPr algn="just"/>
             <a:r>
               <a:rPr lang="en-CA" sz="2400" dirty="0">
                 <a:latin typeface="Constantia" panose="02030602050306030303" pitchFamily="18" charset="0"/>
@@ -5129,14 +5125,12 @@
             </a:r>
           </a:p>
           <a:p>
-            <a:pPr marL="0" indent="0" algn="just">
-              <a:buNone/>
-            </a:pPr>
+            <a:pPr algn="just"/>
             <a:r>
               <a:rPr lang="en-CA" sz="2400" dirty="0">
                 <a:latin typeface="Constantia" panose="02030602050306030303" pitchFamily="18" charset="0"/>
               </a:rPr>
-              <a:t>Performance tests compare the running times for both algorithm using sequences and regular expressions of various length.</a:t>
+              <a:t>Performance tests compare the run times for both algorithm using different types of sequences and regular expressions</a:t>
             </a:r>
             <a:endParaRPr lang="en-US" sz="2400" b="1" dirty="0">
               <a:latin typeface="Constantia" panose="02030602050306030303" pitchFamily="18" charset="0"/>
@@ -5156,7 +5150,7 @@
         </p:nvSpPr>
         <p:spPr>
           <a:xfrm>
-            <a:off x="891540" y="11352784"/>
+            <a:off x="891540" y="11848084"/>
             <a:ext cx="9601200" cy="1319276"/>
           </a:xfrm>
         </p:spPr>
@@ -5189,7 +5183,7 @@
         </p:nvSpPr>
         <p:spPr>
           <a:xfrm>
-            <a:off x="876300" y="12691110"/>
+            <a:off x="857250" y="13167360"/>
             <a:ext cx="9601200" cy="8117840"/>
           </a:xfrm>
         </p:spPr>
@@ -5522,7 +5516,7 @@
           <a:p>
             <a:r>
               <a:rPr lang="en-US" dirty="0"/>
-              <a:t>MYER’S &amp; miller’s CONSTRUCTION</a:t>
+              <a:t>MYERS and miller’s CONSTRUCTION</a:t>
             </a:r>
           </a:p>
         </p:txBody>
@@ -5645,30 +5639,63 @@
               <a:rPr lang="en-US" sz="2400" dirty="0">
                 <a:latin typeface="Constantia" panose="02030602050306030303" pitchFamily="18" charset="0"/>
               </a:rPr>
-              <a:t> with at most </a:t>
+              <a:t> after at most k errors</a:t>
+            </a:r>
+          </a:p>
+          <a:p>
+            <a:pPr marL="0" indent="0" algn="just">
+              <a:buNone/>
+            </a:pPr>
+            <a:r>
+              <a:rPr lang="en-US" sz="2400" b="1" dirty="0">
+                <a:latin typeface="Constantia" panose="02030602050306030303" pitchFamily="18" charset="0"/>
+              </a:rPr>
+              <a:t>METHOD:</a:t>
+            </a:r>
+          </a:p>
+          <a:p>
+            <a:pPr lvl="1" algn="just"/>
+            <a:r>
+              <a:rPr lang="en-US" sz="2400" dirty="0">
+                <a:latin typeface="Constantia" panose="02030602050306030303" pitchFamily="18" charset="0"/>
+              </a:rPr>
+              <a:t>Construct a Myers and Millers NFA by combining |</a:t>
             </a:r>
             <a:r>
               <a:rPr lang="en-US" sz="2400" i="1" dirty="0">
                 <a:latin typeface="Constantia" panose="02030602050306030303" pitchFamily="18" charset="0"/>
               </a:rPr>
-              <a:t>k</a:t>
+              <a:t>s</a:t>
             </a:r>
             <a:r>
               <a:rPr lang="en-US" sz="2400" dirty="0">
                 <a:latin typeface="Constantia" panose="02030602050306030303" pitchFamily="18" charset="0"/>
               </a:rPr>
-              <a:t> errors</a:t>
-            </a:r>
-          </a:p>
-          <a:p>
-            <a:pPr marL="0" indent="0" algn="just">
-              <a:buNone/>
-            </a:pPr>
-            <a:r>
-              <a:rPr lang="en-US" sz="2400" b="1" dirty="0">
-                <a:latin typeface="Constantia" panose="02030602050306030303" pitchFamily="18" charset="0"/>
-              </a:rPr>
-              <a:t>METHOD:</a:t>
+              <a:t>|+1 instances of Thompson’s NFA construction of </a:t>
+            </a:r>
+            <a:r>
+              <a:rPr lang="en-US" sz="2400" i="1" dirty="0">
+                <a:latin typeface="Constantia" panose="02030602050306030303" pitchFamily="18" charset="0"/>
+              </a:rPr>
+              <a:t>r</a:t>
+            </a:r>
+            <a:r>
+              <a:rPr lang="en-US" sz="2400" dirty="0">
+                <a:latin typeface="Constantia" panose="02030602050306030303" pitchFamily="18" charset="0"/>
+              </a:rPr>
+              <a:t> by adding: deletion, insertion, and substitution edges based on </a:t>
+            </a:r>
+            <a:r>
+              <a:rPr lang="en-US" sz="2400" i="1" dirty="0">
+                <a:latin typeface="Constantia" panose="02030602050306030303" pitchFamily="18" charset="0"/>
+              </a:rPr>
+              <a:t>s</a:t>
+            </a:r>
+            <a:r>
+              <a:rPr lang="en-US" sz="2400" dirty="0">
+                <a:latin typeface="Constantia" panose="02030602050306030303" pitchFamily="18" charset="0"/>
+              </a:rPr>
+              <a:t>.</a:t>
             </a:r>
           </a:p>
           <a:p>
@@ -5677,7 +5704,7 @@
               <a:rPr lang="en-US" sz="2400" dirty="0">
                 <a:latin typeface="Constantia" panose="02030602050306030303" pitchFamily="18" charset="0"/>
               </a:rPr>
-              <a:t>Construct a Myer’s and Miller's NFA by combining |</a:t>
+              <a:t>Traverse the NFA for </a:t>
             </a:r>
             <a:r>
               <a:rPr lang="en-US" sz="2400" i="1" dirty="0">
@@ -5689,52 +5716,7 @@
               <a:rPr lang="en-US" sz="2400" dirty="0">
                 <a:latin typeface="Constantia" panose="02030602050306030303" pitchFamily="18" charset="0"/>
               </a:rPr>
-              <a:t>|+1 instances of Thompson’s NFA construction of </a:t>
-            </a:r>
-            <a:r>
-              <a:rPr lang="en-US" sz="2400" i="1" dirty="0">
-                <a:latin typeface="Constantia" panose="02030602050306030303" pitchFamily="18" charset="0"/>
-              </a:rPr>
-              <a:t>r</a:t>
-            </a:r>
-            <a:r>
-              <a:rPr lang="en-US" sz="2400" dirty="0">
-                <a:latin typeface="Constantia" panose="02030602050306030303" pitchFamily="18" charset="0"/>
-              </a:rPr>
-              <a:t> by adding: deletion, insertion, and substitution edges based on </a:t>
-            </a:r>
-            <a:r>
-              <a:rPr lang="en-US" sz="2400" i="1" dirty="0">
-                <a:latin typeface="Constantia" panose="02030602050306030303" pitchFamily="18" charset="0"/>
-              </a:rPr>
-              <a:t>s</a:t>
-            </a:r>
-            <a:r>
-              <a:rPr lang="en-US" sz="2400" dirty="0">
-                <a:latin typeface="Constantia" panose="02030602050306030303" pitchFamily="18" charset="0"/>
-              </a:rPr>
-              <a:t>.</a:t>
-            </a:r>
-          </a:p>
-          <a:p>
-            <a:pPr lvl="1" algn="just"/>
-            <a:r>
-              <a:rPr lang="en-US" sz="2400" dirty="0">
-                <a:latin typeface="Constantia" panose="02030602050306030303" pitchFamily="18" charset="0"/>
-              </a:rPr>
-              <a:t>Traverse the NFA for </a:t>
-            </a:r>
-            <a:r>
-              <a:rPr lang="en-US" sz="2400" i="1" dirty="0">
-                <a:latin typeface="Constantia" panose="02030602050306030303" pitchFamily="18" charset="0"/>
-              </a:rPr>
-              <a:t>s</a:t>
-            </a:r>
-            <a:r>
-              <a:rPr lang="en-US" sz="2400" dirty="0">
-                <a:latin typeface="Constantia" panose="02030602050306030303" pitchFamily="18" charset="0"/>
-              </a:rPr>
-              <a:t>, tallying each error transition.</a:t>
+              <a:t>, incrementing a counter for each error.</a:t>
             </a:r>
           </a:p>
           <a:p>
@@ -5935,31 +5917,6 @@
           </a:p>
         </p:txBody>
       </p:sp>
-      <p:graphicFrame>
-        <p:nvGraphicFramePr>
-          <p:cNvPr id="24" name="Content Placeholder 23" descr="Line chart" title="Chart"/>
-          <p:cNvGraphicFramePr>
-            <a:graphicFrameLocks noGrp="1"/>
-          </p:cNvGraphicFramePr>
-          <p:nvPr>
-            <p:ph sz="quarter" idx="32"/>
-            <p:extLst>
-              <p:ext uri="{D42A27DB-BD31-4B8C-83A1-F6EECF244321}">
-                <p14:modId xmlns:p14="http://schemas.microsoft.com/office/powerpoint/2010/main" val="1098827660"/>
-              </p:ext>
-            </p:extLst>
-          </p:nvPr>
-        </p:nvGraphicFramePr>
-        <p:xfrm>
-          <a:off x="22959060" y="4732867"/>
-          <a:ext cx="8534400" cy="4876800"/>
-        </p:xfrm>
-        <a:graphic>
-          <a:graphicData uri="http://schemas.openxmlformats.org/drawingml/2006/chart">
-            <c:chart xmlns:c="http://schemas.openxmlformats.org/drawingml/2006/chart" xmlns:r="http://schemas.openxmlformats.org/officeDocument/2006/relationships" r:id="rId3"/>
-          </a:graphicData>
-        </a:graphic>
-      </p:graphicFrame>
       <p:sp>
         <p:nvSpPr>
           <p:cNvPr id="21" name="Text Placeholder 20"/>
@@ -5970,16 +5927,20 @@
             <p:ph type="body" sz="quarter" idx="34"/>
           </p:nvPr>
         </p:nvSpPr>
-        <p:spPr/>
+        <p:spPr>
+          <a:xfrm>
+            <a:off x="22425660" y="17532096"/>
+            <a:ext cx="9601200" cy="812800"/>
+          </a:xfrm>
+        </p:spPr>
         <p:txBody>
           <a:bodyPr/>
           <a:lstStyle/>
           <a:p>
             <a:r>
-              <a:rPr lang="en-US"/>
+              <a:rPr lang="en-US" dirty="0"/>
               <a:t>conclusions</a:t>
             </a:r>
-            <a:endParaRPr lang="en-US" dirty="0"/>
           </a:p>
         </p:txBody>
       </p:sp>
@@ -5993,7 +5954,12 @@
             <p:ph sz="quarter" idx="35"/>
           </p:nvPr>
         </p:nvSpPr>
-        <p:spPr/>
+        <p:spPr>
+          <a:xfrm>
+            <a:off x="22425660" y="18348960"/>
+            <a:ext cx="9601200" cy="3048000"/>
+          </a:xfrm>
+        </p:spPr>
         <p:txBody>
           <a:bodyPr/>
           <a:lstStyle/>
@@ -6032,7 +5998,7 @@
           <p:nvPr/>
         </p:nvPicPr>
         <p:blipFill>
-          <a:blip r:embed="rId4"/>
+          <a:blip r:embed="rId3"/>
           <a:stretch>
             <a:fillRect/>
           </a:stretch>
@@ -6062,7 +6028,7 @@
           <p:nvPr/>
         </p:nvPicPr>
         <p:blipFill>
-          <a:blip r:embed="rId5"/>
+          <a:blip r:embed="rId4"/>
           <a:stretch>
             <a:fillRect/>
           </a:stretch>
@@ -6092,9 +6058,9 @@
         <p:grpSpPr>
           <a:xfrm>
             <a:off x="11658600" y="10682098"/>
-            <a:ext cx="8042330" cy="7306671"/>
+            <a:ext cx="9308317" cy="7351902"/>
             <a:chOff x="12157710" y="8281162"/>
-            <a:chExt cx="8042330" cy="7306671"/>
+            <a:chExt cx="9308317" cy="7351902"/>
           </a:xfrm>
         </p:grpSpPr>
         <p:pic>
@@ -6112,13 +6078,13 @@
             <p:nvPr/>
           </p:nvPicPr>
           <p:blipFill rotWithShape="1">
-            <a:blip r:embed="rId6"/>
+            <a:blip r:embed="rId5"/>
             <a:srcRect l="3069" r="3398" b="4456"/>
             <a:stretch/>
           </p:blipFill>
           <p:spPr>
             <a:xfrm>
-              <a:off x="12797854" y="8882262"/>
+              <a:off x="13304723" y="8927493"/>
               <a:ext cx="7014290" cy="6705571"/>
             </a:xfrm>
             <a:prstGeom prst="rect">
@@ -6141,7 +6107,7 @@
           <p:spPr>
             <a:xfrm>
               <a:off x="12157710" y="8281162"/>
-              <a:ext cx="8042330" cy="584775"/>
+              <a:ext cx="9308317" cy="646331"/>
             </a:xfrm>
             <a:prstGeom prst="rect">
               <a:avLst/>
@@ -6155,46 +6121,22 @@
             <a:lstStyle/>
             <a:p>
               <a:r>
-                <a:rPr lang="en-CA" sz="3200" u="sng" dirty="0">
+                <a:rPr lang="en-CA" sz="3600" dirty="0">
                   <a:latin typeface="Constantia" panose="02030602050306030303" pitchFamily="18" charset="0"/>
                 </a:rPr>
-                <a:t>Myer’s &amp; Miller’s NFA for </a:t>
+                <a:t>Myer’s &amp; Miller’s NFA with r = (</a:t>
               </a:r>
               <a:r>
-                <a:rPr lang="en-CA" sz="3200" i="1" u="sng" dirty="0">
-                  <a:latin typeface="Constantia" panose="02030602050306030303" pitchFamily="18" charset="0"/>
-                </a:rPr>
-                <a:t>r</a:t>
-              </a:r>
-              <a:r>
-                <a:rPr lang="en-CA" sz="3200" u="sng" dirty="0">
-                  <a:latin typeface="Constantia" panose="02030602050306030303" pitchFamily="18" charset="0"/>
-                </a:rPr>
-                <a:t> = (</a:t>
-              </a:r>
-              <a:r>
-                <a:rPr lang="en-CA" sz="3200" u="sng" dirty="0" err="1">
+                <a:rPr lang="en-CA" sz="3600" dirty="0" err="1">
                   <a:latin typeface="Constantia" panose="02030602050306030303" pitchFamily="18" charset="0"/>
                 </a:rPr>
                 <a:t>a|b</a:t>
               </a:r>
               <a:r>
-                <a:rPr lang="en-CA" sz="3200" u="sng" dirty="0">
+                <a:rPr lang="en-CA" sz="3600" dirty="0">
                   <a:latin typeface="Constantia" panose="02030602050306030303" pitchFamily="18" charset="0"/>
                 </a:rPr>
-                <a:t>)a*, </a:t>
-              </a:r>
-              <a:r>
-                <a:rPr lang="en-CA" sz="3200" i="1" u="sng" dirty="0">
-                  <a:latin typeface="Constantia" panose="02030602050306030303" pitchFamily="18" charset="0"/>
-                </a:rPr>
-                <a:t>s</a:t>
-              </a:r>
-              <a:r>
-                <a:rPr lang="en-CA" sz="3200" u="sng" dirty="0">
-                  <a:latin typeface="Constantia" panose="02030602050306030303" pitchFamily="18" charset="0"/>
-                </a:rPr>
-                <a:t> = “ab”</a:t>
+                <a:t>)a*, s = “ab”</a:t>
               </a:r>
             </a:p>
           </p:txBody>
@@ -6214,10 +6156,10 @@
         </p:nvGrpSpPr>
         <p:grpSpPr>
           <a:xfrm>
-            <a:off x="2125027" y="17080925"/>
-            <a:ext cx="7134225" cy="7218820"/>
-            <a:chOff x="2238623" y="18051005"/>
-            <a:chExt cx="7134225" cy="7218820"/>
+            <a:off x="1738271" y="17978781"/>
+            <a:ext cx="7134225" cy="7258885"/>
+            <a:chOff x="2238623" y="18010940"/>
+            <a:chExt cx="7134225" cy="7258885"/>
           </a:xfrm>
         </p:grpSpPr>
         <p:sp>
@@ -6234,8 +6176,8 @@
           </p:nvSpPr>
           <p:spPr>
             <a:xfrm>
-              <a:off x="2940952" y="18051005"/>
-              <a:ext cx="5723618" cy="584775"/>
+              <a:off x="2441257" y="18010940"/>
+              <a:ext cx="6728958" cy="646331"/>
             </a:xfrm>
             <a:prstGeom prst="rect">
               <a:avLst/>
@@ -6249,31 +6191,19 @@
             <a:lstStyle/>
             <a:p>
               <a:r>
-                <a:rPr lang="en-CA" sz="3200" u="sng" dirty="0">
+                <a:rPr lang="en-CA" sz="3600" dirty="0">
                   <a:latin typeface="Constantia" panose="02030602050306030303" pitchFamily="18" charset="0"/>
                 </a:rPr>
-                <a:t>Thompson’s NFA for </a:t>
+                <a:t>Thompson’s NFA with r = (</a:t>
               </a:r>
               <a:r>
-                <a:rPr lang="en-CA" sz="3200" i="1" u="sng" dirty="0">
-                  <a:latin typeface="Constantia" panose="02030602050306030303" pitchFamily="18" charset="0"/>
-                </a:rPr>
-                <a:t>r</a:t>
-              </a:r>
-              <a:r>
-                <a:rPr lang="en-CA" sz="3200" u="sng" dirty="0">
-                  <a:latin typeface="Constantia" panose="02030602050306030303" pitchFamily="18" charset="0"/>
-                </a:rPr>
-                <a:t> = (</a:t>
-              </a:r>
-              <a:r>
-                <a:rPr lang="en-CA" sz="3200" u="sng" dirty="0" err="1">
+                <a:rPr lang="en-CA" sz="3600" dirty="0" err="1">
                   <a:latin typeface="Constantia" panose="02030602050306030303" pitchFamily="18" charset="0"/>
                 </a:rPr>
                 <a:t>a|b</a:t>
               </a:r>
               <a:r>
-                <a:rPr lang="en-CA" sz="3200" u="sng" dirty="0">
+                <a:rPr lang="en-CA" sz="3600" dirty="0">
                   <a:latin typeface="Constantia" panose="02030602050306030303" pitchFamily="18" charset="0"/>
                 </a:rPr>
                 <a:t>)a*</a:t>
@@ -6296,7 +6226,7 @@
             <p:nvPr/>
           </p:nvPicPr>
           <p:blipFill>
-            <a:blip r:embed="rId7">
+            <a:blip r:embed="rId6">
               <a:extLst>
                 <a:ext uri="{28A0092B-C50C-407E-A947-70E740481C1C}">
                   <a14:useLocalDpi xmlns:a14="http://schemas.microsoft.com/office/drawing/2010/main" val="0"/>
@@ -6318,38 +6248,840 @@
           </p:spPr>
         </p:pic>
       </p:grpSp>
-      <p:sp>
-        <p:nvSpPr>
-          <p:cNvPr id="6" name="Content Placeholder 5">
+      <p:pic>
+        <p:nvPicPr>
+          <p:cNvPr id="8" name="Content Placeholder 7">
             <a:extLst>
               <a:ext uri="{FF2B5EF4-FFF2-40B4-BE49-F238E27FC236}">
-                <a16:creationId xmlns:a16="http://schemas.microsoft.com/office/drawing/2014/main" id="{2D4885BC-F8B3-4EB8-824F-CF25BDC84011}"/>
+                <a16:creationId xmlns:a16="http://schemas.microsoft.com/office/drawing/2014/main" id="{52F45CFB-6053-473D-BF5D-7B0CC24E56EC}"/>
               </a:ext>
             </a:extLst>
           </p:cNvPr>
-          <p:cNvSpPr>
-            <a:spLocks noGrp="1"/>
+          <p:cNvPicPr>
+            <a:picLocks noGrp="1" noChangeAspect="1"/>
+          </p:cNvPicPr>
+          <p:nvPr>
+            <p:ph sz="quarter" idx="32"/>
+          </p:nvPr>
+        </p:nvPicPr>
+        <p:blipFill>
+          <a:blip r:embed="rId7"/>
+          <a:stretch>
+            <a:fillRect/>
+          </a:stretch>
+        </p:blipFill>
+        <p:spPr>
+          <a:xfrm>
+            <a:off x="22425660" y="4788030"/>
+            <a:ext cx="9601200" cy="2022848"/>
+          </a:xfrm>
+          <a:prstGeom prst="rect">
+            <a:avLst/>
+          </a:prstGeom>
+        </p:spPr>
+      </p:pic>
+      <p:pic>
+        <p:nvPicPr>
+          <p:cNvPr id="20" name="Picture 19">
+            <a:extLst>
+              <a:ext uri="{FF2B5EF4-FFF2-40B4-BE49-F238E27FC236}">
+                <a16:creationId xmlns:a16="http://schemas.microsoft.com/office/drawing/2014/main" id="{611F3838-BA4C-440D-888C-83B9A5B8A88F}"/>
+              </a:ext>
+            </a:extLst>
+          </p:cNvPr>
+          <p:cNvPicPr>
+            <a:picLocks noChangeAspect="1"/>
+          </p:cNvPicPr>
+          <p:nvPr/>
+        </p:nvPicPr>
+        <p:blipFill rotWithShape="1">
+          <a:blip r:embed="rId8">
+            <a:extLst>
+              <a:ext uri="{28A0092B-C50C-407E-A947-70E740481C1C}">
+                <a14:useLocalDpi xmlns:a14="http://schemas.microsoft.com/office/drawing/2010/main" val="0"/>
+              </a:ext>
+            </a:extLst>
+          </a:blip>
+          <a:srcRect t="3135" r="6602"/>
+          <a:stretch/>
+        </p:blipFill>
+        <p:spPr>
+          <a:xfrm>
+            <a:off x="26995272" y="13629825"/>
+            <a:ext cx="4642637" cy="3611265"/>
+          </a:xfrm>
+          <a:prstGeom prst="rect">
+            <a:avLst/>
+          </a:prstGeom>
+        </p:spPr>
+      </p:pic>
+      <p:grpSp>
+        <p:nvGrpSpPr>
+          <p:cNvPr id="19" name="Group 18">
+            <a:extLst>
+              <a:ext uri="{FF2B5EF4-FFF2-40B4-BE49-F238E27FC236}">
+                <a16:creationId xmlns:a16="http://schemas.microsoft.com/office/drawing/2014/main" id="{EA2CBD4D-4EA2-44B6-A8C1-9DFDE42C9AC6}"/>
+              </a:ext>
+            </a:extLst>
+          </p:cNvPr>
+          <p:cNvGrpSpPr/>
+          <p:nvPr/>
+        </p:nvGrpSpPr>
+        <p:grpSpPr>
+          <a:xfrm>
+            <a:off x="22459950" y="7189482"/>
+            <a:ext cx="9601200" cy="6208736"/>
+            <a:chOff x="22459950" y="6849242"/>
+            <a:chExt cx="9601200" cy="6208736"/>
+          </a:xfrm>
+        </p:grpSpPr>
+        <p:graphicFrame>
+          <p:nvGraphicFramePr>
+            <p:cNvPr id="26" name="Chart 25">
+              <a:extLst>
+                <a:ext uri="{FF2B5EF4-FFF2-40B4-BE49-F238E27FC236}">
+                  <a16:creationId xmlns:a16="http://schemas.microsoft.com/office/drawing/2014/main" id="{A261F7AD-20ED-4897-BAD9-70F58849E27E}"/>
+                </a:ext>
+              </a:extLst>
+            </p:cNvPr>
+            <p:cNvGraphicFramePr>
+              <a:graphicFrameLocks/>
+            </p:cNvGraphicFramePr>
+            <p:nvPr>
+              <p:extLst>
+                <p:ext uri="{D42A27DB-BD31-4B8C-83A1-F6EECF244321}">
+                  <p14:modId xmlns:p14="http://schemas.microsoft.com/office/powerpoint/2010/main" val="2646005467"/>
+                </p:ext>
+              </p:extLst>
+            </p:nvPr>
+          </p:nvGraphicFramePr>
+          <p:xfrm>
+            <a:off x="22459950" y="6849242"/>
+            <a:ext cx="9601200" cy="6208736"/>
+          </p:xfrm>
+          <a:graphic>
+            <a:graphicData uri="http://schemas.openxmlformats.org/drawingml/2006/chart">
+              <c:chart xmlns:c="http://schemas.openxmlformats.org/drawingml/2006/chart" xmlns:r="http://schemas.openxmlformats.org/officeDocument/2006/relationships" r:id="rId9"/>
+            </a:graphicData>
+          </a:graphic>
+        </p:graphicFrame>
+        <p:sp>
+          <p:nvSpPr>
+            <p:cNvPr id="6" name="TextBox 5">
+              <a:extLst>
+                <a:ext uri="{FF2B5EF4-FFF2-40B4-BE49-F238E27FC236}">
+                  <a16:creationId xmlns:a16="http://schemas.microsoft.com/office/drawing/2014/main" id="{F22BB792-8866-43F1-83D5-862E88823ED6}"/>
+                </a:ext>
+              </a:extLst>
+            </p:cNvPr>
+            <p:cNvSpPr txBox="1"/>
+            <p:nvPr/>
+          </p:nvSpPr>
+          <p:spPr>
+            <a:xfrm>
+              <a:off x="23871291" y="7791986"/>
+              <a:ext cx="7327311" cy="1723549"/>
+            </a:xfrm>
+            <a:prstGeom prst="rect">
+              <a:avLst/>
+            </a:prstGeom>
+            <a:noFill/>
+          </p:spPr>
+          <p:txBody>
+            <a:bodyPr wrap="square" rtlCol="0">
+              <a:spAutoFit/>
+            </a:bodyPr>
+            <a:lstStyle/>
+            <a:p>
+              <a:r>
+                <a:rPr lang="en-CA" sz="1400" dirty="0">
+                  <a:solidFill>
+                    <a:srgbClr val="FF0000"/>
+                  </a:solidFill>
+                </a:rPr>
+                <a:t>r1 = "CGA(A|G|C|T)(A|G|C|T)(A|G|C|T)(A|G|C|T)(A|G|C|T)(A|G|C|T)TGC"</a:t>
+              </a:r>
+            </a:p>
+            <a:p>
+              <a:r>
+                <a:rPr lang="en-CA" sz="1400" dirty="0">
+                  <a:solidFill>
+                    <a:srgbClr val="0070C0"/>
+                  </a:solidFill>
+                </a:rPr>
+                <a:t>r2 = "AC(A|G|C|T)(A|G|C|T)(A|G|C|T)(A|G|C|T)GTA(A|G)C"</a:t>
+              </a:r>
+            </a:p>
+            <a:p>
+              <a:r>
+                <a:rPr lang="en-CA" sz="1400" dirty="0">
+                  <a:solidFill>
+                    <a:srgbClr val="00B050"/>
+                  </a:solidFill>
+                </a:rPr>
+                <a:t>r3 = "(A|G|C|T)*C(A|G|C|T)(A|G|C|T)(A|G|C|T)(A|G|C|T)(A|G|C|T)G(A|G|C|T)*“</a:t>
+              </a:r>
+              <a:endParaRPr lang="en-CA" sz="900" dirty="0">
+                <a:solidFill>
+                  <a:srgbClr val="00B050"/>
+                </a:solidFill>
+              </a:endParaRPr>
+            </a:p>
+            <a:p>
+              <a:endParaRPr lang="en-CA" sz="800" dirty="0"/>
+            </a:p>
+            <a:p>
+              <a:r>
+                <a:rPr lang="en-CA" sz="1400" dirty="0"/>
+                <a:t> </a:t>
+              </a:r>
+              <a:r>
+                <a:rPr lang="en-CA" sz="1400" dirty="0">
+                  <a:solidFill>
+                    <a:srgbClr val="FF0000"/>
+                  </a:solidFill>
+                </a:rPr>
+                <a:t>s1 = "CGAAGCTATTGC"</a:t>
+              </a:r>
+            </a:p>
+            <a:p>
+              <a:r>
+                <a:rPr lang="en-CA" sz="1400" dirty="0">
+                  <a:solidFill>
+                    <a:srgbClr val="FF0000"/>
+                  </a:solidFill>
+                </a:rPr>
+                <a:t> </a:t>
+              </a:r>
+              <a:r>
+                <a:rPr lang="en-CA" sz="1400" dirty="0">
+                  <a:solidFill>
+                    <a:srgbClr val="0070C0"/>
+                  </a:solidFill>
+                </a:rPr>
+                <a:t>s2 = "ACAAAAGTAGC"</a:t>
+              </a:r>
+            </a:p>
+            <a:p>
+              <a:r>
+                <a:rPr lang="en-CA" sz="1400" dirty="0">
+                  <a:solidFill>
+                    <a:srgbClr val="0070C0"/>
+                  </a:solidFill>
+                </a:rPr>
+                <a:t> </a:t>
+              </a:r>
+              <a:r>
+                <a:rPr lang="en-CA" sz="1400" dirty="0">
+                  <a:solidFill>
+                    <a:srgbClr val="00B050"/>
+                  </a:solidFill>
+                </a:rPr>
+                <a:t>s3 = "AAACAAAAAGTTTT"</a:t>
+              </a:r>
+            </a:p>
+            <a:p>
+              <a:r>
+                <a:rPr lang="en-CA" sz="1400" dirty="0">
+                  <a:solidFill>
+                    <a:srgbClr val="00B050"/>
+                  </a:solidFill>
+                </a:rPr>
+                <a:t> </a:t>
+              </a:r>
+              <a:r>
+                <a:rPr lang="en-CA" sz="1400" dirty="0">
+                  <a:solidFill>
+                    <a:srgbClr val="7030A0"/>
+                  </a:solidFill>
+                </a:rPr>
+                <a:t>s33 = "TCGCTCGCTCGCTCGCTAAACAAAAAGTTTTTCGTCGTCGCTCG"</a:t>
+              </a:r>
+            </a:p>
+          </p:txBody>
+        </p:sp>
+        <p:sp>
+          <p:nvSpPr>
+            <p:cNvPr id="13" name="TextBox 12">
+              <a:extLst>
+                <a:ext uri="{FF2B5EF4-FFF2-40B4-BE49-F238E27FC236}">
+                  <a16:creationId xmlns:a16="http://schemas.microsoft.com/office/drawing/2014/main" id="{F7A053C8-F239-4F8F-8158-9E0DA1896C06}"/>
+                </a:ext>
+              </a:extLst>
+            </p:cNvPr>
+            <p:cNvSpPr txBox="1"/>
+            <p:nvPr/>
+          </p:nvSpPr>
+          <p:spPr>
+            <a:xfrm>
+              <a:off x="24192238" y="11741872"/>
+              <a:ext cx="7834622" cy="461665"/>
+            </a:xfrm>
+            <a:prstGeom prst="rect">
+              <a:avLst/>
+            </a:prstGeom>
+            <a:solidFill>
+              <a:schemeClr val="bg1"/>
+            </a:solidFill>
+          </p:spPr>
+          <p:txBody>
+            <a:bodyPr wrap="square" rtlCol="0">
+              <a:spAutoFit/>
+            </a:bodyPr>
+            <a:lstStyle/>
+            <a:p>
+              <a:r>
+                <a:rPr lang="en-CA" sz="2400" dirty="0"/>
+                <a:t>(</a:t>
+              </a:r>
+              <a:r>
+                <a:rPr lang="en-CA" sz="2400" dirty="0">
+                  <a:solidFill>
+                    <a:srgbClr val="FF0000"/>
+                  </a:solidFill>
+                </a:rPr>
+                <a:t>r1</a:t>
+              </a:r>
+              <a:r>
+                <a:rPr lang="en-CA" sz="2400" dirty="0"/>
+                <a:t>, </a:t>
+              </a:r>
+              <a:r>
+                <a:rPr lang="en-CA" sz="2400" dirty="0">
+                  <a:solidFill>
+                    <a:srgbClr val="FF0000"/>
+                  </a:solidFill>
+                </a:rPr>
+                <a:t>s1</a:t>
+              </a:r>
+              <a:r>
+                <a:rPr lang="en-CA" sz="2400" dirty="0"/>
+                <a:t>)                  (</a:t>
+              </a:r>
+              <a:r>
+                <a:rPr lang="en-CA" sz="2400" dirty="0">
+                  <a:solidFill>
+                    <a:srgbClr val="0070C0"/>
+                  </a:solidFill>
+                </a:rPr>
+                <a:t>r2</a:t>
+              </a:r>
+              <a:r>
+                <a:rPr lang="en-CA" sz="2400" dirty="0"/>
+                <a:t>, </a:t>
+              </a:r>
+              <a:r>
+                <a:rPr lang="en-CA" sz="2400" dirty="0">
+                  <a:solidFill>
+                    <a:srgbClr val="0070C0"/>
+                  </a:solidFill>
+                </a:rPr>
+                <a:t>s2</a:t>
+              </a:r>
+              <a:r>
+                <a:rPr lang="en-CA" sz="2400" dirty="0"/>
+                <a:t>)                 (</a:t>
+              </a:r>
+              <a:r>
+                <a:rPr lang="en-CA" sz="2400" dirty="0">
+                  <a:solidFill>
+                    <a:srgbClr val="00B050"/>
+                  </a:solidFill>
+                </a:rPr>
+                <a:t>r3</a:t>
+              </a:r>
+              <a:r>
+                <a:rPr lang="en-CA" sz="2400" dirty="0"/>
+                <a:t>, </a:t>
+              </a:r>
+              <a:r>
+                <a:rPr lang="en-CA" sz="2400" dirty="0">
+                  <a:solidFill>
+                    <a:srgbClr val="00B050"/>
+                  </a:solidFill>
+                </a:rPr>
+                <a:t>s3</a:t>
+              </a:r>
+              <a:r>
+                <a:rPr lang="en-CA" sz="2400" dirty="0"/>
+                <a:t>)                 (</a:t>
+              </a:r>
+              <a:r>
+                <a:rPr lang="en-CA" sz="2400" dirty="0">
+                  <a:solidFill>
+                    <a:srgbClr val="00B050"/>
+                  </a:solidFill>
+                </a:rPr>
+                <a:t>r3</a:t>
+              </a:r>
+              <a:r>
+                <a:rPr lang="en-CA" sz="2400" dirty="0"/>
+                <a:t>, </a:t>
+              </a:r>
+              <a:r>
+                <a:rPr lang="en-CA" sz="2400" dirty="0">
+                  <a:solidFill>
+                    <a:srgbClr val="7030A0"/>
+                  </a:solidFill>
+                </a:rPr>
+                <a:t>s33</a:t>
+              </a:r>
+              <a:r>
+                <a:rPr lang="en-CA" sz="2400" dirty="0"/>
+                <a:t>)</a:t>
+              </a:r>
+              <a:endParaRPr lang="en-CA" sz="1400" dirty="0"/>
+            </a:p>
+          </p:txBody>
+        </p:sp>
+        <p:sp>
+          <p:nvSpPr>
+            <p:cNvPr id="17" name="TextBox 16">
+              <a:extLst>
+                <a:ext uri="{FF2B5EF4-FFF2-40B4-BE49-F238E27FC236}">
+                  <a16:creationId xmlns:a16="http://schemas.microsoft.com/office/drawing/2014/main" id="{B2D82579-EEC6-4931-83DB-4B1C4D705684}"/>
+                </a:ext>
+              </a:extLst>
+            </p:cNvPr>
+            <p:cNvSpPr txBox="1"/>
+            <p:nvPr/>
+          </p:nvSpPr>
+          <p:spPr>
+            <a:xfrm>
+              <a:off x="27861956" y="12674426"/>
+              <a:ext cx="1192959" cy="307777"/>
+            </a:xfrm>
+            <a:prstGeom prst="rect">
+              <a:avLst/>
+            </a:prstGeom>
+            <a:noFill/>
+          </p:spPr>
+          <p:txBody>
+            <a:bodyPr wrap="square" rtlCol="0">
+              <a:spAutoFit/>
+            </a:bodyPr>
+            <a:lstStyle/>
+            <a:p>
+              <a:r>
+                <a:rPr lang="en-CA" sz="1400" dirty="0" err="1"/>
+                <a:t>imate</a:t>
+              </a:r>
+              <a:endParaRPr lang="en-CA" sz="1400" dirty="0"/>
+            </a:p>
+          </p:txBody>
+        </p:sp>
+      </p:grpSp>
+      <p:sp>
+        <p:nvSpPr>
+          <p:cNvPr id="30" name="Text Placeholder 17">
+            <a:extLst>
+              <a:ext uri="{FF2B5EF4-FFF2-40B4-BE49-F238E27FC236}">
+                <a16:creationId xmlns:a16="http://schemas.microsoft.com/office/drawing/2014/main" id="{F626B328-2E78-40E6-A2CE-02D9CFEE2AE0}"/>
+              </a:ext>
+            </a:extLst>
+          </p:cNvPr>
+          <p:cNvSpPr txBox="1">
+            <a:spLocks/>
           </p:cNvSpPr>
-          <p:nvPr>
-            <p:ph sz="quarter" idx="33"/>
-          </p:nvPr>
+          <p:nvPr/>
         </p:nvSpPr>
-        <p:spPr/>
+        <p:spPr>
+          <a:xfrm>
+            <a:off x="22406813" y="13771866"/>
+            <a:ext cx="4365968" cy="553998"/>
+          </a:xfrm>
+          <a:prstGeom prst="round1Rect">
+            <a:avLst/>
+          </a:prstGeom>
+          <a:solidFill>
+            <a:schemeClr val="accent6"/>
+          </a:solidFill>
+        </p:spPr>
         <p:txBody>
-          <a:bodyPr>
-            <a:normAutofit/>
+          <a:bodyPr vert="horz" lIns="365760" tIns="45720" rIns="91440" bIns="45720" rtlCol="0" anchor="ctr">
+            <a:noAutofit/>
           </a:bodyPr>
-          <a:lstStyle/>
-          <a:p>
-            <a:r>
-              <a:rPr lang="en-CA" sz="2400" dirty="0">
-                <a:latin typeface="Constantia" panose="02030602050306030303" pitchFamily="18" charset="0"/>
-              </a:rPr>
-              <a:t>Testing environment details</a:t>
+          <a:lstStyle>
+            <a:lvl1pPr marL="0" indent="0" algn="l" defTabSz="2926226" rtl="0" eaLnBrk="1" latinLnBrk="0" hangingPunct="1">
+              <a:lnSpc>
+                <a:spcPct val="100000"/>
+              </a:lnSpc>
+              <a:spcBef>
+                <a:spcPts val="0"/>
+              </a:spcBef>
+              <a:buClr>
+                <a:schemeClr val="accent2"/>
+              </a:buClr>
+              <a:buFont typeface="Arial" panose="020B0604020202020204" pitchFamily="34" charset="0"/>
+              <a:buNone/>
+              <a:defRPr sz="4000" kern="1200" cap="all" baseline="0">
+                <a:solidFill>
+                  <a:schemeClr val="bg1"/>
+                </a:solidFill>
+                <a:latin typeface="+mj-lt"/>
+                <a:ea typeface="+mn-ea"/>
+                <a:cs typeface="+mn-cs"/>
+              </a:defRPr>
+            </a:lvl1pPr>
+            <a:lvl2pPr marL="0" indent="0" algn="l" defTabSz="2926226" rtl="0" eaLnBrk="1" latinLnBrk="0" hangingPunct="1">
+              <a:lnSpc>
+                <a:spcPct val="100000"/>
+              </a:lnSpc>
+              <a:spcBef>
+                <a:spcPts val="0"/>
+              </a:spcBef>
+              <a:buClr>
+                <a:schemeClr val="accent2"/>
+              </a:buClr>
+              <a:buFont typeface="Arial" panose="020B0604020202020204" pitchFamily="34" charset="0"/>
+              <a:buNone/>
+              <a:defRPr sz="4000" kern="1200" cap="all" baseline="0">
+                <a:solidFill>
+                  <a:schemeClr val="bg1"/>
+                </a:solidFill>
+                <a:latin typeface="+mj-lt"/>
+                <a:ea typeface="+mn-ea"/>
+                <a:cs typeface="+mn-cs"/>
+              </a:defRPr>
+            </a:lvl2pPr>
+            <a:lvl3pPr marL="0" indent="0" algn="l" defTabSz="2926226" rtl="0" eaLnBrk="1" latinLnBrk="0" hangingPunct="1">
+              <a:lnSpc>
+                <a:spcPct val="100000"/>
+              </a:lnSpc>
+              <a:spcBef>
+                <a:spcPts val="0"/>
+              </a:spcBef>
+              <a:buClr>
+                <a:schemeClr val="accent2"/>
+              </a:buClr>
+              <a:buFont typeface="Arial" panose="020B0604020202020204" pitchFamily="34" charset="0"/>
+              <a:buNone/>
+              <a:defRPr sz="4000" kern="1200" cap="all" baseline="0">
+                <a:solidFill>
+                  <a:schemeClr val="bg1"/>
+                </a:solidFill>
+                <a:latin typeface="+mj-lt"/>
+                <a:ea typeface="+mn-ea"/>
+                <a:cs typeface="+mn-cs"/>
+              </a:defRPr>
+            </a:lvl3pPr>
+            <a:lvl4pPr marL="0" indent="0" algn="l" defTabSz="2926226" rtl="0" eaLnBrk="1" latinLnBrk="0" hangingPunct="1">
+              <a:lnSpc>
+                <a:spcPct val="100000"/>
+              </a:lnSpc>
+              <a:spcBef>
+                <a:spcPts val="0"/>
+              </a:spcBef>
+              <a:buClr>
+                <a:schemeClr val="accent2"/>
+              </a:buClr>
+              <a:buFont typeface="Arial" panose="020B0604020202020204" pitchFamily="34" charset="0"/>
+              <a:buNone/>
+              <a:defRPr sz="4000" kern="1200" cap="all" baseline="0">
+                <a:solidFill>
+                  <a:schemeClr val="bg1"/>
+                </a:solidFill>
+                <a:latin typeface="+mj-lt"/>
+                <a:ea typeface="+mn-ea"/>
+                <a:cs typeface="+mn-cs"/>
+              </a:defRPr>
+            </a:lvl4pPr>
+            <a:lvl5pPr marL="0" indent="0" algn="l" defTabSz="2926226" rtl="0" eaLnBrk="1" latinLnBrk="0" hangingPunct="1">
+              <a:lnSpc>
+                <a:spcPct val="100000"/>
+              </a:lnSpc>
+              <a:spcBef>
+                <a:spcPts val="0"/>
+              </a:spcBef>
+              <a:buClr>
+                <a:schemeClr val="accent2"/>
+              </a:buClr>
+              <a:buFont typeface="Arial" panose="020B0604020202020204" pitchFamily="34" charset="0"/>
+              <a:buNone/>
+              <a:defRPr sz="4000" kern="1200" cap="all" baseline="0">
+                <a:solidFill>
+                  <a:schemeClr val="bg1"/>
+                </a:solidFill>
+                <a:latin typeface="+mj-lt"/>
+                <a:ea typeface="+mn-ea"/>
+                <a:cs typeface="+mn-cs"/>
+              </a:defRPr>
+            </a:lvl5pPr>
+            <a:lvl6pPr marL="0" indent="0" algn="l" defTabSz="2926226" rtl="0" eaLnBrk="1" latinLnBrk="0" hangingPunct="1">
+              <a:lnSpc>
+                <a:spcPct val="100000"/>
+              </a:lnSpc>
+              <a:spcBef>
+                <a:spcPts val="0"/>
+              </a:spcBef>
+              <a:buClr>
+                <a:schemeClr val="accent2"/>
+              </a:buClr>
+              <a:buFont typeface="Arial" panose="020B0604020202020204" pitchFamily="34" charset="0"/>
+              <a:buNone/>
+              <a:defRPr sz="4000" kern="1200" cap="all" baseline="0">
+                <a:solidFill>
+                  <a:schemeClr val="bg1"/>
+                </a:solidFill>
+                <a:latin typeface="+mj-lt"/>
+                <a:ea typeface="+mn-ea"/>
+                <a:cs typeface="+mn-cs"/>
+              </a:defRPr>
+            </a:lvl6pPr>
+            <a:lvl7pPr marL="0" indent="0" algn="l" defTabSz="2926226" rtl="0" eaLnBrk="1" latinLnBrk="0" hangingPunct="1">
+              <a:lnSpc>
+                <a:spcPct val="100000"/>
+              </a:lnSpc>
+              <a:spcBef>
+                <a:spcPts val="0"/>
+              </a:spcBef>
+              <a:buClr>
+                <a:schemeClr val="accent2"/>
+              </a:buClr>
+              <a:buFont typeface="Arial" panose="020B0604020202020204" pitchFamily="34" charset="0"/>
+              <a:buNone/>
+              <a:defRPr sz="4000" kern="1200" cap="all" baseline="0">
+                <a:solidFill>
+                  <a:schemeClr val="bg1"/>
+                </a:solidFill>
+                <a:latin typeface="+mj-lt"/>
+                <a:ea typeface="+mn-ea"/>
+                <a:cs typeface="+mn-cs"/>
+              </a:defRPr>
+            </a:lvl7pPr>
+            <a:lvl8pPr marL="0" indent="0" algn="l" defTabSz="2926226" rtl="0" eaLnBrk="1" latinLnBrk="0" hangingPunct="1">
+              <a:lnSpc>
+                <a:spcPct val="100000"/>
+              </a:lnSpc>
+              <a:spcBef>
+                <a:spcPts val="0"/>
+              </a:spcBef>
+              <a:buClr>
+                <a:schemeClr val="accent2"/>
+              </a:buClr>
+              <a:buFont typeface="Arial" panose="020B0604020202020204" pitchFamily="34" charset="0"/>
+              <a:buNone/>
+              <a:defRPr sz="4000" kern="1200" cap="all" baseline="0">
+                <a:solidFill>
+                  <a:schemeClr val="bg1"/>
+                </a:solidFill>
+                <a:latin typeface="+mj-lt"/>
+                <a:ea typeface="+mn-ea"/>
+                <a:cs typeface="+mn-cs"/>
+              </a:defRPr>
+            </a:lvl8pPr>
+            <a:lvl9pPr marL="0" indent="0" algn="l" defTabSz="2926226" rtl="0" eaLnBrk="1" latinLnBrk="0" hangingPunct="1">
+              <a:lnSpc>
+                <a:spcPct val="100000"/>
+              </a:lnSpc>
+              <a:spcBef>
+                <a:spcPts val="0"/>
+              </a:spcBef>
+              <a:buClr>
+                <a:schemeClr val="accent2"/>
+              </a:buClr>
+              <a:buFont typeface="Arial" panose="020B0604020202020204" pitchFamily="34" charset="0"/>
+              <a:buNone/>
+              <a:defRPr sz="4000" kern="1200" cap="all" baseline="0">
+                <a:solidFill>
+                  <a:schemeClr val="bg1"/>
+                </a:solidFill>
+                <a:latin typeface="+mj-lt"/>
+                <a:ea typeface="+mn-ea"/>
+                <a:cs typeface="+mn-cs"/>
+              </a:defRPr>
+            </a:lvl9pPr>
+          </a:lstStyle>
+          <a:p>
+            <a:r>
+              <a:rPr lang="en-US" sz="2000" dirty="0"/>
+              <a:t>HARDWARE SPECIFICATIONS</a:t>
             </a:r>
           </a:p>
         </p:txBody>
       </p:sp>
+      <p:graphicFrame>
+        <p:nvGraphicFramePr>
+          <p:cNvPr id="27" name="Table 26">
+            <a:extLst>
+              <a:ext uri="{FF2B5EF4-FFF2-40B4-BE49-F238E27FC236}">
+                <a16:creationId xmlns:a16="http://schemas.microsoft.com/office/drawing/2014/main" id="{298DD57C-03D0-416D-A68D-C5A1C852024F}"/>
+              </a:ext>
+            </a:extLst>
+          </p:cNvPr>
+          <p:cNvGraphicFramePr>
+            <a:graphicFrameLocks noGrp="1"/>
+          </p:cNvGraphicFramePr>
+          <p:nvPr>
+            <p:extLst>
+              <p:ext uri="{D42A27DB-BD31-4B8C-83A1-F6EECF244321}">
+                <p14:modId xmlns:p14="http://schemas.microsoft.com/office/powerpoint/2010/main" val="3781542797"/>
+              </p:ext>
+            </p:extLst>
+          </p:nvPr>
+        </p:nvGraphicFramePr>
+        <p:xfrm>
+          <a:off x="22405342" y="14436549"/>
+          <a:ext cx="4365968" cy="3023796"/>
+        </p:xfrm>
+        <a:graphic>
+          <a:graphicData uri="http://schemas.openxmlformats.org/drawingml/2006/table">
+            <a:tbl>
+              <a:tblPr firstRow="1" bandRow="1">
+                <a:tableStyleId>{3B4B98B0-60AC-42C2-AFA5-B58CD77FA1E5}</a:tableStyleId>
+              </a:tblPr>
+              <a:tblGrid>
+                <a:gridCol w="1446752">
+                  <a:extLst>
+                    <a:ext uri="{9D8B030D-6E8A-4147-A177-3AD203B41FA5}">
+                      <a16:colId xmlns:a16="http://schemas.microsoft.com/office/drawing/2014/main" val="3897666839"/>
+                    </a:ext>
+                  </a:extLst>
+                </a:gridCol>
+                <a:gridCol w="2919216">
+                  <a:extLst>
+                    <a:ext uri="{9D8B030D-6E8A-4147-A177-3AD203B41FA5}">
+                      <a16:colId xmlns:a16="http://schemas.microsoft.com/office/drawing/2014/main" val="1165388772"/>
+                    </a:ext>
+                  </a:extLst>
+                </a:gridCol>
+              </a:tblGrid>
+              <a:tr h="611692">
+                <a:tc>
+                  <a:txBody>
+                    <a:bodyPr/>
+                    <a:lstStyle/>
+                    <a:p>
+                      <a:r>
+                        <a:rPr lang="en-CA" sz="2400" b="0" dirty="0"/>
+                        <a:t>Processor</a:t>
+                      </a:r>
+                    </a:p>
+                  </a:txBody>
+                  <a:tcPr/>
+                </a:tc>
+                <a:tc>
+                  <a:txBody>
+                    <a:bodyPr/>
+                    <a:lstStyle/>
+                    <a:p>
+                      <a:r>
+                        <a:rPr lang="en-CA" sz="2400" b="0" dirty="0"/>
+                        <a:t>Intel Core™ i7-5500U CPU @ 2.40Ghz 2.39 GHz</a:t>
+                      </a:r>
+                    </a:p>
+                  </a:txBody>
+                  <a:tcPr/>
+                </a:tc>
+                <a:extLst>
+                  <a:ext uri="{0D108BD9-81ED-4DB2-BD59-A6C34878D82A}">
+                    <a16:rowId xmlns:a16="http://schemas.microsoft.com/office/drawing/2014/main" val="2383113721"/>
+                  </a:ext>
+                </a:extLst>
+              </a:tr>
+              <a:tr h="611692">
+                <a:tc>
+                  <a:txBody>
+                    <a:bodyPr/>
+                    <a:lstStyle/>
+                    <a:p>
+                      <a:r>
+                        <a:rPr lang="en-CA" sz="2400" b="0" dirty="0"/>
+                        <a:t>RAM</a:t>
+                      </a:r>
+                    </a:p>
+                  </a:txBody>
+                  <a:tcPr/>
+                </a:tc>
+                <a:tc>
+                  <a:txBody>
+                    <a:bodyPr/>
+                    <a:lstStyle/>
+                    <a:p>
+                      <a:r>
+                        <a:rPr lang="en-CA" sz="2400" b="0" dirty="0"/>
+                        <a:t>8.00 GB</a:t>
+                      </a:r>
+                    </a:p>
+                  </a:txBody>
+                  <a:tcPr/>
+                </a:tc>
+                <a:extLst>
+                  <a:ext uri="{0D108BD9-81ED-4DB2-BD59-A6C34878D82A}">
+                    <a16:rowId xmlns:a16="http://schemas.microsoft.com/office/drawing/2014/main" val="298847274"/>
+                  </a:ext>
+                </a:extLst>
+              </a:tr>
+              <a:tr h="611692">
+                <a:tc>
+                  <a:txBody>
+                    <a:bodyPr/>
+                    <a:lstStyle/>
+                    <a:p>
+                      <a:r>
+                        <a:rPr lang="en-CA" sz="2400" b="0" dirty="0"/>
+                        <a:t>OS</a:t>
+                      </a:r>
+                    </a:p>
+                  </a:txBody>
+                  <a:tcPr/>
+                </a:tc>
+                <a:tc>
+                  <a:txBody>
+                    <a:bodyPr/>
+                    <a:lstStyle/>
+                    <a:p>
+                      <a:r>
+                        <a:rPr lang="en-CA" sz="2400" b="0" dirty="0"/>
+                        <a:t>Windows 10</a:t>
+                      </a:r>
+                    </a:p>
+                  </a:txBody>
+                  <a:tcPr/>
+                </a:tc>
+                <a:extLst>
+                  <a:ext uri="{0D108BD9-81ED-4DB2-BD59-A6C34878D82A}">
+                    <a16:rowId xmlns:a16="http://schemas.microsoft.com/office/drawing/2014/main" val="2094024848"/>
+                  </a:ext>
+                </a:extLst>
+              </a:tr>
+              <a:tr h="611692">
+                <a:tc>
+                  <a:txBody>
+                    <a:bodyPr/>
+                    <a:lstStyle/>
+                    <a:p>
+                      <a:r>
+                        <a:rPr lang="en-CA" sz="2400" b="0" dirty="0"/>
+                        <a:t>Software</a:t>
+                      </a:r>
+                    </a:p>
+                  </a:txBody>
+                  <a:tcPr/>
+                </a:tc>
+                <a:tc>
+                  <a:txBody>
+                    <a:bodyPr/>
+                    <a:lstStyle/>
+                    <a:p>
+                      <a:r>
+                        <a:rPr lang="en-CA" sz="2400" b="0" dirty="0"/>
+                        <a:t>Python 3.5 (32-bit)</a:t>
+                      </a:r>
+                    </a:p>
+                  </a:txBody>
+                  <a:tcPr/>
+                </a:tc>
+                <a:extLst>
+                  <a:ext uri="{0D108BD9-81ED-4DB2-BD59-A6C34878D82A}">
+                    <a16:rowId xmlns:a16="http://schemas.microsoft.com/office/drawing/2014/main" val="3801725351"/>
+                  </a:ext>
+                </a:extLst>
+              </a:tr>
+            </a:tbl>
+          </a:graphicData>
+        </a:graphic>
+      </p:graphicFrame>
     </p:spTree>
     <p:extLst>
       <p:ext uri="{BB962C8B-B14F-4D97-AF65-F5344CB8AC3E}">

--- a/poster/poster.pptx
+++ b/poster/poster.pptx
@@ -6687,7 +6687,7 @@
         </p:nvSpPr>
         <p:spPr>
           <a:xfrm>
-            <a:off x="22406813" y="13771866"/>
+            <a:off x="22406813" y="13695666"/>
             <a:ext cx="4365968" cy="553998"/>
           </a:xfrm>
           <a:prstGeom prst="round1Rect">
@@ -6915,13 +6915,13 @@
           <p:nvPr>
             <p:extLst>
               <p:ext uri="{D42A27DB-BD31-4B8C-83A1-F6EECF244321}">
-                <p14:modId xmlns:p14="http://schemas.microsoft.com/office/powerpoint/2010/main" val="3781542797"/>
+                <p14:modId xmlns:p14="http://schemas.microsoft.com/office/powerpoint/2010/main" val="3060887447"/>
               </p:ext>
             </p:extLst>
           </p:nvPr>
         </p:nvGraphicFramePr>
         <p:xfrm>
-          <a:off x="22405342" y="14436549"/>
+          <a:off x="22405342" y="14287694"/>
           <a:ext cx="4365968" cy="3023796"/>
         </p:xfrm>
         <a:graphic>

--- a/poster/poster.pptx
+++ b/poster/poster.pptx
@@ -167,6 +167,7 @@
                 <a:solidFill>
                   <a:schemeClr val="tx1"/>
                 </a:solidFill>
+                <a:latin typeface="+mn-lt"/>
               </a:rPr>
               <a:t>Runtimes of Various</a:t>
             </a:r>
@@ -175,6 +176,7 @@
                 <a:solidFill>
                   <a:schemeClr val="tx1"/>
                 </a:solidFill>
+                <a:latin typeface="+mn-lt"/>
               </a:rPr>
               <a:t> Regular Expressions and Strings for Exact and Approximate Matching Algorithms</a:t>
             </a:r>
@@ -182,6 +184,7 @@
               <a:solidFill>
                 <a:schemeClr val="tx1"/>
               </a:solidFill>
+              <a:latin typeface="+mn-lt"/>
             </a:endParaRPr>
           </a:p>
         </c:rich>
@@ -5035,7 +5038,7 @@
         <p:spPr>
           <a:xfrm>
             <a:off x="857250" y="4714240"/>
-            <a:ext cx="9601200" cy="7133844"/>
+            <a:ext cx="9601200" cy="6258560"/>
           </a:xfrm>
         </p:spPr>
         <p:txBody>
@@ -5122,15 +5125,6 @@
                 <a:latin typeface="Constantia" panose="02030602050306030303" pitchFamily="18" charset="0"/>
               </a:rPr>
               <a:t>A comparison of the running times of exact matching using Thompson’s NFA to the Myers and Miller's approximate matching construction. </a:t>
-            </a:r>
-          </a:p>
-          <a:p>
-            <a:pPr algn="just"/>
-            <a:r>
-              <a:rPr lang="en-CA" sz="2400" dirty="0">
-                <a:latin typeface="Constantia" panose="02030602050306030303" pitchFamily="18" charset="0"/>
-              </a:rPr>
-              <a:t>Performance tests compare the run times for both algorithm using different types of sequences and regular expressions</a:t>
             </a:r>
             <a:endParaRPr lang="en-US" sz="2400" b="1" dirty="0">
               <a:latin typeface="Constantia" panose="02030602050306030303" pitchFamily="18" charset="0"/>
@@ -5150,7 +5144,7 @@
         </p:nvSpPr>
         <p:spPr>
           <a:xfrm>
-            <a:off x="891540" y="11848084"/>
+            <a:off x="891540" y="11009884"/>
             <a:ext cx="9601200" cy="1319276"/>
           </a:xfrm>
         </p:spPr>
@@ -5183,7 +5177,7 @@
         </p:nvSpPr>
         <p:spPr>
           <a:xfrm>
-            <a:off x="857250" y="13167360"/>
+            <a:off x="857250" y="12329160"/>
             <a:ext cx="9601200" cy="8117840"/>
           </a:xfrm>
         </p:spPr>
@@ -5272,210 +5266,6 @@
                 <a:latin typeface="Constantia" panose="02030602050306030303" pitchFamily="18" charset="0"/>
               </a:rPr>
               <a:t>r</a:t>
-            </a:r>
-          </a:p>
-          <a:p>
-            <a:pPr marL="0" indent="0" algn="just">
-              <a:buNone/>
-            </a:pPr>
-            <a:r>
-              <a:rPr lang="en-US" sz="2400" b="1" dirty="0">
-                <a:latin typeface="Constantia" panose="02030602050306030303" pitchFamily="18" charset="0"/>
-              </a:rPr>
-              <a:t>METHOD:</a:t>
-            </a:r>
-          </a:p>
-          <a:p>
-            <a:pPr lvl="1" algn="just"/>
-            <a:r>
-              <a:rPr lang="en-US" sz="2400" dirty="0">
-                <a:latin typeface="Constantia" panose="02030602050306030303" pitchFamily="18" charset="0"/>
-              </a:rPr>
-              <a:t>Construct a Thompson’s NFA by recursively applying</a:t>
-            </a:r>
-            <a:r>
-              <a:rPr lang="el-GR" sz="2400" dirty="0">
-                <a:latin typeface="Constantia" panose="02030602050306030303" pitchFamily="18" charset="0"/>
-              </a:rPr>
-              <a:t> ε</a:t>
-            </a:r>
-            <a:r>
-              <a:rPr lang="en-CA" sz="2400" dirty="0">
-                <a:latin typeface="Constantia" panose="02030602050306030303" pitchFamily="18" charset="0"/>
-              </a:rPr>
-              <a:t>, symbol, union</a:t>
-            </a:r>
-            <a:r>
-              <a:rPr lang="en-US" sz="2400" dirty="0">
-                <a:latin typeface="Constantia" panose="02030602050306030303" pitchFamily="18" charset="0"/>
-              </a:rPr>
-              <a:t>, concatenation and Kleene closure rules over </a:t>
-            </a:r>
-            <a:r>
-              <a:rPr lang="en-US" sz="2400" i="1" dirty="0">
-                <a:latin typeface="Constantia" panose="02030602050306030303" pitchFamily="18" charset="0"/>
-              </a:rPr>
-              <a:t>r</a:t>
-            </a:r>
-            <a:r>
-              <a:rPr lang="en-US" sz="2400" dirty="0">
-                <a:latin typeface="Constantia" panose="02030602050306030303" pitchFamily="18" charset="0"/>
-              </a:rPr>
-              <a:t>.</a:t>
-            </a:r>
-          </a:p>
-          <a:p>
-            <a:pPr lvl="1" algn="just"/>
-            <a:r>
-              <a:rPr lang="en-US" sz="2400" dirty="0">
-                <a:latin typeface="Constantia" panose="02030602050306030303" pitchFamily="18" charset="0"/>
-              </a:rPr>
-              <a:t>Traverse the NFA for </a:t>
-            </a:r>
-            <a:r>
-              <a:rPr lang="en-US" sz="2400" i="1" dirty="0">
-                <a:latin typeface="Constantia" panose="02030602050306030303" pitchFamily="18" charset="0"/>
-              </a:rPr>
-              <a:t>s</a:t>
-            </a:r>
-            <a:r>
-              <a:rPr lang="en-US" sz="2400" dirty="0">
-                <a:latin typeface="Constantia" panose="02030602050306030303" pitchFamily="18" charset="0"/>
-              </a:rPr>
-              <a:t>.</a:t>
-            </a:r>
-          </a:p>
-          <a:p>
-            <a:pPr lvl="1" algn="just"/>
-            <a:r>
-              <a:rPr lang="en-US" sz="2400" dirty="0">
-                <a:latin typeface="Constantia" panose="02030602050306030303" pitchFamily="18" charset="0"/>
-              </a:rPr>
-              <a:t>Return </a:t>
-            </a:r>
-            <a:r>
-              <a:rPr lang="en-US" sz="2400" i="1" dirty="0">
-                <a:latin typeface="Constantia" panose="02030602050306030303" pitchFamily="18" charset="0"/>
-              </a:rPr>
-              <a:t>true</a:t>
-            </a:r>
-            <a:r>
-              <a:rPr lang="en-US" sz="2400" dirty="0">
-                <a:latin typeface="Constantia" panose="02030602050306030303" pitchFamily="18" charset="0"/>
-              </a:rPr>
-              <a:t> if traversal ends at a terminating state.</a:t>
-            </a:r>
-          </a:p>
-          <a:p>
-            <a:pPr marL="0" lvl="1" indent="0" algn="just">
-              <a:buNone/>
-            </a:pPr>
-            <a:r>
-              <a:rPr lang="en-US" sz="2400" b="1" dirty="0">
-                <a:latin typeface="Constantia" panose="02030602050306030303" pitchFamily="18" charset="0"/>
-              </a:rPr>
-              <a:t>COMPLEXITY:  </a:t>
-            </a:r>
-            <a:r>
-              <a:rPr lang="en-US" sz="2400" dirty="0">
-                <a:latin typeface="Constantia" panose="02030602050306030303" pitchFamily="18" charset="0"/>
-              </a:rPr>
-              <a:t>NFA construction: </a:t>
-            </a:r>
-            <a:r>
-              <a:rPr lang="en-US" sz="2400" i="1" dirty="0">
-                <a:latin typeface="Constantia" panose="02030602050306030303" pitchFamily="18" charset="0"/>
-              </a:rPr>
-              <a:t>O</a:t>
-            </a:r>
-            <a:r>
-              <a:rPr lang="en-US" sz="2400" dirty="0">
-                <a:latin typeface="Constantia" panose="02030602050306030303" pitchFamily="18" charset="0"/>
-              </a:rPr>
-              <a:t>(|</a:t>
-            </a:r>
-            <a:r>
-              <a:rPr lang="en-US" sz="2400" i="1" dirty="0">
-                <a:latin typeface="Constantia" panose="02030602050306030303" pitchFamily="18" charset="0"/>
-              </a:rPr>
-              <a:t>r</a:t>
-            </a:r>
-            <a:r>
-              <a:rPr lang="en-US" sz="2400" dirty="0">
-                <a:latin typeface="Constantia" panose="02030602050306030303" pitchFamily="18" charset="0"/>
-              </a:rPr>
-              <a:t>|) steps, </a:t>
-            </a:r>
-            <a:r>
-              <a:rPr lang="en-US" sz="2400" i="1" dirty="0">
-                <a:latin typeface="Constantia" panose="02030602050306030303" pitchFamily="18" charset="0"/>
-              </a:rPr>
-              <a:t>O</a:t>
-            </a:r>
-            <a:r>
-              <a:rPr lang="en-US" sz="2400" dirty="0">
-                <a:latin typeface="Constantia" panose="02030602050306030303" pitchFamily="18" charset="0"/>
-              </a:rPr>
-              <a:t>(|</a:t>
-            </a:r>
-            <a:r>
-              <a:rPr lang="en-US" sz="2400" i="1" dirty="0">
-                <a:latin typeface="Constantia" panose="02030602050306030303" pitchFamily="18" charset="0"/>
-              </a:rPr>
-              <a:t>r</a:t>
-            </a:r>
-            <a:r>
-              <a:rPr lang="en-US" sz="2400" dirty="0">
-                <a:latin typeface="Constantia" panose="02030602050306030303" pitchFamily="18" charset="0"/>
-              </a:rPr>
-              <a:t>|) memory;</a:t>
-            </a:r>
-          </a:p>
-          <a:p>
-            <a:pPr marL="2152650" lvl="1" indent="0" algn="just">
-              <a:buNone/>
-            </a:pPr>
-            <a:r>
-              <a:rPr lang="en-US" sz="2400" dirty="0">
-                <a:latin typeface="Constantia" panose="02030602050306030303" pitchFamily="18" charset="0"/>
-              </a:rPr>
-              <a:t>String traversal: </a:t>
-            </a:r>
-            <a:r>
-              <a:rPr lang="en-US" sz="2400" i="1" dirty="0">
-                <a:latin typeface="Constantia" panose="02030602050306030303" pitchFamily="18" charset="0"/>
-              </a:rPr>
-              <a:t>O</a:t>
-            </a:r>
-            <a:r>
-              <a:rPr lang="en-US" sz="2400" dirty="0">
-                <a:latin typeface="Constantia" panose="02030602050306030303" pitchFamily="18" charset="0"/>
-              </a:rPr>
-              <a:t>(|</a:t>
-            </a:r>
-            <a:r>
-              <a:rPr lang="en-US" sz="2400" i="1" dirty="0">
-                <a:latin typeface="Constantia" panose="02030602050306030303" pitchFamily="18" charset="0"/>
-              </a:rPr>
-              <a:t>r</a:t>
-            </a:r>
-            <a:r>
-              <a:rPr lang="en-US" sz="2400" dirty="0">
-                <a:latin typeface="Constantia" panose="02030602050306030303" pitchFamily="18" charset="0"/>
-              </a:rPr>
-              <a:t>|·</a:t>
-            </a:r>
-            <a:r>
-              <a:rPr lang="en-US" sz="2400" i="1" dirty="0">
-                <a:latin typeface="Constantia" panose="02030602050306030303" pitchFamily="18" charset="0"/>
-              </a:rPr>
-              <a:t>|s</a:t>
-            </a:r>
-            <a:r>
-              <a:rPr lang="en-US" sz="2400" dirty="0">
-                <a:latin typeface="Constantia" panose="02030602050306030303" pitchFamily="18" charset="0"/>
-              </a:rPr>
-              <a:t>|) steps</a:t>
             </a:r>
           </a:p>
           <a:p>
@@ -5752,147 +5542,6 @@
               <a:t> ≤ counter.</a:t>
             </a:r>
           </a:p>
-          <a:p>
-            <a:pPr marL="0" lvl="1" indent="0" algn="just">
-              <a:buNone/>
-            </a:pPr>
-            <a:r>
-              <a:rPr lang="en-US" sz="2400" b="1" dirty="0">
-                <a:latin typeface="Constantia" panose="02030602050306030303" pitchFamily="18" charset="0"/>
-              </a:rPr>
-              <a:t>COMPLEXITY: </a:t>
-            </a:r>
-            <a:r>
-              <a:rPr lang="en-US" sz="2400" dirty="0">
-                <a:latin typeface="Constantia" panose="02030602050306030303" pitchFamily="18" charset="0"/>
-              </a:rPr>
-              <a:t>NFA construction: </a:t>
-            </a:r>
-            <a:r>
-              <a:rPr lang="en-US" sz="2400" i="1" dirty="0">
-                <a:latin typeface="Constantia" panose="02030602050306030303" pitchFamily="18" charset="0"/>
-              </a:rPr>
-              <a:t>O</a:t>
-            </a:r>
-            <a:r>
-              <a:rPr lang="en-US" sz="2400" dirty="0">
-                <a:latin typeface="Constantia" panose="02030602050306030303" pitchFamily="18" charset="0"/>
-              </a:rPr>
-              <a:t>(|</a:t>
-            </a:r>
-            <a:r>
-              <a:rPr lang="en-US" sz="2400" i="1" dirty="0">
-                <a:latin typeface="Constantia" panose="02030602050306030303" pitchFamily="18" charset="0"/>
-              </a:rPr>
-              <a:t>r</a:t>
-            </a:r>
-            <a:r>
-              <a:rPr lang="en-US" sz="2400" dirty="0">
-                <a:latin typeface="Constantia" panose="02030602050306030303" pitchFamily="18" charset="0"/>
-              </a:rPr>
-              <a:t>|+</a:t>
-            </a:r>
-            <a:r>
-              <a:rPr lang="en-US" sz="2400" i="1" dirty="0">
-                <a:latin typeface="Constantia" panose="02030602050306030303" pitchFamily="18" charset="0"/>
-              </a:rPr>
-              <a:t>|s</a:t>
-            </a:r>
-            <a:r>
-              <a:rPr lang="en-US" sz="2400" dirty="0">
-                <a:latin typeface="Constantia" panose="02030602050306030303" pitchFamily="18" charset="0"/>
-              </a:rPr>
-              <a:t>|) steps, </a:t>
-            </a:r>
-          </a:p>
-          <a:p>
-            <a:pPr marL="4572000" lvl="1" indent="0" algn="just">
-              <a:buNone/>
-            </a:pPr>
-            <a:r>
-              <a:rPr lang="en-US" sz="2400" i="1" dirty="0">
-                <a:latin typeface="Constantia" panose="02030602050306030303" pitchFamily="18" charset="0"/>
-              </a:rPr>
-              <a:t>O</a:t>
-            </a:r>
-            <a:r>
-              <a:rPr lang="en-US" sz="2400" dirty="0">
-                <a:latin typeface="Constantia" panose="02030602050306030303" pitchFamily="18" charset="0"/>
-              </a:rPr>
-              <a:t>(|</a:t>
-            </a:r>
-            <a:r>
-              <a:rPr lang="en-US" sz="2400" i="1" dirty="0">
-                <a:latin typeface="Constantia" panose="02030602050306030303" pitchFamily="18" charset="0"/>
-              </a:rPr>
-              <a:t>r</a:t>
-            </a:r>
-            <a:r>
-              <a:rPr lang="en-US" sz="2400" dirty="0">
-                <a:latin typeface="Constantia" panose="02030602050306030303" pitchFamily="18" charset="0"/>
-              </a:rPr>
-              <a:t>|·</a:t>
-            </a:r>
-            <a:r>
-              <a:rPr lang="en-US" sz="2400" i="1" dirty="0">
-                <a:latin typeface="Constantia" panose="02030602050306030303" pitchFamily="18" charset="0"/>
-              </a:rPr>
-              <a:t>|s</a:t>
-            </a:r>
-            <a:r>
-              <a:rPr lang="en-US" sz="2400" dirty="0">
-                <a:latin typeface="Constantia" panose="02030602050306030303" pitchFamily="18" charset="0"/>
-              </a:rPr>
-              <a:t>|) memory;</a:t>
-            </a:r>
-          </a:p>
-          <a:p>
-            <a:pPr marL="2152650" lvl="1" indent="0" algn="just">
-              <a:buNone/>
-            </a:pPr>
-            <a:r>
-              <a:rPr lang="en-US" sz="2400" dirty="0">
-                <a:latin typeface="Constantia" panose="02030602050306030303" pitchFamily="18" charset="0"/>
-              </a:rPr>
-              <a:t>String traversal: </a:t>
-            </a:r>
-            <a:r>
-              <a:rPr lang="en-US" sz="2400" i="1" dirty="0">
-                <a:latin typeface="Constantia" panose="02030602050306030303" pitchFamily="18" charset="0"/>
-              </a:rPr>
-              <a:t>O</a:t>
-            </a:r>
-            <a:r>
-              <a:rPr lang="en-US" sz="2400" dirty="0">
-                <a:latin typeface="Constantia" panose="02030602050306030303" pitchFamily="18" charset="0"/>
-              </a:rPr>
-              <a:t>(|</a:t>
-            </a:r>
-            <a:r>
-              <a:rPr lang="en-US" sz="2400" i="1" dirty="0">
-                <a:latin typeface="Constantia" panose="02030602050306030303" pitchFamily="18" charset="0"/>
-              </a:rPr>
-              <a:t>r</a:t>
-            </a:r>
-            <a:r>
-              <a:rPr lang="en-US" sz="2400" dirty="0">
-                <a:latin typeface="Constantia" panose="02030602050306030303" pitchFamily="18" charset="0"/>
-              </a:rPr>
-              <a:t>|·</a:t>
-            </a:r>
-            <a:r>
-              <a:rPr lang="en-US" sz="2400" i="1" dirty="0">
-                <a:latin typeface="Constantia" panose="02030602050306030303" pitchFamily="18" charset="0"/>
-              </a:rPr>
-              <a:t>|s</a:t>
-            </a:r>
-            <a:r>
-              <a:rPr lang="en-US" sz="2400" dirty="0">
-                <a:latin typeface="Constantia" panose="02030602050306030303" pitchFamily="18" charset="0"/>
-              </a:rPr>
-              <a:t>|) steps</a:t>
-            </a:r>
-          </a:p>
         </p:txBody>
       </p:sp>
       <p:sp>
@@ -5929,7 +5578,7 @@
         </p:nvSpPr>
         <p:spPr>
           <a:xfrm>
-            <a:off x="22425660" y="17532096"/>
+            <a:off x="22425660" y="15498287"/>
             <a:ext cx="9601200" cy="812800"/>
           </a:xfrm>
         </p:spPr>
@@ -5956,29 +5605,40 @@
         </p:nvSpPr>
         <p:spPr>
           <a:xfrm>
-            <a:off x="22425660" y="18348960"/>
-            <a:ext cx="9601200" cy="3048000"/>
+            <a:off x="22425660" y="16277051"/>
+            <a:ext cx="9601200" cy="2628447"/>
           </a:xfrm>
         </p:spPr>
         <p:txBody>
-          <a:bodyPr/>
+          <a:bodyPr>
+            <a:normAutofit/>
+          </a:bodyPr>
           <a:lstStyle/>
           <a:p>
-            <a:r>
-              <a:rPr lang="en-US" dirty="0"/>
-              <a:t>Conclusion 1</a:t>
-            </a:r>
-          </a:p>
-          <a:p>
-            <a:r>
-              <a:rPr lang="en-US" dirty="0"/>
-              <a:t>Conclusion 2</a:t>
-            </a:r>
-          </a:p>
-          <a:p>
-            <a:r>
-              <a:rPr lang="en-US" dirty="0"/>
-              <a:t>Conclusion 3</a:t>
+            <a:pPr algn="just"/>
+            <a:r>
+              <a:rPr lang="en-CA" sz="2400" dirty="0">
+                <a:latin typeface="Constantia" panose="02030602050306030303" pitchFamily="18" charset="0"/>
+              </a:rPr>
+              <a:t>Compared to Thompson's exact string matching, Myers and Miller's approximate matching algorithm takes 4x as much time on average.</a:t>
+            </a:r>
+          </a:p>
+          <a:p>
+            <a:pPr algn="just"/>
+            <a:r>
+              <a:rPr lang="en-CA" sz="2400" dirty="0">
+                <a:latin typeface="Constantia" panose="02030602050306030303" pitchFamily="18" charset="0"/>
+              </a:rPr>
+              <a:t>This is inline with the algorithmic time complexities of string traversal.</a:t>
+            </a:r>
+          </a:p>
+          <a:p>
+            <a:pPr algn="just"/>
+            <a:r>
+              <a:rPr lang="en-CA" sz="2400" dirty="0">
+                <a:latin typeface="Constantia" panose="02030602050306030303" pitchFamily="18" charset="0"/>
+              </a:rPr>
+              <a:t>It is not worth the cost to use approximate matching where k = 0.</a:t>
             </a:r>
           </a:p>
         </p:txBody>
@@ -6057,10 +5717,10 @@
         </p:nvGrpSpPr>
         <p:grpSpPr>
           <a:xfrm>
-            <a:off x="11658600" y="10682098"/>
-            <a:ext cx="9308317" cy="7351902"/>
-            <a:chOff x="12157710" y="8281162"/>
-            <a:chExt cx="9308317" cy="7351902"/>
+            <a:off x="12225028" y="8933434"/>
+            <a:ext cx="8294578" cy="7319556"/>
+            <a:chOff x="12621679" y="8927493"/>
+            <a:chExt cx="8294578" cy="7319556"/>
           </a:xfrm>
         </p:grpSpPr>
         <p:pic>
@@ -6090,6 +5750,16 @@
             <a:prstGeom prst="rect">
               <a:avLst/>
             </a:prstGeom>
+            <a:ln>
+              <a:solidFill>
+                <a:schemeClr val="bg1">
+                  <a:lumMod val="65000"/>
+                </a:schemeClr>
+              </a:solidFill>
+            </a:ln>
+            <a:effectLst>
+              <a:softEdge rad="12700"/>
+            </a:effectLst>
           </p:spPr>
         </p:pic>
         <p:sp>
@@ -6106,8 +5776,8 @@
           </p:nvSpPr>
           <p:spPr>
             <a:xfrm>
-              <a:off x="12157710" y="8281162"/>
-              <a:ext cx="9308317" cy="646331"/>
+              <a:off x="12621679" y="15662274"/>
+              <a:ext cx="8294578" cy="584775"/>
             </a:xfrm>
             <a:prstGeom prst="rect">
               <a:avLst/>
@@ -6121,19 +5791,19 @@
             <a:lstStyle/>
             <a:p>
               <a:r>
-                <a:rPr lang="en-CA" sz="3600" dirty="0">
+                <a:rPr lang="en-CA" sz="3200" dirty="0">
                   <a:latin typeface="Constantia" panose="02030602050306030303" pitchFamily="18" charset="0"/>
                 </a:rPr>
-                <a:t>Myer’s &amp; Miller’s NFA with r = (</a:t>
+                <a:t>Myers’ &amp; Miller’s NFA with r = (</a:t>
               </a:r>
               <a:r>
-                <a:rPr lang="en-CA" sz="3600" dirty="0" err="1">
+                <a:rPr lang="en-CA" sz="3200" dirty="0" err="1">
                   <a:latin typeface="Constantia" panose="02030602050306030303" pitchFamily="18" charset="0"/>
                 </a:rPr>
                 <a:t>a|b</a:t>
               </a:r>
               <a:r>
-                <a:rPr lang="en-CA" sz="3600" dirty="0">
+                <a:rPr lang="en-CA" sz="3200" dirty="0">
                   <a:latin typeface="Constantia" panose="02030602050306030303" pitchFamily="18" charset="0"/>
                 </a:rPr>
                 <a:t>)a*, s = “ab”</a:t>
@@ -6156,10 +5826,10 @@
         </p:nvGrpSpPr>
         <p:grpSpPr>
           <a:xfrm>
-            <a:off x="1738271" y="17978781"/>
-            <a:ext cx="7134225" cy="7258885"/>
-            <a:chOff x="2238623" y="18010940"/>
-            <a:chExt cx="7134225" cy="7258885"/>
+            <a:off x="2090737" y="14437039"/>
+            <a:ext cx="7134225" cy="7361505"/>
+            <a:chOff x="2238623" y="18621375"/>
+            <a:chExt cx="7134225" cy="7361505"/>
           </a:xfrm>
         </p:grpSpPr>
         <p:sp>
@@ -6176,8 +5846,8 @@
           </p:nvSpPr>
           <p:spPr>
             <a:xfrm>
-              <a:off x="2441257" y="18010940"/>
-              <a:ext cx="6728958" cy="646331"/>
+              <a:off x="2805963" y="25398105"/>
+              <a:ext cx="5998309" cy="584775"/>
             </a:xfrm>
             <a:prstGeom prst="rect">
               <a:avLst/>
@@ -6191,19 +5861,19 @@
             <a:lstStyle/>
             <a:p>
               <a:r>
-                <a:rPr lang="en-CA" sz="3600" dirty="0">
+                <a:rPr lang="en-CA" sz="3200" dirty="0">
                   <a:latin typeface="Constantia" panose="02030602050306030303" pitchFamily="18" charset="0"/>
                 </a:rPr>
                 <a:t>Thompson’s NFA with r = (</a:t>
               </a:r>
               <a:r>
-                <a:rPr lang="en-CA" sz="3600" dirty="0" err="1">
+                <a:rPr lang="en-CA" sz="3200" dirty="0" err="1">
                   <a:latin typeface="Constantia" panose="02030602050306030303" pitchFamily="18" charset="0"/>
                 </a:rPr>
                 <a:t>a|b</a:t>
               </a:r>
               <a:r>
-                <a:rPr lang="en-CA" sz="3600" dirty="0">
+                <a:rPr lang="en-CA" sz="3200" dirty="0">
                   <a:latin typeface="Constantia" panose="02030602050306030303" pitchFamily="18" charset="0"/>
                 </a:rPr>
                 <a:t>)a*</a:t>
@@ -6245,6 +5915,13 @@
             <a:prstGeom prst="rect">
               <a:avLst/>
             </a:prstGeom>
+            <a:ln>
+              <a:solidFill>
+                <a:schemeClr val="bg1">
+                  <a:lumMod val="65000"/>
+                </a:schemeClr>
+              </a:solidFill>
+            </a:ln>
           </p:spPr>
         </p:pic>
       </p:grpSp>
@@ -6280,41 +5957,6 @@
           </a:prstGeom>
         </p:spPr>
       </p:pic>
-      <p:pic>
-        <p:nvPicPr>
-          <p:cNvPr id="20" name="Picture 19">
-            <a:extLst>
-              <a:ext uri="{FF2B5EF4-FFF2-40B4-BE49-F238E27FC236}">
-                <a16:creationId xmlns:a16="http://schemas.microsoft.com/office/drawing/2014/main" id="{611F3838-BA4C-440D-888C-83B9A5B8A88F}"/>
-              </a:ext>
-            </a:extLst>
-          </p:cNvPr>
-          <p:cNvPicPr>
-            <a:picLocks noChangeAspect="1"/>
-          </p:cNvPicPr>
-          <p:nvPr/>
-        </p:nvPicPr>
-        <p:blipFill rotWithShape="1">
-          <a:blip r:embed="rId8">
-            <a:extLst>
-              <a:ext uri="{28A0092B-C50C-407E-A947-70E740481C1C}">
-                <a14:useLocalDpi xmlns:a14="http://schemas.microsoft.com/office/drawing/2010/main" val="0"/>
-              </a:ext>
-            </a:extLst>
-          </a:blip>
-          <a:srcRect t="3135" r="6602"/>
-          <a:stretch/>
-        </p:blipFill>
-        <p:spPr>
-          <a:xfrm>
-            <a:off x="26995272" y="13629825"/>
-            <a:ext cx="4642637" cy="3611265"/>
-          </a:xfrm>
-          <a:prstGeom prst="rect">
-            <a:avLst/>
-          </a:prstGeom>
-        </p:spPr>
-      </p:pic>
       <p:grpSp>
         <p:nvGrpSpPr>
           <p:cNvPr id="19" name="Group 18">
@@ -6329,7 +5971,7 @@
         </p:nvGrpSpPr>
         <p:grpSpPr>
           <a:xfrm>
-            <a:off x="22459950" y="7189482"/>
+            <a:off x="22421850" y="6808482"/>
             <a:ext cx="9601200" cy="6208736"/>
             <a:chOff x="22459950" y="6849242"/>
             <a:chExt cx="9601200" cy="6208736"/>
@@ -6350,7 +5992,7 @@
             <p:nvPr>
               <p:extLst>
                 <p:ext uri="{D42A27DB-BD31-4B8C-83A1-F6EECF244321}">
-                  <p14:modId xmlns:p14="http://schemas.microsoft.com/office/powerpoint/2010/main" val="2646005467"/>
+                  <p14:modId xmlns:p14="http://schemas.microsoft.com/office/powerpoint/2010/main" val="1113554732"/>
                 </p:ext>
               </p:extLst>
             </p:nvPr>
@@ -6361,7 +6003,7 @@
           </p:xfrm>
           <a:graphic>
             <a:graphicData uri="http://schemas.openxmlformats.org/drawingml/2006/chart">
-              <c:chart xmlns:c="http://schemas.openxmlformats.org/drawingml/2006/chart" xmlns:r="http://schemas.openxmlformats.org/officeDocument/2006/relationships" r:id="rId9"/>
+              <c:chart xmlns:c="http://schemas.openxmlformats.org/drawingml/2006/chart" xmlns:r="http://schemas.openxmlformats.org/officeDocument/2006/relationships" r:id="rId8"/>
             </a:graphicData>
           </a:graphic>
         </p:graphicFrame>
@@ -6495,7 +6137,7 @@
                     <a:srgbClr val="7030A0"/>
                   </a:solidFill>
                 </a:rPr>
-                <a:t>s33 = "TCGCTCGCTCGCTCGCTAAACAAAAAGTTTTTCGTCGTCGCTCG"</a:t>
+                <a:t>s3’ = "TCGCTCGCTCGCTCGCTAAACAAAAAGTTTTTCGTCGTCGCTCG"</a:t>
               </a:r>
             </a:p>
           </p:txBody>
@@ -6624,7 +6266,7 @@
                     <a:srgbClr val="7030A0"/>
                   </a:solidFill>
                 </a:rPr>
-                <a:t>s33</a:t>
+                <a:t>s3’</a:t>
               </a:r>
               <a:r>
                 <a:rPr lang="en-CA" sz="2400" dirty="0"/>
@@ -6648,7 +6290,7 @@
           </p:nvSpPr>
           <p:spPr>
             <a:xfrm>
-              <a:off x="27861956" y="12674426"/>
+              <a:off x="27861956" y="12657332"/>
               <a:ext cx="1192959" cy="307777"/>
             </a:xfrm>
             <a:prstGeom prst="rect">
@@ -6687,8 +6329,8 @@
         </p:nvSpPr>
         <p:spPr>
           <a:xfrm>
-            <a:off x="22406813" y="13695666"/>
-            <a:ext cx="4365968" cy="553998"/>
+            <a:off x="22425660" y="12926410"/>
+            <a:ext cx="9601200" cy="592028"/>
           </a:xfrm>
           <a:prstGeom prst="round1Rect">
             <a:avLst/>
@@ -6893,6 +6535,7 @@
             </a:lvl9pPr>
           </a:lstStyle>
           <a:p>
+            <a:pPr algn="ctr"/>
             <a:r>
               <a:rPr lang="en-US" sz="2000" dirty="0"/>
               <a:t>HARDWARE SPECIFICATIONS</a:t>
@@ -6915,14 +6558,14 @@
           <p:nvPr>
             <p:extLst>
               <p:ext uri="{D42A27DB-BD31-4B8C-83A1-F6EECF244321}">
-                <p14:modId xmlns:p14="http://schemas.microsoft.com/office/powerpoint/2010/main" val="3060887447"/>
+                <p14:modId xmlns:p14="http://schemas.microsoft.com/office/powerpoint/2010/main" val="1199066052"/>
               </p:ext>
             </p:extLst>
           </p:nvPr>
         </p:nvGraphicFramePr>
         <p:xfrm>
-          <a:off x="22405342" y="14287694"/>
-          <a:ext cx="4365968" cy="3023796"/>
+          <a:off x="22425660" y="13518438"/>
+          <a:ext cx="9601203" cy="1800412"/>
         </p:xfrm>
         <a:graphic>
           <a:graphicData uri="http://schemas.openxmlformats.org/drawingml/2006/table">
@@ -6931,17 +6574,31 @@
                 <a:tableStyleId>{3B4B98B0-60AC-42C2-AFA5-B58CD77FA1E5}</a:tableStyleId>
               </a:tblPr>
               <a:tblGrid>
-                <a:gridCol w="1446752">
+                <a:gridCol w="1598271">
                   <a:extLst>
                     <a:ext uri="{9D8B030D-6E8A-4147-A177-3AD203B41FA5}">
                       <a16:colId xmlns:a16="http://schemas.microsoft.com/office/drawing/2014/main" val="3897666839"/>
                     </a:ext>
                   </a:extLst>
                 </a:gridCol>
-                <a:gridCol w="2919216">
+                <a:gridCol w="2667644">
                   <a:extLst>
                     <a:ext uri="{9D8B030D-6E8A-4147-A177-3AD203B41FA5}">
                       <a16:colId xmlns:a16="http://schemas.microsoft.com/office/drawing/2014/main" val="1165388772"/>
+                    </a:ext>
+                  </a:extLst>
+                </a:gridCol>
+                <a:gridCol w="2667644">
+                  <a:extLst>
+                    <a:ext uri="{9D8B030D-6E8A-4147-A177-3AD203B41FA5}">
+                      <a16:colId xmlns:a16="http://schemas.microsoft.com/office/drawing/2014/main" val="788961798"/>
+                    </a:ext>
+                  </a:extLst>
+                </a:gridCol>
+                <a:gridCol w="2667644">
+                  <a:extLst>
+                    <a:ext uri="{9D8B030D-6E8A-4147-A177-3AD203B41FA5}">
+                      <a16:colId xmlns:a16="http://schemas.microsoft.com/office/drawing/2014/main" val="2467672826"/>
                     </a:ext>
                   </a:extLst>
                 </a:gridCol>
@@ -6953,7 +6610,9 @@
                     <a:lstStyle/>
                     <a:p>
                       <a:r>
-                        <a:rPr lang="en-CA" sz="2400" b="0" dirty="0"/>
+                        <a:rPr lang="en-CA" sz="2400" b="0" dirty="0">
+                          <a:latin typeface="Constantia" panose="02030602050306030303" pitchFamily="18" charset="0"/>
+                        </a:rPr>
                         <a:t>Processor</a:t>
                       </a:r>
                     </a:p>
@@ -6965,9 +6624,53 @@
                     <a:bodyPr/>
                     <a:lstStyle/>
                     <a:p>
+                      <a:pPr algn="ctr"/>
                       <a:r>
-                        <a:rPr lang="en-CA" sz="2400" b="0" dirty="0"/>
+                        <a:rPr lang="en-CA" sz="2400" b="0" dirty="0">
+                          <a:latin typeface="Constantia" panose="02030602050306030303" pitchFamily="18" charset="0"/>
+                        </a:rPr>
                         <a:t>Intel Core™ i7-5500U CPU @ 2.40Ghz 2.39 GHz</a:t>
+                      </a:r>
+                    </a:p>
+                  </a:txBody>
+                  <a:tcPr/>
+                </a:tc>
+                <a:tc>
+                  <a:txBody>
+                    <a:bodyPr/>
+                    <a:lstStyle/>
+                    <a:p>
+                      <a:pPr algn="ctr"/>
+                      <a:r>
+                        <a:rPr lang="en-CA" sz="2400" b="0" dirty="0">
+                          <a:latin typeface="Constantia" panose="02030602050306030303" pitchFamily="18" charset="0"/>
+                        </a:rPr>
+                        <a:t>OS</a:t>
+                      </a:r>
+                    </a:p>
+                  </a:txBody>
+                  <a:tcPr/>
+                </a:tc>
+                <a:tc>
+                  <a:txBody>
+                    <a:bodyPr/>
+                    <a:lstStyle/>
+                    <a:p>
+                      <a:pPr algn="ctr"/>
+                      <a:r>
+                        <a:rPr lang="en-CA" sz="2400" b="0" dirty="0">
+                          <a:latin typeface="Constantia" panose="02030602050306030303" pitchFamily="18" charset="0"/>
+                        </a:rPr>
+                        <a:t>Windows 10 </a:t>
+                      </a:r>
+                    </a:p>
+                    <a:p>
+                      <a:pPr algn="ctr"/>
+                      <a:r>
+                        <a:rPr lang="en-CA" sz="2400" b="0" dirty="0">
+                          <a:latin typeface="Constantia" panose="02030602050306030303" pitchFamily="18" charset="0"/>
+                        </a:rPr>
+                        <a:t>(64-bit)</a:t>
                       </a:r>
                     </a:p>
                   </a:txBody>
@@ -6986,7 +6689,9 @@
                     <a:lstStyle/>
                     <a:p>
                       <a:r>
-                        <a:rPr lang="en-CA" sz="2400" b="0" dirty="0"/>
+                        <a:rPr lang="en-CA" sz="2400" b="0" dirty="0">
+                          <a:latin typeface="Constantia" panose="02030602050306030303" pitchFamily="18" charset="0"/>
+                        </a:rPr>
                         <a:t>RAM</a:t>
                       </a:r>
                     </a:p>
@@ -6998,9 +6703,44 @@
                     <a:bodyPr/>
                     <a:lstStyle/>
                     <a:p>
+                      <a:pPr algn="ctr"/>
                       <a:r>
-                        <a:rPr lang="en-CA" sz="2400" b="0" dirty="0"/>
+                        <a:rPr lang="en-CA" sz="2400" b="0" dirty="0">
+                          <a:latin typeface="Constantia" panose="02030602050306030303" pitchFamily="18" charset="0"/>
+                        </a:rPr>
                         <a:t>8.00 GB</a:t>
+                      </a:r>
+                    </a:p>
+                  </a:txBody>
+                  <a:tcPr/>
+                </a:tc>
+                <a:tc>
+                  <a:txBody>
+                    <a:bodyPr/>
+                    <a:lstStyle/>
+                    <a:p>
+                      <a:pPr algn="ctr"/>
+                      <a:r>
+                        <a:rPr lang="en-CA" sz="2400" b="0" dirty="0">
+                          <a:latin typeface="Constantia" panose="02030602050306030303" pitchFamily="18" charset="0"/>
+                        </a:rPr>
+                        <a:t>Software</a:t>
+                      </a:r>
+                    </a:p>
+                  </a:txBody>
+                  <a:tcPr/>
+                </a:tc>
+                <a:tc>
+                  <a:txBody>
+                    <a:bodyPr/>
+                    <a:lstStyle/>
+                    <a:p>
+                      <a:pPr algn="ctr"/>
+                      <a:r>
+                        <a:rPr lang="en-CA" sz="2400" b="0" dirty="0">
+                          <a:latin typeface="Constantia" panose="02030602050306030303" pitchFamily="18" charset="0"/>
+                        </a:rPr>
+                        <a:t>Python 3.5 (32-bit)</a:t>
                       </a:r>
                     </a:p>
                   </a:txBody>
@@ -7012,76 +6752,1289 @@
                   </a:ext>
                 </a:extLst>
               </a:tr>
-              <a:tr h="611692">
-                <a:tc>
-                  <a:txBody>
-                    <a:bodyPr/>
-                    <a:lstStyle/>
-                    <a:p>
-                      <a:r>
-                        <a:rPr lang="en-CA" sz="2400" b="0" dirty="0"/>
-                        <a:t>OS</a:t>
-                      </a:r>
-                    </a:p>
-                  </a:txBody>
-                  <a:tcPr/>
-                </a:tc>
-                <a:tc>
-                  <a:txBody>
-                    <a:bodyPr/>
-                    <a:lstStyle/>
-                    <a:p>
-                      <a:r>
-                        <a:rPr lang="en-CA" sz="2400" b="0" dirty="0"/>
-                        <a:t>Windows 10</a:t>
-                      </a:r>
-                    </a:p>
-                  </a:txBody>
-                  <a:tcPr/>
-                </a:tc>
-                <a:extLst>
-                  <a:ext uri="{0D108BD9-81ED-4DB2-BD59-A6C34878D82A}">
-                    <a16:rowId xmlns:a16="http://schemas.microsoft.com/office/drawing/2014/main" val="2094024848"/>
-                  </a:ext>
-                </a:extLst>
-              </a:tr>
-              <a:tr h="611692">
-                <a:tc>
-                  <a:txBody>
-                    <a:bodyPr/>
-                    <a:lstStyle/>
-                    <a:p>
-                      <a:r>
-                        <a:rPr lang="en-CA" sz="2400" b="0" dirty="0"/>
-                        <a:t>Software</a:t>
-                      </a:r>
-                    </a:p>
-                  </a:txBody>
-                  <a:tcPr/>
-                </a:tc>
-                <a:tc>
-                  <a:txBody>
-                    <a:bodyPr/>
-                    <a:lstStyle/>
-                    <a:p>
-                      <a:r>
-                        <a:rPr lang="en-CA" sz="2400" b="0" dirty="0"/>
-                        <a:t>Python 3.5 (32-bit)</a:t>
-                      </a:r>
-                    </a:p>
-                  </a:txBody>
-                  <a:tcPr/>
-                </a:tc>
-                <a:extLst>
-                  <a:ext uri="{0D108BD9-81ED-4DB2-BD59-A6C34878D82A}">
-                    <a16:rowId xmlns:a16="http://schemas.microsoft.com/office/drawing/2014/main" val="3801725351"/>
-                  </a:ext>
-                </a:extLst>
-              </a:tr>
             </a:tbl>
           </a:graphicData>
         </a:graphic>
       </p:graphicFrame>
+      <p:sp>
+        <p:nvSpPr>
+          <p:cNvPr id="31" name="Text Placeholder 20">
+            <a:extLst>
+              <a:ext uri="{FF2B5EF4-FFF2-40B4-BE49-F238E27FC236}">
+                <a16:creationId xmlns:a16="http://schemas.microsoft.com/office/drawing/2014/main" id="{93D12D7C-53A2-4E17-8B81-B08058F2451A}"/>
+              </a:ext>
+            </a:extLst>
+          </p:cNvPr>
+          <p:cNvSpPr txBox="1">
+            <a:spLocks/>
+          </p:cNvSpPr>
+          <p:nvPr/>
+        </p:nvSpPr>
+        <p:spPr>
+          <a:xfrm>
+            <a:off x="22288500" y="18943598"/>
+            <a:ext cx="9601200" cy="812800"/>
+          </a:xfrm>
+          <a:prstGeom prst="round1Rect">
+            <a:avLst/>
+          </a:prstGeom>
+          <a:solidFill>
+            <a:schemeClr val="accent4"/>
+          </a:solidFill>
+        </p:spPr>
+        <p:txBody>
+          <a:bodyPr vert="horz" lIns="365760" tIns="45720" rIns="91440" bIns="45720" rtlCol="0" anchor="ctr">
+            <a:noAutofit/>
+          </a:bodyPr>
+          <a:lstStyle>
+            <a:lvl1pPr marL="0" indent="0" algn="l" defTabSz="2926226" rtl="0" eaLnBrk="1" latinLnBrk="0" hangingPunct="1">
+              <a:lnSpc>
+                <a:spcPct val="100000"/>
+              </a:lnSpc>
+              <a:spcBef>
+                <a:spcPts val="0"/>
+              </a:spcBef>
+              <a:buClr>
+                <a:schemeClr val="accent2"/>
+              </a:buClr>
+              <a:buFont typeface="Arial" panose="020B0604020202020204" pitchFamily="34" charset="0"/>
+              <a:buNone/>
+              <a:defRPr sz="4000" kern="1200" cap="all" baseline="0">
+                <a:solidFill>
+                  <a:schemeClr val="bg1"/>
+                </a:solidFill>
+                <a:latin typeface="+mj-lt"/>
+                <a:ea typeface="+mn-ea"/>
+                <a:cs typeface="+mn-cs"/>
+              </a:defRPr>
+            </a:lvl1pPr>
+            <a:lvl2pPr marL="0" indent="0" algn="l" defTabSz="2926226" rtl="0" eaLnBrk="1" latinLnBrk="0" hangingPunct="1">
+              <a:lnSpc>
+                <a:spcPct val="100000"/>
+              </a:lnSpc>
+              <a:spcBef>
+                <a:spcPts val="0"/>
+              </a:spcBef>
+              <a:buClr>
+                <a:schemeClr val="accent2"/>
+              </a:buClr>
+              <a:buFont typeface="Arial" panose="020B0604020202020204" pitchFamily="34" charset="0"/>
+              <a:buNone/>
+              <a:defRPr sz="4000" kern="1200" cap="all" baseline="0">
+                <a:solidFill>
+                  <a:schemeClr val="bg1"/>
+                </a:solidFill>
+                <a:latin typeface="+mj-lt"/>
+                <a:ea typeface="+mn-ea"/>
+                <a:cs typeface="+mn-cs"/>
+              </a:defRPr>
+            </a:lvl2pPr>
+            <a:lvl3pPr marL="0" indent="0" algn="l" defTabSz="2926226" rtl="0" eaLnBrk="1" latinLnBrk="0" hangingPunct="1">
+              <a:lnSpc>
+                <a:spcPct val="100000"/>
+              </a:lnSpc>
+              <a:spcBef>
+                <a:spcPts val="0"/>
+              </a:spcBef>
+              <a:buClr>
+                <a:schemeClr val="accent2"/>
+              </a:buClr>
+              <a:buFont typeface="Arial" panose="020B0604020202020204" pitchFamily="34" charset="0"/>
+              <a:buNone/>
+              <a:defRPr sz="4000" kern="1200" cap="all" baseline="0">
+                <a:solidFill>
+                  <a:schemeClr val="bg1"/>
+                </a:solidFill>
+                <a:latin typeface="+mj-lt"/>
+                <a:ea typeface="+mn-ea"/>
+                <a:cs typeface="+mn-cs"/>
+              </a:defRPr>
+            </a:lvl3pPr>
+            <a:lvl4pPr marL="0" indent="0" algn="l" defTabSz="2926226" rtl="0" eaLnBrk="1" latinLnBrk="0" hangingPunct="1">
+              <a:lnSpc>
+                <a:spcPct val="100000"/>
+              </a:lnSpc>
+              <a:spcBef>
+                <a:spcPts val="0"/>
+              </a:spcBef>
+              <a:buClr>
+                <a:schemeClr val="accent2"/>
+              </a:buClr>
+              <a:buFont typeface="Arial" panose="020B0604020202020204" pitchFamily="34" charset="0"/>
+              <a:buNone/>
+              <a:defRPr sz="4000" kern="1200" cap="all" baseline="0">
+                <a:solidFill>
+                  <a:schemeClr val="bg1"/>
+                </a:solidFill>
+                <a:latin typeface="+mj-lt"/>
+                <a:ea typeface="+mn-ea"/>
+                <a:cs typeface="+mn-cs"/>
+              </a:defRPr>
+            </a:lvl4pPr>
+            <a:lvl5pPr marL="0" indent="0" algn="l" defTabSz="2926226" rtl="0" eaLnBrk="1" latinLnBrk="0" hangingPunct="1">
+              <a:lnSpc>
+                <a:spcPct val="100000"/>
+              </a:lnSpc>
+              <a:spcBef>
+                <a:spcPts val="0"/>
+              </a:spcBef>
+              <a:buClr>
+                <a:schemeClr val="accent2"/>
+              </a:buClr>
+              <a:buFont typeface="Arial" panose="020B0604020202020204" pitchFamily="34" charset="0"/>
+              <a:buNone/>
+              <a:defRPr sz="4000" kern="1200" cap="all" baseline="0">
+                <a:solidFill>
+                  <a:schemeClr val="bg1"/>
+                </a:solidFill>
+                <a:latin typeface="+mj-lt"/>
+                <a:ea typeface="+mn-ea"/>
+                <a:cs typeface="+mn-cs"/>
+              </a:defRPr>
+            </a:lvl5pPr>
+            <a:lvl6pPr marL="0" indent="0" algn="l" defTabSz="2926226" rtl="0" eaLnBrk="1" latinLnBrk="0" hangingPunct="1">
+              <a:lnSpc>
+                <a:spcPct val="100000"/>
+              </a:lnSpc>
+              <a:spcBef>
+                <a:spcPts val="0"/>
+              </a:spcBef>
+              <a:buClr>
+                <a:schemeClr val="accent2"/>
+              </a:buClr>
+              <a:buFont typeface="Arial" panose="020B0604020202020204" pitchFamily="34" charset="0"/>
+              <a:buNone/>
+              <a:defRPr sz="4000" kern="1200" cap="all" baseline="0">
+                <a:solidFill>
+                  <a:schemeClr val="bg1"/>
+                </a:solidFill>
+                <a:latin typeface="+mj-lt"/>
+                <a:ea typeface="+mn-ea"/>
+                <a:cs typeface="+mn-cs"/>
+              </a:defRPr>
+            </a:lvl6pPr>
+            <a:lvl7pPr marL="0" indent="0" algn="l" defTabSz="2926226" rtl="0" eaLnBrk="1" latinLnBrk="0" hangingPunct="1">
+              <a:lnSpc>
+                <a:spcPct val="100000"/>
+              </a:lnSpc>
+              <a:spcBef>
+                <a:spcPts val="0"/>
+              </a:spcBef>
+              <a:buClr>
+                <a:schemeClr val="accent2"/>
+              </a:buClr>
+              <a:buFont typeface="Arial" panose="020B0604020202020204" pitchFamily="34" charset="0"/>
+              <a:buNone/>
+              <a:defRPr sz="4000" kern="1200" cap="all" baseline="0">
+                <a:solidFill>
+                  <a:schemeClr val="bg1"/>
+                </a:solidFill>
+                <a:latin typeface="+mj-lt"/>
+                <a:ea typeface="+mn-ea"/>
+                <a:cs typeface="+mn-cs"/>
+              </a:defRPr>
+            </a:lvl7pPr>
+            <a:lvl8pPr marL="0" indent="0" algn="l" defTabSz="2926226" rtl="0" eaLnBrk="1" latinLnBrk="0" hangingPunct="1">
+              <a:lnSpc>
+                <a:spcPct val="100000"/>
+              </a:lnSpc>
+              <a:spcBef>
+                <a:spcPts val="0"/>
+              </a:spcBef>
+              <a:buClr>
+                <a:schemeClr val="accent2"/>
+              </a:buClr>
+              <a:buFont typeface="Arial" panose="020B0604020202020204" pitchFamily="34" charset="0"/>
+              <a:buNone/>
+              <a:defRPr sz="4000" kern="1200" cap="all" baseline="0">
+                <a:solidFill>
+                  <a:schemeClr val="bg1"/>
+                </a:solidFill>
+                <a:latin typeface="+mj-lt"/>
+                <a:ea typeface="+mn-ea"/>
+                <a:cs typeface="+mn-cs"/>
+              </a:defRPr>
+            </a:lvl8pPr>
+            <a:lvl9pPr marL="0" indent="0" algn="l" defTabSz="2926226" rtl="0" eaLnBrk="1" latinLnBrk="0" hangingPunct="1">
+              <a:lnSpc>
+                <a:spcPct val="100000"/>
+              </a:lnSpc>
+              <a:spcBef>
+                <a:spcPts val="0"/>
+              </a:spcBef>
+              <a:buClr>
+                <a:schemeClr val="accent2"/>
+              </a:buClr>
+              <a:buFont typeface="Arial" panose="020B0604020202020204" pitchFamily="34" charset="0"/>
+              <a:buNone/>
+              <a:defRPr sz="4000" kern="1200" cap="all" baseline="0">
+                <a:solidFill>
+                  <a:schemeClr val="bg1"/>
+                </a:solidFill>
+                <a:latin typeface="+mj-lt"/>
+                <a:ea typeface="+mn-ea"/>
+                <a:cs typeface="+mn-cs"/>
+              </a:defRPr>
+            </a:lvl9pPr>
+          </a:lstStyle>
+          <a:p>
+            <a:r>
+              <a:rPr lang="en-US" sz="3600" dirty="0"/>
+              <a:t>REFERENCES</a:t>
+            </a:r>
+            <a:endParaRPr lang="en-US" dirty="0"/>
+          </a:p>
+        </p:txBody>
+      </p:sp>
+      <p:sp>
+        <p:nvSpPr>
+          <p:cNvPr id="32" name="Content Placeholder 21">
+            <a:extLst>
+              <a:ext uri="{FF2B5EF4-FFF2-40B4-BE49-F238E27FC236}">
+                <a16:creationId xmlns:a16="http://schemas.microsoft.com/office/drawing/2014/main" id="{9293DABB-2049-4DD7-A77A-154058B375E5}"/>
+              </a:ext>
+            </a:extLst>
+          </p:cNvPr>
+          <p:cNvSpPr txBox="1">
+            <a:spLocks/>
+          </p:cNvSpPr>
+          <p:nvPr/>
+        </p:nvSpPr>
+        <p:spPr>
+          <a:xfrm>
+            <a:off x="22273260" y="19769774"/>
+            <a:ext cx="9601200" cy="2325899"/>
+          </a:xfrm>
+          <a:prstGeom prst="rect">
+            <a:avLst/>
+          </a:prstGeom>
+        </p:spPr>
+        <p:txBody>
+          <a:bodyPr vert="horz" lIns="365760" tIns="182880" rIns="91440" bIns="45720" rtlCol="0">
+            <a:normAutofit/>
+          </a:bodyPr>
+          <a:lstStyle>
+            <a:lvl1pPr marL="304815" indent="-304815" algn="l" defTabSz="2926226" rtl="0" eaLnBrk="1" latinLnBrk="0" hangingPunct="1">
+              <a:lnSpc>
+                <a:spcPct val="100000"/>
+              </a:lnSpc>
+              <a:spcBef>
+                <a:spcPts val="800"/>
+              </a:spcBef>
+              <a:buClr>
+                <a:schemeClr val="accent2"/>
+              </a:buClr>
+              <a:buFont typeface="Arial" panose="020B0604020202020204" pitchFamily="34" charset="0"/>
+              <a:buChar char="•"/>
+              <a:defRPr sz="1867" kern="1200" baseline="0">
+                <a:solidFill>
+                  <a:schemeClr val="tx1"/>
+                </a:solidFill>
+                <a:latin typeface="+mn-lt"/>
+                <a:ea typeface="+mn-ea"/>
+                <a:cs typeface="+mn-cs"/>
+              </a:defRPr>
+            </a:lvl1pPr>
+            <a:lvl2pPr marL="731557" indent="-304815" algn="l" defTabSz="2926226" rtl="0" eaLnBrk="1" latinLnBrk="0" hangingPunct="1">
+              <a:lnSpc>
+                <a:spcPct val="100000"/>
+              </a:lnSpc>
+              <a:spcBef>
+                <a:spcPts val="800"/>
+              </a:spcBef>
+              <a:buClr>
+                <a:schemeClr val="accent2"/>
+              </a:buClr>
+              <a:buFont typeface="Arial" panose="020B0604020202020204" pitchFamily="34" charset="0"/>
+              <a:buChar char="•"/>
+              <a:defRPr sz="1600" kern="1200">
+                <a:solidFill>
+                  <a:schemeClr val="tx1"/>
+                </a:solidFill>
+                <a:latin typeface="+mn-lt"/>
+                <a:ea typeface="+mn-ea"/>
+                <a:cs typeface="+mn-cs"/>
+              </a:defRPr>
+            </a:lvl2pPr>
+            <a:lvl3pPr marL="731557" indent="-304815" algn="l" defTabSz="2926226" rtl="0" eaLnBrk="1" latinLnBrk="0" hangingPunct="1">
+              <a:lnSpc>
+                <a:spcPct val="100000"/>
+              </a:lnSpc>
+              <a:spcBef>
+                <a:spcPts val="800"/>
+              </a:spcBef>
+              <a:buClr>
+                <a:schemeClr val="accent2"/>
+              </a:buClr>
+              <a:buFont typeface="Arial" panose="020B0604020202020204" pitchFamily="34" charset="0"/>
+              <a:buChar char="•"/>
+              <a:defRPr sz="1600" kern="1200">
+                <a:solidFill>
+                  <a:schemeClr val="tx1"/>
+                </a:solidFill>
+                <a:latin typeface="+mn-lt"/>
+                <a:ea typeface="+mn-ea"/>
+                <a:cs typeface="+mn-cs"/>
+              </a:defRPr>
+            </a:lvl3pPr>
+            <a:lvl4pPr marL="731557" indent="-304815" algn="l" defTabSz="2926226" rtl="0" eaLnBrk="1" latinLnBrk="0" hangingPunct="1">
+              <a:lnSpc>
+                <a:spcPct val="100000"/>
+              </a:lnSpc>
+              <a:spcBef>
+                <a:spcPts val="800"/>
+              </a:spcBef>
+              <a:buClr>
+                <a:schemeClr val="accent2"/>
+              </a:buClr>
+              <a:buFont typeface="Arial" panose="020B0604020202020204" pitchFamily="34" charset="0"/>
+              <a:buChar char="•"/>
+              <a:defRPr sz="1600" kern="1200">
+                <a:solidFill>
+                  <a:schemeClr val="tx1"/>
+                </a:solidFill>
+                <a:latin typeface="+mn-lt"/>
+                <a:ea typeface="+mn-ea"/>
+                <a:cs typeface="+mn-cs"/>
+              </a:defRPr>
+            </a:lvl4pPr>
+            <a:lvl5pPr marL="731557" indent="-304815" algn="l" defTabSz="2926226" rtl="0" eaLnBrk="1" latinLnBrk="0" hangingPunct="1">
+              <a:lnSpc>
+                <a:spcPct val="100000"/>
+              </a:lnSpc>
+              <a:spcBef>
+                <a:spcPts val="800"/>
+              </a:spcBef>
+              <a:buClr>
+                <a:schemeClr val="accent2"/>
+              </a:buClr>
+              <a:buFont typeface="Arial" panose="020B0604020202020204" pitchFamily="34" charset="0"/>
+              <a:buChar char="•"/>
+              <a:defRPr sz="1600" kern="1200">
+                <a:solidFill>
+                  <a:schemeClr val="tx1"/>
+                </a:solidFill>
+                <a:latin typeface="+mn-lt"/>
+                <a:ea typeface="+mn-ea"/>
+                <a:cs typeface="+mn-cs"/>
+              </a:defRPr>
+            </a:lvl5pPr>
+            <a:lvl6pPr marL="731557" indent="-304815" algn="l" defTabSz="2926226" rtl="0" eaLnBrk="1" latinLnBrk="0" hangingPunct="1">
+              <a:lnSpc>
+                <a:spcPct val="100000"/>
+              </a:lnSpc>
+              <a:spcBef>
+                <a:spcPts val="800"/>
+              </a:spcBef>
+              <a:buClr>
+                <a:schemeClr val="accent2"/>
+              </a:buClr>
+              <a:buFont typeface="Arial" panose="020B0604020202020204" pitchFamily="34" charset="0"/>
+              <a:buChar char="•"/>
+              <a:defRPr sz="1600" kern="1200">
+                <a:solidFill>
+                  <a:schemeClr val="tx1"/>
+                </a:solidFill>
+                <a:latin typeface="+mn-lt"/>
+                <a:ea typeface="+mn-ea"/>
+                <a:cs typeface="+mn-cs"/>
+              </a:defRPr>
+            </a:lvl6pPr>
+            <a:lvl7pPr marL="731557" indent="-304815" algn="l" defTabSz="2926226" rtl="0" eaLnBrk="1" latinLnBrk="0" hangingPunct="1">
+              <a:lnSpc>
+                <a:spcPct val="100000"/>
+              </a:lnSpc>
+              <a:spcBef>
+                <a:spcPts val="800"/>
+              </a:spcBef>
+              <a:buClr>
+                <a:schemeClr val="accent2"/>
+              </a:buClr>
+              <a:buFont typeface="Arial" panose="020B0604020202020204" pitchFamily="34" charset="0"/>
+              <a:buChar char="•"/>
+              <a:defRPr sz="1600" kern="1200">
+                <a:solidFill>
+                  <a:schemeClr val="tx1"/>
+                </a:solidFill>
+                <a:latin typeface="+mn-lt"/>
+                <a:ea typeface="+mn-ea"/>
+                <a:cs typeface="+mn-cs"/>
+              </a:defRPr>
+            </a:lvl7pPr>
+            <a:lvl8pPr marL="731557" indent="-304815" algn="l" defTabSz="2926226" rtl="0" eaLnBrk="1" latinLnBrk="0" hangingPunct="1">
+              <a:lnSpc>
+                <a:spcPct val="100000"/>
+              </a:lnSpc>
+              <a:spcBef>
+                <a:spcPts val="800"/>
+              </a:spcBef>
+              <a:buClr>
+                <a:schemeClr val="accent2"/>
+              </a:buClr>
+              <a:buFont typeface="Arial" panose="020B0604020202020204" pitchFamily="34" charset="0"/>
+              <a:buChar char="•"/>
+              <a:defRPr sz="1600" kern="1200">
+                <a:solidFill>
+                  <a:schemeClr val="tx1"/>
+                </a:solidFill>
+                <a:latin typeface="+mn-lt"/>
+                <a:ea typeface="+mn-ea"/>
+                <a:cs typeface="+mn-cs"/>
+              </a:defRPr>
+            </a:lvl8pPr>
+            <a:lvl9pPr marL="731557" indent="-304815" algn="l" defTabSz="2926226" rtl="0" eaLnBrk="1" latinLnBrk="0" hangingPunct="1">
+              <a:lnSpc>
+                <a:spcPct val="100000"/>
+              </a:lnSpc>
+              <a:spcBef>
+                <a:spcPts val="800"/>
+              </a:spcBef>
+              <a:buClr>
+                <a:schemeClr val="accent2"/>
+              </a:buClr>
+              <a:buFont typeface="Arial" panose="020B0604020202020204" pitchFamily="34" charset="0"/>
+              <a:buChar char="•"/>
+              <a:defRPr sz="1600" kern="1200">
+                <a:solidFill>
+                  <a:schemeClr val="tx1"/>
+                </a:solidFill>
+                <a:latin typeface="+mn-lt"/>
+                <a:ea typeface="+mn-ea"/>
+                <a:cs typeface="+mn-cs"/>
+              </a:defRPr>
+            </a:lvl9pPr>
+          </a:lstStyle>
+          <a:p>
+            <a:pPr marL="0" indent="0" algn="just">
+              <a:buNone/>
+            </a:pPr>
+            <a:r>
+              <a:rPr lang="en-US" sz="2200" dirty="0">
+                <a:latin typeface="Constantia" panose="02030602050306030303" pitchFamily="18" charset="0"/>
+              </a:rPr>
+              <a:t>[1] D. </a:t>
+            </a:r>
+            <a:r>
+              <a:rPr lang="en-US" sz="2200" dirty="0" err="1">
+                <a:latin typeface="Constantia" panose="02030602050306030303" pitchFamily="18" charset="0"/>
+              </a:rPr>
+              <a:t>Belazzougui</a:t>
+            </a:r>
+            <a:r>
+              <a:rPr lang="en-US" sz="2200" dirty="0">
+                <a:latin typeface="Constantia" panose="02030602050306030303" pitchFamily="18" charset="0"/>
+              </a:rPr>
+              <a:t>, M. </a:t>
+            </a:r>
+            <a:r>
+              <a:rPr lang="en-US" sz="2200" dirty="0" err="1">
+                <a:latin typeface="Constantia" panose="02030602050306030303" pitchFamily="18" charset="0"/>
+              </a:rPr>
+              <a:t>Raffinot</a:t>
+            </a:r>
+            <a:r>
+              <a:rPr lang="en-US" sz="2200" dirty="0">
+                <a:latin typeface="Constantia" panose="02030602050306030303" pitchFamily="18" charset="0"/>
+              </a:rPr>
+              <a:t>, Approximate regular expression matching with multi-strings, Journal of Discrete Algorithms, Volume 18, Pages 14-21, 2013.</a:t>
+            </a:r>
+          </a:p>
+          <a:p>
+            <a:pPr marL="0" indent="0" algn="just">
+              <a:buNone/>
+            </a:pPr>
+            <a:r>
+              <a:rPr lang="en-US" sz="2200" dirty="0">
+                <a:latin typeface="Constantia" panose="02030602050306030303" pitchFamily="18" charset="0"/>
+              </a:rPr>
+              <a:t>[2] E. W. Myers, W. Miller, Approximate Matching of Regular Expressions, Bulletin of Mathematical Biology, 1989.</a:t>
+            </a:r>
+          </a:p>
+        </p:txBody>
+      </p:sp>
+      <p:sp>
+        <p:nvSpPr>
+          <p:cNvPr id="33" name="Text Placeholder 20">
+            <a:extLst>
+              <a:ext uri="{FF2B5EF4-FFF2-40B4-BE49-F238E27FC236}">
+                <a16:creationId xmlns:a16="http://schemas.microsoft.com/office/drawing/2014/main" id="{6FF808D4-C6A4-4F4F-8319-78D36A06A9A8}"/>
+              </a:ext>
+            </a:extLst>
+          </p:cNvPr>
+          <p:cNvSpPr txBox="1">
+            <a:spLocks/>
+          </p:cNvSpPr>
+          <p:nvPr/>
+        </p:nvSpPr>
+        <p:spPr>
+          <a:xfrm>
+            <a:off x="11658600" y="16543298"/>
+            <a:ext cx="9601200" cy="812800"/>
+          </a:xfrm>
+          <a:prstGeom prst="round1Rect">
+            <a:avLst/>
+          </a:prstGeom>
+          <a:solidFill>
+            <a:schemeClr val="tx2"/>
+          </a:solidFill>
+        </p:spPr>
+        <p:txBody>
+          <a:bodyPr vert="horz" lIns="365760" tIns="45720" rIns="91440" bIns="45720" rtlCol="0" anchor="ctr">
+            <a:noAutofit/>
+          </a:bodyPr>
+          <a:lstStyle>
+            <a:lvl1pPr marL="0" indent="0" algn="l" defTabSz="2926226" rtl="0" eaLnBrk="1" latinLnBrk="0" hangingPunct="1">
+              <a:lnSpc>
+                <a:spcPct val="100000"/>
+              </a:lnSpc>
+              <a:spcBef>
+                <a:spcPts val="0"/>
+              </a:spcBef>
+              <a:buClr>
+                <a:schemeClr val="accent2"/>
+              </a:buClr>
+              <a:buFont typeface="Arial" panose="020B0604020202020204" pitchFamily="34" charset="0"/>
+              <a:buNone/>
+              <a:defRPr sz="4000" kern="1200" cap="all" baseline="0">
+                <a:solidFill>
+                  <a:schemeClr val="bg1"/>
+                </a:solidFill>
+                <a:latin typeface="+mj-lt"/>
+                <a:ea typeface="+mn-ea"/>
+                <a:cs typeface="+mn-cs"/>
+              </a:defRPr>
+            </a:lvl1pPr>
+            <a:lvl2pPr marL="0" indent="0" algn="l" defTabSz="2926226" rtl="0" eaLnBrk="1" latinLnBrk="0" hangingPunct="1">
+              <a:lnSpc>
+                <a:spcPct val="100000"/>
+              </a:lnSpc>
+              <a:spcBef>
+                <a:spcPts val="0"/>
+              </a:spcBef>
+              <a:buClr>
+                <a:schemeClr val="accent2"/>
+              </a:buClr>
+              <a:buFont typeface="Arial" panose="020B0604020202020204" pitchFamily="34" charset="0"/>
+              <a:buNone/>
+              <a:defRPr sz="4000" kern="1200" cap="all" baseline="0">
+                <a:solidFill>
+                  <a:schemeClr val="bg1"/>
+                </a:solidFill>
+                <a:latin typeface="+mj-lt"/>
+                <a:ea typeface="+mn-ea"/>
+                <a:cs typeface="+mn-cs"/>
+              </a:defRPr>
+            </a:lvl2pPr>
+            <a:lvl3pPr marL="0" indent="0" algn="l" defTabSz="2926226" rtl="0" eaLnBrk="1" latinLnBrk="0" hangingPunct="1">
+              <a:lnSpc>
+                <a:spcPct val="100000"/>
+              </a:lnSpc>
+              <a:spcBef>
+                <a:spcPts val="0"/>
+              </a:spcBef>
+              <a:buClr>
+                <a:schemeClr val="accent2"/>
+              </a:buClr>
+              <a:buFont typeface="Arial" panose="020B0604020202020204" pitchFamily="34" charset="0"/>
+              <a:buNone/>
+              <a:defRPr sz="4000" kern="1200" cap="all" baseline="0">
+                <a:solidFill>
+                  <a:schemeClr val="bg1"/>
+                </a:solidFill>
+                <a:latin typeface="+mj-lt"/>
+                <a:ea typeface="+mn-ea"/>
+                <a:cs typeface="+mn-cs"/>
+              </a:defRPr>
+            </a:lvl3pPr>
+            <a:lvl4pPr marL="0" indent="0" algn="l" defTabSz="2926226" rtl="0" eaLnBrk="1" latinLnBrk="0" hangingPunct="1">
+              <a:lnSpc>
+                <a:spcPct val="100000"/>
+              </a:lnSpc>
+              <a:spcBef>
+                <a:spcPts val="0"/>
+              </a:spcBef>
+              <a:buClr>
+                <a:schemeClr val="accent2"/>
+              </a:buClr>
+              <a:buFont typeface="Arial" panose="020B0604020202020204" pitchFamily="34" charset="0"/>
+              <a:buNone/>
+              <a:defRPr sz="4000" kern="1200" cap="all" baseline="0">
+                <a:solidFill>
+                  <a:schemeClr val="bg1"/>
+                </a:solidFill>
+                <a:latin typeface="+mj-lt"/>
+                <a:ea typeface="+mn-ea"/>
+                <a:cs typeface="+mn-cs"/>
+              </a:defRPr>
+            </a:lvl4pPr>
+            <a:lvl5pPr marL="0" indent="0" algn="l" defTabSz="2926226" rtl="0" eaLnBrk="1" latinLnBrk="0" hangingPunct="1">
+              <a:lnSpc>
+                <a:spcPct val="100000"/>
+              </a:lnSpc>
+              <a:spcBef>
+                <a:spcPts val="0"/>
+              </a:spcBef>
+              <a:buClr>
+                <a:schemeClr val="accent2"/>
+              </a:buClr>
+              <a:buFont typeface="Arial" panose="020B0604020202020204" pitchFamily="34" charset="0"/>
+              <a:buNone/>
+              <a:defRPr sz="4000" kern="1200" cap="all" baseline="0">
+                <a:solidFill>
+                  <a:schemeClr val="bg1"/>
+                </a:solidFill>
+                <a:latin typeface="+mj-lt"/>
+                <a:ea typeface="+mn-ea"/>
+                <a:cs typeface="+mn-cs"/>
+              </a:defRPr>
+            </a:lvl5pPr>
+            <a:lvl6pPr marL="0" indent="0" algn="l" defTabSz="2926226" rtl="0" eaLnBrk="1" latinLnBrk="0" hangingPunct="1">
+              <a:lnSpc>
+                <a:spcPct val="100000"/>
+              </a:lnSpc>
+              <a:spcBef>
+                <a:spcPts val="0"/>
+              </a:spcBef>
+              <a:buClr>
+                <a:schemeClr val="accent2"/>
+              </a:buClr>
+              <a:buFont typeface="Arial" panose="020B0604020202020204" pitchFamily="34" charset="0"/>
+              <a:buNone/>
+              <a:defRPr sz="4000" kern="1200" cap="all" baseline="0">
+                <a:solidFill>
+                  <a:schemeClr val="bg1"/>
+                </a:solidFill>
+                <a:latin typeface="+mj-lt"/>
+                <a:ea typeface="+mn-ea"/>
+                <a:cs typeface="+mn-cs"/>
+              </a:defRPr>
+            </a:lvl6pPr>
+            <a:lvl7pPr marL="0" indent="0" algn="l" defTabSz="2926226" rtl="0" eaLnBrk="1" latinLnBrk="0" hangingPunct="1">
+              <a:lnSpc>
+                <a:spcPct val="100000"/>
+              </a:lnSpc>
+              <a:spcBef>
+                <a:spcPts val="0"/>
+              </a:spcBef>
+              <a:buClr>
+                <a:schemeClr val="accent2"/>
+              </a:buClr>
+              <a:buFont typeface="Arial" panose="020B0604020202020204" pitchFamily="34" charset="0"/>
+              <a:buNone/>
+              <a:defRPr sz="4000" kern="1200" cap="all" baseline="0">
+                <a:solidFill>
+                  <a:schemeClr val="bg1"/>
+                </a:solidFill>
+                <a:latin typeface="+mj-lt"/>
+                <a:ea typeface="+mn-ea"/>
+                <a:cs typeface="+mn-cs"/>
+              </a:defRPr>
+            </a:lvl7pPr>
+            <a:lvl8pPr marL="0" indent="0" algn="l" defTabSz="2926226" rtl="0" eaLnBrk="1" latinLnBrk="0" hangingPunct="1">
+              <a:lnSpc>
+                <a:spcPct val="100000"/>
+              </a:lnSpc>
+              <a:spcBef>
+                <a:spcPts val="0"/>
+              </a:spcBef>
+              <a:buClr>
+                <a:schemeClr val="accent2"/>
+              </a:buClr>
+              <a:buFont typeface="Arial" panose="020B0604020202020204" pitchFamily="34" charset="0"/>
+              <a:buNone/>
+              <a:defRPr sz="4000" kern="1200" cap="all" baseline="0">
+                <a:solidFill>
+                  <a:schemeClr val="bg1"/>
+                </a:solidFill>
+                <a:latin typeface="+mj-lt"/>
+                <a:ea typeface="+mn-ea"/>
+                <a:cs typeface="+mn-cs"/>
+              </a:defRPr>
+            </a:lvl8pPr>
+            <a:lvl9pPr marL="0" indent="0" algn="l" defTabSz="2926226" rtl="0" eaLnBrk="1" latinLnBrk="0" hangingPunct="1">
+              <a:lnSpc>
+                <a:spcPct val="100000"/>
+              </a:lnSpc>
+              <a:spcBef>
+                <a:spcPts val="0"/>
+              </a:spcBef>
+              <a:buClr>
+                <a:schemeClr val="accent2"/>
+              </a:buClr>
+              <a:buFont typeface="Arial" panose="020B0604020202020204" pitchFamily="34" charset="0"/>
+              <a:buNone/>
+              <a:defRPr sz="4000" kern="1200" cap="all" baseline="0">
+                <a:solidFill>
+                  <a:schemeClr val="bg1"/>
+                </a:solidFill>
+                <a:latin typeface="+mj-lt"/>
+                <a:ea typeface="+mn-ea"/>
+                <a:cs typeface="+mn-cs"/>
+              </a:defRPr>
+            </a:lvl9pPr>
+          </a:lstStyle>
+          <a:p>
+            <a:r>
+              <a:rPr lang="en-US" sz="3600" dirty="0"/>
+              <a:t>ANALYSIS</a:t>
+            </a:r>
+            <a:endParaRPr lang="en-US" dirty="0"/>
+          </a:p>
+        </p:txBody>
+      </p:sp>
+      <p:sp>
+        <p:nvSpPr>
+          <p:cNvPr id="35" name="Content Placeholder 21">
+            <a:extLst>
+              <a:ext uri="{FF2B5EF4-FFF2-40B4-BE49-F238E27FC236}">
+                <a16:creationId xmlns:a16="http://schemas.microsoft.com/office/drawing/2014/main" id="{245886A0-F5E4-44E3-B073-30A719B9BF42}"/>
+              </a:ext>
+            </a:extLst>
+          </p:cNvPr>
+          <p:cNvSpPr txBox="1">
+            <a:spLocks/>
+          </p:cNvSpPr>
+          <p:nvPr/>
+        </p:nvSpPr>
+        <p:spPr>
+          <a:xfrm>
+            <a:off x="11643008" y="17385399"/>
+            <a:ext cx="9601200" cy="3769376"/>
+          </a:xfrm>
+          <a:prstGeom prst="rect">
+            <a:avLst/>
+          </a:prstGeom>
+        </p:spPr>
+        <p:txBody>
+          <a:bodyPr vert="horz" lIns="365760" tIns="182880" rIns="91440" bIns="45720" rtlCol="0">
+            <a:noAutofit/>
+          </a:bodyPr>
+          <a:lstStyle>
+            <a:lvl1pPr marL="304815" indent="-304815" algn="l" defTabSz="2926226" rtl="0" eaLnBrk="1" latinLnBrk="0" hangingPunct="1">
+              <a:lnSpc>
+                <a:spcPct val="100000"/>
+              </a:lnSpc>
+              <a:spcBef>
+                <a:spcPts val="800"/>
+              </a:spcBef>
+              <a:buClr>
+                <a:schemeClr val="accent2"/>
+              </a:buClr>
+              <a:buFont typeface="Arial" panose="020B0604020202020204" pitchFamily="34" charset="0"/>
+              <a:buChar char="•"/>
+              <a:defRPr sz="1867" kern="1200" baseline="0">
+                <a:solidFill>
+                  <a:schemeClr val="tx1"/>
+                </a:solidFill>
+                <a:latin typeface="+mn-lt"/>
+                <a:ea typeface="+mn-ea"/>
+                <a:cs typeface="+mn-cs"/>
+              </a:defRPr>
+            </a:lvl1pPr>
+            <a:lvl2pPr marL="731557" indent="-304815" algn="l" defTabSz="2926226" rtl="0" eaLnBrk="1" latinLnBrk="0" hangingPunct="1">
+              <a:lnSpc>
+                <a:spcPct val="100000"/>
+              </a:lnSpc>
+              <a:spcBef>
+                <a:spcPts val="800"/>
+              </a:spcBef>
+              <a:buClr>
+                <a:schemeClr val="accent2"/>
+              </a:buClr>
+              <a:buFont typeface="Arial" panose="020B0604020202020204" pitchFamily="34" charset="0"/>
+              <a:buChar char="•"/>
+              <a:defRPr sz="1600" kern="1200">
+                <a:solidFill>
+                  <a:schemeClr val="tx1"/>
+                </a:solidFill>
+                <a:latin typeface="+mn-lt"/>
+                <a:ea typeface="+mn-ea"/>
+                <a:cs typeface="+mn-cs"/>
+              </a:defRPr>
+            </a:lvl2pPr>
+            <a:lvl3pPr marL="731557" indent="-304815" algn="l" defTabSz="2926226" rtl="0" eaLnBrk="1" latinLnBrk="0" hangingPunct="1">
+              <a:lnSpc>
+                <a:spcPct val="100000"/>
+              </a:lnSpc>
+              <a:spcBef>
+                <a:spcPts val="800"/>
+              </a:spcBef>
+              <a:buClr>
+                <a:schemeClr val="accent2"/>
+              </a:buClr>
+              <a:buFont typeface="Arial" panose="020B0604020202020204" pitchFamily="34" charset="0"/>
+              <a:buChar char="•"/>
+              <a:defRPr sz="1600" kern="1200">
+                <a:solidFill>
+                  <a:schemeClr val="tx1"/>
+                </a:solidFill>
+                <a:latin typeface="+mn-lt"/>
+                <a:ea typeface="+mn-ea"/>
+                <a:cs typeface="+mn-cs"/>
+              </a:defRPr>
+            </a:lvl3pPr>
+            <a:lvl4pPr marL="731557" indent="-304815" algn="l" defTabSz="2926226" rtl="0" eaLnBrk="1" latinLnBrk="0" hangingPunct="1">
+              <a:lnSpc>
+                <a:spcPct val="100000"/>
+              </a:lnSpc>
+              <a:spcBef>
+                <a:spcPts val="800"/>
+              </a:spcBef>
+              <a:buClr>
+                <a:schemeClr val="accent2"/>
+              </a:buClr>
+              <a:buFont typeface="Arial" panose="020B0604020202020204" pitchFamily="34" charset="0"/>
+              <a:buChar char="•"/>
+              <a:defRPr sz="1600" kern="1200">
+                <a:solidFill>
+                  <a:schemeClr val="tx1"/>
+                </a:solidFill>
+                <a:latin typeface="+mn-lt"/>
+                <a:ea typeface="+mn-ea"/>
+                <a:cs typeface="+mn-cs"/>
+              </a:defRPr>
+            </a:lvl4pPr>
+            <a:lvl5pPr marL="731557" indent="-304815" algn="l" defTabSz="2926226" rtl="0" eaLnBrk="1" latinLnBrk="0" hangingPunct="1">
+              <a:lnSpc>
+                <a:spcPct val="100000"/>
+              </a:lnSpc>
+              <a:spcBef>
+                <a:spcPts val="800"/>
+              </a:spcBef>
+              <a:buClr>
+                <a:schemeClr val="accent2"/>
+              </a:buClr>
+              <a:buFont typeface="Arial" panose="020B0604020202020204" pitchFamily="34" charset="0"/>
+              <a:buChar char="•"/>
+              <a:defRPr sz="1600" kern="1200">
+                <a:solidFill>
+                  <a:schemeClr val="tx1"/>
+                </a:solidFill>
+                <a:latin typeface="+mn-lt"/>
+                <a:ea typeface="+mn-ea"/>
+                <a:cs typeface="+mn-cs"/>
+              </a:defRPr>
+            </a:lvl5pPr>
+            <a:lvl6pPr marL="731557" indent="-304815" algn="l" defTabSz="2926226" rtl="0" eaLnBrk="1" latinLnBrk="0" hangingPunct="1">
+              <a:lnSpc>
+                <a:spcPct val="100000"/>
+              </a:lnSpc>
+              <a:spcBef>
+                <a:spcPts val="800"/>
+              </a:spcBef>
+              <a:buClr>
+                <a:schemeClr val="accent2"/>
+              </a:buClr>
+              <a:buFont typeface="Arial" panose="020B0604020202020204" pitchFamily="34" charset="0"/>
+              <a:buChar char="•"/>
+              <a:defRPr sz="1600" kern="1200">
+                <a:solidFill>
+                  <a:schemeClr val="tx1"/>
+                </a:solidFill>
+                <a:latin typeface="+mn-lt"/>
+                <a:ea typeface="+mn-ea"/>
+                <a:cs typeface="+mn-cs"/>
+              </a:defRPr>
+            </a:lvl6pPr>
+            <a:lvl7pPr marL="731557" indent="-304815" algn="l" defTabSz="2926226" rtl="0" eaLnBrk="1" latinLnBrk="0" hangingPunct="1">
+              <a:lnSpc>
+                <a:spcPct val="100000"/>
+              </a:lnSpc>
+              <a:spcBef>
+                <a:spcPts val="800"/>
+              </a:spcBef>
+              <a:buClr>
+                <a:schemeClr val="accent2"/>
+              </a:buClr>
+              <a:buFont typeface="Arial" panose="020B0604020202020204" pitchFamily="34" charset="0"/>
+              <a:buChar char="•"/>
+              <a:defRPr sz="1600" kern="1200">
+                <a:solidFill>
+                  <a:schemeClr val="tx1"/>
+                </a:solidFill>
+                <a:latin typeface="+mn-lt"/>
+                <a:ea typeface="+mn-ea"/>
+                <a:cs typeface="+mn-cs"/>
+              </a:defRPr>
+            </a:lvl7pPr>
+            <a:lvl8pPr marL="731557" indent="-304815" algn="l" defTabSz="2926226" rtl="0" eaLnBrk="1" latinLnBrk="0" hangingPunct="1">
+              <a:lnSpc>
+                <a:spcPct val="100000"/>
+              </a:lnSpc>
+              <a:spcBef>
+                <a:spcPts val="800"/>
+              </a:spcBef>
+              <a:buClr>
+                <a:schemeClr val="accent2"/>
+              </a:buClr>
+              <a:buFont typeface="Arial" panose="020B0604020202020204" pitchFamily="34" charset="0"/>
+              <a:buChar char="•"/>
+              <a:defRPr sz="1600" kern="1200">
+                <a:solidFill>
+                  <a:schemeClr val="tx1"/>
+                </a:solidFill>
+                <a:latin typeface="+mn-lt"/>
+                <a:ea typeface="+mn-ea"/>
+                <a:cs typeface="+mn-cs"/>
+              </a:defRPr>
+            </a:lvl8pPr>
+            <a:lvl9pPr marL="731557" indent="-304815" algn="l" defTabSz="2926226" rtl="0" eaLnBrk="1" latinLnBrk="0" hangingPunct="1">
+              <a:lnSpc>
+                <a:spcPct val="100000"/>
+              </a:lnSpc>
+              <a:spcBef>
+                <a:spcPts val="800"/>
+              </a:spcBef>
+              <a:buClr>
+                <a:schemeClr val="accent2"/>
+              </a:buClr>
+              <a:buFont typeface="Arial" panose="020B0604020202020204" pitchFamily="34" charset="0"/>
+              <a:buChar char="•"/>
+              <a:defRPr sz="1600" kern="1200">
+                <a:solidFill>
+                  <a:schemeClr val="tx1"/>
+                </a:solidFill>
+                <a:latin typeface="+mn-lt"/>
+                <a:ea typeface="+mn-ea"/>
+                <a:cs typeface="+mn-cs"/>
+              </a:defRPr>
+            </a:lvl9pPr>
+          </a:lstStyle>
+          <a:p>
+            <a:pPr marL="0" lvl="1" indent="0" algn="just">
+              <a:buNone/>
+            </a:pPr>
+            <a:r>
+              <a:rPr lang="en-US" sz="2400" b="1" dirty="0">
+                <a:latin typeface="Constantia" panose="02030602050306030303" pitchFamily="18" charset="0"/>
+              </a:rPr>
+              <a:t>THOMPSON’S:  </a:t>
+            </a:r>
+          </a:p>
+          <a:p>
+            <a:pPr marL="457200" lvl="2" indent="0" algn="just">
+              <a:buNone/>
+            </a:pPr>
+            <a:r>
+              <a:rPr lang="en-US" sz="2400" dirty="0">
+                <a:latin typeface="Constantia" panose="02030602050306030303" pitchFamily="18" charset="0"/>
+              </a:rPr>
+              <a:t>NFA construction: </a:t>
+            </a:r>
+            <a:r>
+              <a:rPr lang="en-US" sz="2400" i="1" dirty="0">
+                <a:latin typeface="Constantia" panose="02030602050306030303" pitchFamily="18" charset="0"/>
+              </a:rPr>
+              <a:t>O</a:t>
+            </a:r>
+            <a:r>
+              <a:rPr lang="en-US" sz="2400" dirty="0">
+                <a:latin typeface="Constantia" panose="02030602050306030303" pitchFamily="18" charset="0"/>
+              </a:rPr>
+              <a:t>(|</a:t>
+            </a:r>
+            <a:r>
+              <a:rPr lang="en-US" sz="2400" i="1" dirty="0">
+                <a:latin typeface="Constantia" panose="02030602050306030303" pitchFamily="18" charset="0"/>
+              </a:rPr>
+              <a:t>r</a:t>
+            </a:r>
+            <a:r>
+              <a:rPr lang="en-US" sz="2400" dirty="0">
+                <a:latin typeface="Constantia" panose="02030602050306030303" pitchFamily="18" charset="0"/>
+              </a:rPr>
+              <a:t>|) steps, </a:t>
+            </a:r>
+            <a:r>
+              <a:rPr lang="en-US" sz="2400" i="1" dirty="0">
+                <a:latin typeface="Constantia" panose="02030602050306030303" pitchFamily="18" charset="0"/>
+              </a:rPr>
+              <a:t>O</a:t>
+            </a:r>
+            <a:r>
+              <a:rPr lang="en-US" sz="2400" dirty="0">
+                <a:latin typeface="Constantia" panose="02030602050306030303" pitchFamily="18" charset="0"/>
+              </a:rPr>
+              <a:t>(|</a:t>
+            </a:r>
+            <a:r>
+              <a:rPr lang="en-US" sz="2400" i="1" dirty="0">
+                <a:latin typeface="Constantia" panose="02030602050306030303" pitchFamily="18" charset="0"/>
+              </a:rPr>
+              <a:t>r</a:t>
+            </a:r>
+            <a:r>
+              <a:rPr lang="en-US" sz="2400" dirty="0">
+                <a:latin typeface="Constantia" panose="02030602050306030303" pitchFamily="18" charset="0"/>
+              </a:rPr>
+              <a:t>|) space;</a:t>
+            </a:r>
+          </a:p>
+          <a:p>
+            <a:pPr marL="457200" lvl="2" indent="0" algn="just">
+              <a:buNone/>
+            </a:pPr>
+            <a:r>
+              <a:rPr lang="en-US" sz="2400" dirty="0">
+                <a:latin typeface="Constantia" panose="02030602050306030303" pitchFamily="18" charset="0"/>
+              </a:rPr>
+              <a:t>String traversal: </a:t>
+            </a:r>
+            <a:r>
+              <a:rPr lang="en-US" sz="2400" i="1" dirty="0">
+                <a:latin typeface="Constantia" panose="02030602050306030303" pitchFamily="18" charset="0"/>
+              </a:rPr>
+              <a:t>O</a:t>
+            </a:r>
+            <a:r>
+              <a:rPr lang="en-US" sz="2400" dirty="0">
+                <a:latin typeface="Constantia" panose="02030602050306030303" pitchFamily="18" charset="0"/>
+              </a:rPr>
+              <a:t>(|</a:t>
+            </a:r>
+            <a:r>
+              <a:rPr lang="en-US" sz="2400" i="1" dirty="0">
+                <a:latin typeface="Constantia" panose="02030602050306030303" pitchFamily="18" charset="0"/>
+              </a:rPr>
+              <a:t>r</a:t>
+            </a:r>
+            <a:r>
+              <a:rPr lang="en-US" sz="2400" dirty="0">
+                <a:latin typeface="Constantia" panose="02030602050306030303" pitchFamily="18" charset="0"/>
+              </a:rPr>
+              <a:t>|·</a:t>
+            </a:r>
+            <a:r>
+              <a:rPr lang="en-US" sz="2400" i="1" dirty="0">
+                <a:latin typeface="Constantia" panose="02030602050306030303" pitchFamily="18" charset="0"/>
+              </a:rPr>
+              <a:t>|s</a:t>
+            </a:r>
+            <a:r>
+              <a:rPr lang="en-US" sz="2400" dirty="0">
+                <a:latin typeface="Constantia" panose="02030602050306030303" pitchFamily="18" charset="0"/>
+              </a:rPr>
+              <a:t>|) steps;</a:t>
+            </a:r>
+          </a:p>
+          <a:p>
+            <a:pPr marL="457200" lvl="2" indent="0" algn="just">
+              <a:buNone/>
+            </a:pPr>
+            <a:r>
+              <a:rPr lang="en-US" sz="2400" dirty="0">
+                <a:latin typeface="Constantia" panose="02030602050306030303" pitchFamily="18" charset="0"/>
+              </a:rPr>
+              <a:t>Lines of code: 235</a:t>
+            </a:r>
+          </a:p>
+          <a:p>
+            <a:pPr marL="0" lvl="1" indent="0" algn="just">
+              <a:buNone/>
+            </a:pPr>
+            <a:r>
+              <a:rPr lang="en-US" sz="2400" b="1" dirty="0">
+                <a:latin typeface="Constantia" panose="02030602050306030303" pitchFamily="18" charset="0"/>
+              </a:rPr>
+              <a:t>MYERS’ </a:t>
+            </a:r>
+            <a:r>
+              <a:rPr lang="en-US" sz="2400" b="1">
+                <a:latin typeface="Constantia" panose="02030602050306030303" pitchFamily="18" charset="0"/>
+              </a:rPr>
+              <a:t>&amp; MILLER’S</a:t>
+            </a:r>
+            <a:r>
+              <a:rPr lang="en-US" sz="2400" b="1" dirty="0">
+                <a:latin typeface="Constantia" panose="02030602050306030303" pitchFamily="18" charset="0"/>
+              </a:rPr>
+              <a:t>: </a:t>
+            </a:r>
+          </a:p>
+          <a:p>
+            <a:pPr marL="361950" lvl="1" indent="0" algn="just">
+              <a:buNone/>
+            </a:pPr>
+            <a:r>
+              <a:rPr lang="en-US" sz="2400" dirty="0">
+                <a:latin typeface="Constantia" panose="02030602050306030303" pitchFamily="18" charset="0"/>
+              </a:rPr>
+              <a:t>NFA construction: </a:t>
+            </a:r>
+            <a:r>
+              <a:rPr lang="en-US" sz="2400" i="1" dirty="0">
+                <a:latin typeface="Constantia" panose="02030602050306030303" pitchFamily="18" charset="0"/>
+              </a:rPr>
+              <a:t>O</a:t>
+            </a:r>
+            <a:r>
+              <a:rPr lang="en-US" sz="2400" dirty="0">
+                <a:latin typeface="Constantia" panose="02030602050306030303" pitchFamily="18" charset="0"/>
+              </a:rPr>
+              <a:t>(|</a:t>
+            </a:r>
+            <a:r>
+              <a:rPr lang="en-US" sz="2400" i="1" dirty="0">
+                <a:latin typeface="Constantia" panose="02030602050306030303" pitchFamily="18" charset="0"/>
+              </a:rPr>
+              <a:t>r</a:t>
+            </a:r>
+            <a:r>
+              <a:rPr lang="en-US" sz="2400" dirty="0">
+                <a:latin typeface="Constantia" panose="02030602050306030303" pitchFamily="18" charset="0"/>
+              </a:rPr>
+              <a:t>|·</a:t>
+            </a:r>
+            <a:r>
+              <a:rPr lang="en-US" sz="2400" i="1" dirty="0">
+                <a:latin typeface="Constantia" panose="02030602050306030303" pitchFamily="18" charset="0"/>
+              </a:rPr>
+              <a:t>|s</a:t>
+            </a:r>
+            <a:r>
+              <a:rPr lang="en-US" sz="2400" dirty="0">
+                <a:latin typeface="Constantia" panose="02030602050306030303" pitchFamily="18" charset="0"/>
+              </a:rPr>
+              <a:t>|+</a:t>
+            </a:r>
+            <a:r>
+              <a:rPr lang="en-US" sz="2400" i="1" dirty="0">
+                <a:latin typeface="Constantia" panose="02030602050306030303" pitchFamily="18" charset="0"/>
+              </a:rPr>
+              <a:t>|s</a:t>
+            </a:r>
+            <a:r>
+              <a:rPr lang="en-US" sz="2400" dirty="0">
+                <a:latin typeface="Constantia" panose="02030602050306030303" pitchFamily="18" charset="0"/>
+              </a:rPr>
+              <a:t>|) steps, </a:t>
+            </a:r>
+          </a:p>
+          <a:p>
+            <a:pPr marL="361950" lvl="1" indent="0" algn="just">
+              <a:buNone/>
+            </a:pPr>
+            <a:r>
+              <a:rPr lang="en-US" sz="2400" i="1" dirty="0">
+                <a:latin typeface="Constantia" panose="02030602050306030303" pitchFamily="18" charset="0"/>
+              </a:rPr>
+              <a:t>O</a:t>
+            </a:r>
+            <a:r>
+              <a:rPr lang="en-US" sz="2400" dirty="0">
+                <a:latin typeface="Constantia" panose="02030602050306030303" pitchFamily="18" charset="0"/>
+              </a:rPr>
+              <a:t>(|</a:t>
+            </a:r>
+            <a:r>
+              <a:rPr lang="en-US" sz="2400" i="1" dirty="0">
+                <a:latin typeface="Constantia" panose="02030602050306030303" pitchFamily="18" charset="0"/>
+              </a:rPr>
+              <a:t>r</a:t>
+            </a:r>
+            <a:r>
+              <a:rPr lang="en-US" sz="2400" dirty="0">
+                <a:latin typeface="Constantia" panose="02030602050306030303" pitchFamily="18" charset="0"/>
+              </a:rPr>
+              <a:t>|·</a:t>
+            </a:r>
+            <a:r>
+              <a:rPr lang="en-US" sz="2400" i="1" dirty="0">
+                <a:latin typeface="Constantia" panose="02030602050306030303" pitchFamily="18" charset="0"/>
+              </a:rPr>
+              <a:t>|s</a:t>
+            </a:r>
+            <a:r>
+              <a:rPr lang="en-US" sz="2400" dirty="0">
+                <a:latin typeface="Constantia" panose="02030602050306030303" pitchFamily="18" charset="0"/>
+              </a:rPr>
+              <a:t>| + 2</a:t>
+            </a:r>
+            <a:r>
+              <a:rPr lang="en-US" sz="2400" i="1" baseline="30000" dirty="0">
+                <a:latin typeface="Constantia" panose="02030602050306030303" pitchFamily="18" charset="0"/>
+              </a:rPr>
+              <a:t>k</a:t>
+            </a:r>
+            <a:r>
+              <a:rPr lang="en-US" sz="2400" dirty="0">
+                <a:latin typeface="Constantia" panose="02030602050306030303" pitchFamily="18" charset="0"/>
+              </a:rPr>
+              <a:t>) space;</a:t>
+            </a:r>
+          </a:p>
+          <a:p>
+            <a:pPr marL="361950" lvl="1" indent="0" algn="just">
+              <a:buNone/>
+            </a:pPr>
+            <a:r>
+              <a:rPr lang="en-US" sz="2400" dirty="0">
+                <a:latin typeface="Constantia" panose="02030602050306030303" pitchFamily="18" charset="0"/>
+              </a:rPr>
+              <a:t>String traversal: </a:t>
+            </a:r>
+            <a:r>
+              <a:rPr lang="en-US" sz="2400" i="1" dirty="0">
+                <a:latin typeface="Constantia" panose="02030602050306030303" pitchFamily="18" charset="0"/>
+              </a:rPr>
+              <a:t>O</a:t>
+            </a:r>
+            <a:r>
+              <a:rPr lang="en-US" sz="2400" dirty="0">
+                <a:latin typeface="Constantia" panose="02030602050306030303" pitchFamily="18" charset="0"/>
+              </a:rPr>
+              <a:t>(|</a:t>
+            </a:r>
+            <a:r>
+              <a:rPr lang="en-US" sz="2400" i="1" dirty="0">
+                <a:latin typeface="Constantia" panose="02030602050306030303" pitchFamily="18" charset="0"/>
+              </a:rPr>
+              <a:t>r</a:t>
+            </a:r>
+            <a:r>
+              <a:rPr lang="en-US" sz="2400" dirty="0">
+                <a:latin typeface="Constantia" panose="02030602050306030303" pitchFamily="18" charset="0"/>
+              </a:rPr>
+              <a:t>|·</a:t>
+            </a:r>
+            <a:r>
+              <a:rPr lang="en-US" sz="2400" i="1" dirty="0">
+                <a:latin typeface="Constantia" panose="02030602050306030303" pitchFamily="18" charset="0"/>
+              </a:rPr>
+              <a:t>|s</a:t>
+            </a:r>
+            <a:r>
+              <a:rPr lang="en-US" sz="2400" dirty="0">
+                <a:latin typeface="Constantia" panose="02030602050306030303" pitchFamily="18" charset="0"/>
+              </a:rPr>
+              <a:t>|·</a:t>
+            </a:r>
+            <a:r>
+              <a:rPr lang="en-US" sz="2400" i="1" dirty="0">
+                <a:latin typeface="Constantia" panose="02030602050306030303" pitchFamily="18" charset="0"/>
+              </a:rPr>
+              <a:t>|s</a:t>
+            </a:r>
+            <a:r>
+              <a:rPr lang="en-US" sz="2400" dirty="0">
+                <a:latin typeface="Constantia" panose="02030602050306030303" pitchFamily="18" charset="0"/>
+              </a:rPr>
+              <a:t>|) steps;</a:t>
+            </a:r>
+          </a:p>
+          <a:p>
+            <a:pPr marL="361950" lvl="1" indent="0" algn="just">
+              <a:buNone/>
+            </a:pPr>
+            <a:r>
+              <a:rPr lang="en-US" sz="2400" dirty="0">
+                <a:latin typeface="Constantia" panose="02030602050306030303" pitchFamily="18" charset="0"/>
+              </a:rPr>
+              <a:t>Lines of code: 295</a:t>
+            </a:r>
+          </a:p>
+        </p:txBody>
+      </p:sp>
     </p:spTree>
     <p:extLst>
       <p:ext uri="{BB962C8B-B14F-4D97-AF65-F5344CB8AC3E}">

--- a/poster/poster.pptx
+++ b/poster/poster.pptx
@@ -4897,7 +4897,12 @@
             <p:ph type="title"/>
           </p:nvPr>
         </p:nvSpPr>
-        <p:spPr/>
+        <p:spPr>
+          <a:xfrm>
+            <a:off x="5966942" y="419770"/>
+            <a:ext cx="22977539" cy="1676360"/>
+          </a:xfrm>
+        </p:spPr>
         <p:txBody>
           <a:bodyPr>
             <a:normAutofit fontScale="90000"/>
@@ -4934,14 +4939,19 @@
             <p:ph type="body" sz="quarter" idx="36"/>
           </p:nvPr>
         </p:nvSpPr>
-        <p:spPr/>
+        <p:spPr>
+          <a:xfrm>
+            <a:off x="4800600" y="2144751"/>
+            <a:ext cx="23317200" cy="1115261"/>
+          </a:xfrm>
+        </p:spPr>
         <p:txBody>
           <a:bodyPr/>
           <a:lstStyle/>
           <a:p>
             <a:pPr algn="ctr"/>
             <a:r>
-              <a:rPr lang="en-US" sz="1800" dirty="0">
+              <a:rPr lang="en-US" sz="2400" dirty="0">
                 <a:latin typeface="Constantia" panose="02030602050306030303" pitchFamily="18" charset="0"/>
               </a:rPr>
               <a:t>Umme Salma Gadriwala, Tasnim Noshin, Rumsha Siddiqui </a:t>
@@ -4950,43 +4960,43 @@
           <a:p>
             <a:pPr algn="ctr"/>
             <a:r>
-              <a:rPr lang="en-CA" sz="1800" dirty="0">
+              <a:rPr lang="en-CA" sz="2400" dirty="0">
                 <a:latin typeface="Constantia" panose="02030602050306030303" pitchFamily="18" charset="0"/>
               </a:rPr>
               <a:t>{</a:t>
             </a:r>
             <a:r>
-              <a:rPr lang="en-CA" sz="1800" dirty="0" err="1">
+              <a:rPr lang="en-CA" sz="2400" dirty="0" err="1">
                 <a:latin typeface="Constantia" panose="02030602050306030303" pitchFamily="18" charset="0"/>
               </a:rPr>
               <a:t>gadriwau</a:t>
             </a:r>
             <a:r>
-              <a:rPr lang="en-CA" sz="1800" dirty="0">
+              <a:rPr lang="en-CA" sz="2400" dirty="0">
                 <a:latin typeface="Constantia" panose="02030602050306030303" pitchFamily="18" charset="0"/>
               </a:rPr>
               <a:t>, </a:t>
             </a:r>
             <a:r>
-              <a:rPr lang="en-CA" sz="1800" dirty="0" err="1">
+              <a:rPr lang="en-CA" sz="2400" dirty="0" err="1">
                 <a:latin typeface="Constantia" panose="02030602050306030303" pitchFamily="18" charset="0"/>
               </a:rPr>
               <a:t>noshint</a:t>
             </a:r>
             <a:r>
-              <a:rPr lang="en-CA" sz="1800" dirty="0">
+              <a:rPr lang="en-CA" sz="2400" dirty="0">
                 <a:latin typeface="Constantia" panose="02030602050306030303" pitchFamily="18" charset="0"/>
               </a:rPr>
               <a:t>, </a:t>
             </a:r>
             <a:r>
-              <a:rPr lang="en-CA" sz="1800" dirty="0" err="1">
+              <a:rPr lang="en-CA" sz="2400" dirty="0" err="1">
                 <a:latin typeface="Constantia" panose="02030602050306030303" pitchFamily="18" charset="0"/>
               </a:rPr>
               <a:t>siddiqur</a:t>
             </a:r>
             <a:r>
-              <a:rPr lang="en-CA" sz="1800" dirty="0">
+              <a:rPr lang="en-CA" sz="2400" dirty="0">
                 <a:latin typeface="Constantia" panose="02030602050306030303" pitchFamily="18" charset="0"/>
               </a:rPr>
               <a:t>}@mcmaster.ca</a:t>
@@ -4995,7 +5005,7 @@
           <a:p>
             <a:pPr algn="ctr"/>
             <a:r>
-              <a:rPr lang="en-US" sz="1800" dirty="0">
+              <a:rPr lang="en-US" sz="2400" dirty="0">
                 <a:latin typeface="Constantia" panose="02030602050306030303" pitchFamily="18" charset="0"/>
               </a:rPr>
               <a:t>April 2019</a:t>
@@ -5102,7 +5112,9 @@
             </a:r>
           </a:p>
           <a:p>
-            <a:pPr algn="just"/>
+            <a:pPr marL="0" indent="0" algn="just">
+              <a:buNone/>
+            </a:pPr>
             <a:endParaRPr lang="en-CA" sz="1400" dirty="0">
               <a:latin typeface="Constantia" panose="02030602050306030303" pitchFamily="18" charset="0"/>
             </a:endParaRPr>
@@ -5177,8 +5189,8 @@
         </p:nvSpPr>
         <p:spPr>
           <a:xfrm>
-            <a:off x="857250" y="12329160"/>
-            <a:ext cx="9601200" cy="8117840"/>
+            <a:off x="895350" y="12310110"/>
+            <a:ext cx="9601200" cy="2086589"/>
           </a:xfrm>
         </p:spPr>
         <p:txBody>
@@ -5266,6 +5278,34 @@
                 <a:latin typeface="Constantia" panose="02030602050306030303" pitchFamily="18" charset="0"/>
               </a:rPr>
               <a:t>r</a:t>
+            </a:r>
+          </a:p>
+          <a:p>
+            <a:pPr marL="0" indent="0" algn="just">
+              <a:buNone/>
+            </a:pPr>
+            <a:r>
+              <a:rPr lang="en-US" sz="2400" b="1" dirty="0">
+                <a:latin typeface="Constantia" panose="02030602050306030303" pitchFamily="18" charset="0"/>
+              </a:rPr>
+              <a:t>METHOD</a:t>
+            </a:r>
+            <a:r>
+              <a:rPr lang="en-US" sz="2400" dirty="0">
+                <a:latin typeface="Constantia" panose="02030602050306030303" pitchFamily="18" charset="0"/>
+              </a:rPr>
+              <a:t>: Traverse the NFA for s. </a:t>
+            </a:r>
+          </a:p>
+          <a:p>
+            <a:pPr marL="1524000" indent="0" algn="just">
+              <a:buNone/>
+            </a:pPr>
+            <a:r>
+              <a:rPr lang="en-US" sz="2400" dirty="0">
+                <a:latin typeface="Constantia" panose="02030602050306030303" pitchFamily="18" charset="0"/>
+              </a:rPr>
+              <a:t>Return true if traversal ends at a terminal state.</a:t>
             </a:r>
           </a:p>
           <a:p>
@@ -5588,7 +5628,7 @@
           <a:p>
             <a:r>
               <a:rPr lang="en-US" dirty="0"/>
-              <a:t>conclusions</a:t>
+              <a:t>conclusion</a:t>
             </a:r>
           </a:p>
         </p:txBody>
@@ -5620,7 +5660,19 @@
               <a:rPr lang="en-CA" sz="2400" dirty="0">
                 <a:latin typeface="Constantia" panose="02030602050306030303" pitchFamily="18" charset="0"/>
               </a:rPr>
-              <a:t>Compared to Thompson's exact string matching, Myers and Miller's approximate matching algorithm takes 4x as much time on average.</a:t>
+              <a:t>Myers and Miller's </a:t>
+            </a:r>
+            <a:r>
+              <a:rPr lang="en-CA" sz="2400">
+                <a:latin typeface="Constantia" panose="02030602050306030303" pitchFamily="18" charset="0"/>
+              </a:rPr>
+              <a:t>approximate string </a:t>
+            </a:r>
+            <a:r>
+              <a:rPr lang="en-CA" sz="2400" dirty="0">
+                <a:latin typeface="Constantia" panose="02030602050306030303" pitchFamily="18" charset="0"/>
+              </a:rPr>
+              <a:t>matching takes more than 50% of the time Thompson's exact matching does for the given test cases.</a:t>
             </a:r>
           </a:p>
           <a:p>
@@ -5629,16 +5681,16 @@
               <a:rPr lang="en-CA" sz="2400" dirty="0">
                 <a:latin typeface="Constantia" panose="02030602050306030303" pitchFamily="18" charset="0"/>
               </a:rPr>
+              <a:t>It is not worth the cost to use approximate matching where k = 0.</a:t>
+            </a:r>
+          </a:p>
+          <a:p>
+            <a:pPr algn="just"/>
+            <a:r>
+              <a:rPr lang="en-CA" sz="2400" dirty="0">
+                <a:latin typeface="Constantia" panose="02030602050306030303" pitchFamily="18" charset="0"/>
+              </a:rPr>
               <a:t>This is inline with the algorithmic time complexities of string traversal.</a:t>
-            </a:r>
-          </a:p>
-          <a:p>
-            <a:pPr algn="just"/>
-            <a:r>
-              <a:rPr lang="en-CA" sz="2400" dirty="0">
-                <a:latin typeface="Constantia" panose="02030602050306030303" pitchFamily="18" charset="0"/>
-              </a:rPr>
-              <a:t>It is not worth the cost to use approximate matching where k = 0.</a:t>
             </a:r>
           </a:p>
         </p:txBody>
@@ -5665,7 +5717,7 @@
         </p:blipFill>
         <p:spPr>
           <a:xfrm>
-            <a:off x="898677" y="337376"/>
+            <a:off x="857250" y="337376"/>
             <a:ext cx="5109693" cy="2743200"/>
           </a:xfrm>
           <a:prstGeom prst="rect">
@@ -5687,16 +5739,15 @@
           </p:cNvPicPr>
           <p:nvPr/>
         </p:nvPicPr>
-        <p:blipFill>
+        <p:blipFill rotWithShape="1">
           <a:blip r:embed="rId4"/>
-          <a:stretch>
-            <a:fillRect/>
-          </a:stretch>
+          <a:srcRect l="9100" t="5113" r="7891" b="8570"/>
+          <a:stretch/>
         </p:blipFill>
         <p:spPr>
           <a:xfrm>
-            <a:off x="29042414" y="309557"/>
-            <a:ext cx="2984446" cy="2743200"/>
+            <a:off x="28944481" y="265611"/>
+            <a:ext cx="2945219" cy="2814965"/>
           </a:xfrm>
           <a:prstGeom prst="rect">
             <a:avLst/>
@@ -5752,9 +5803,7 @@
             </a:prstGeom>
             <a:ln>
               <a:solidFill>
-                <a:schemeClr val="bg1">
-                  <a:lumMod val="65000"/>
-                </a:schemeClr>
+                <a:schemeClr val="accent1"/>
               </a:solidFill>
             </a:ln>
             <a:effectLst>
@@ -5826,7 +5875,7 @@
         </p:nvGrpSpPr>
         <p:grpSpPr>
           <a:xfrm>
-            <a:off x="2090737" y="14437039"/>
+            <a:off x="2090737" y="14415749"/>
             <a:ext cx="7134225" cy="7361505"/>
             <a:chOff x="2238623" y="18621375"/>
             <a:chExt cx="7134225" cy="7361505"/>
@@ -5853,6 +5902,9 @@
               <a:avLst/>
             </a:prstGeom>
             <a:noFill/>
+            <a:ln>
+              <a:noFill/>
+            </a:ln>
           </p:spPr>
           <p:txBody>
             <a:bodyPr wrap="none" rtlCol="0">
@@ -5917,9 +5969,7 @@
             </a:prstGeom>
             <a:ln>
               <a:solidFill>
-                <a:schemeClr val="bg1">
-                  <a:lumMod val="65000"/>
-                </a:schemeClr>
+                <a:schemeClr val="accent1"/>
               </a:solidFill>
             </a:ln>
           </p:spPr>
@@ -6537,7 +6587,7 @@
           <a:p>
             <a:pPr algn="ctr"/>
             <a:r>
-              <a:rPr lang="en-US" sz="2000" dirty="0"/>
+              <a:rPr lang="en-US" sz="2400" dirty="0"/>
               <a:t>HARDWARE SPECIFICATIONS</a:t>
             </a:r>
           </a:p>
@@ -7498,8 +7548,8 @@
         </p:nvSpPr>
         <p:spPr>
           <a:xfrm>
-            <a:off x="11643008" y="17385399"/>
-            <a:ext cx="9601200" cy="3769376"/>
+            <a:off x="11643008" y="17366348"/>
+            <a:ext cx="9601200" cy="4413145"/>
           </a:xfrm>
           <a:prstGeom prst="rect">
             <a:avLst/>
@@ -7836,19 +7886,7 @@
               <a:rPr lang="en-US" sz="2400" b="1" dirty="0">
                 <a:latin typeface="Constantia" panose="02030602050306030303" pitchFamily="18" charset="0"/>
               </a:rPr>
-              <a:t>MYERS’ </a:t>
-            </a:r>
-            <a:r>
-              <a:rPr lang="en-US" sz="2400" b="1">
-                <a:latin typeface="Constantia" panose="02030602050306030303" pitchFamily="18" charset="0"/>
-              </a:rPr>
-              <a:t>&amp; MILLER’S</a:t>
-            </a:r>
-            <a:r>
-              <a:rPr lang="en-US" sz="2400" b="1" dirty="0">
-                <a:latin typeface="Constantia" panose="02030602050306030303" pitchFamily="18" charset="0"/>
-              </a:rPr>
-              <a:t>: </a:t>
+              <a:t>MYERS’ &amp; MILLER’S: </a:t>
             </a:r>
           </a:p>
           <a:p>
@@ -7909,11 +7947,6 @@
               </a:rPr>
               <a:t>|) steps, </a:t>
             </a:r>
-          </a:p>
-          <a:p>
-            <a:pPr marL="361950" lvl="1" indent="0" algn="just">
-              <a:buNone/>
-            </a:pPr>
             <a:r>
               <a:rPr lang="en-US" sz="2400" i="1" dirty="0">
                 <a:latin typeface="Constantia" panose="02030602050306030303" pitchFamily="18" charset="0"/>
